--- a/Presentation Materials/MVA-ApplicationsOnAzure.pptx
+++ b/Presentation Materials/MVA-ApplicationsOnAzure.pptx
@@ -16,11 +16,11 @@
     <p:sldId id="284" r:id="rId7"/>
     <p:sldId id="274" r:id="rId8"/>
     <p:sldId id="275" r:id="rId9"/>
-    <p:sldId id="276" r:id="rId10"/>
-    <p:sldId id="283" r:id="rId11"/>
-    <p:sldId id="277" r:id="rId12"/>
-    <p:sldId id="278" r:id="rId13"/>
-    <p:sldId id="282" r:id="rId14"/>
+    <p:sldId id="286" r:id="rId10"/>
+    <p:sldId id="288" r:id="rId11"/>
+    <p:sldId id="287" r:id="rId12"/>
+    <p:sldId id="285" r:id="rId13"/>
+    <p:sldId id="289" r:id="rId14"/>
     <p:sldId id="269" r:id="rId15"/>
   </p:sldIdLst>
   <p:sldSz cx="12192000" cy="6858000"/>
@@ -213,7 +213,7 @@
           <a:p>
             <a:fld id="{312E7B4A-039C-48A2-9B2C-AF16AA3873D8}" type="datetimeFigureOut">
               <a:rPr lang="en-US" smtClean="0"/>
-              <a:t>10/14/2015</a:t>
+              <a:t>11/5/2015</a:t>
             </a:fld>
             <a:endParaRPr lang="en-US"/>
           </a:p>
@@ -378,7 +378,7 @@
           <a:p>
             <a:fld id="{DA005A0C-54D9-45AA-87D4-C551D08DFCE1}" type="datetimeFigureOut">
               <a:rPr lang="en-US" smtClean="0"/>
-              <a:t>10/14/2015</a:t>
+              <a:t>11/5/2015</a:t>
             </a:fld>
             <a:endParaRPr lang="en-US"/>
           </a:p>
@@ -736,90 +736,6 @@
 </p:notes>
 </file>
 
-<file path=ppt/notesSlides/notesSlide10.xml><?xml version="1.0" encoding="utf-8"?>
-<p:notes xmlns:a="http://schemas.openxmlformats.org/drawingml/2006/main" xmlns:r="http://schemas.openxmlformats.org/officeDocument/2006/relationships" xmlns:p="http://schemas.openxmlformats.org/presentationml/2006/main">
-  <p:cSld>
-    <p:spTree>
-      <p:nvGrpSpPr>
-        <p:cNvPr id="1" name=""/>
-        <p:cNvGrpSpPr/>
-        <p:nvPr/>
-      </p:nvGrpSpPr>
-      <p:grpSpPr>
-        <a:xfrm>
-          <a:off x="0" y="0"/>
-          <a:ext cx="0" cy="0"/>
-          <a:chOff x="0" y="0"/>
-          <a:chExt cx="0" cy="0"/>
-        </a:xfrm>
-      </p:grpSpPr>
-      <p:sp>
-        <p:nvSpPr>
-          <p:cNvPr id="2" name="Slide Image Placeholder 1"/>
-          <p:cNvSpPr>
-            <a:spLocks noGrp="1" noRot="1" noChangeAspect="1"/>
-          </p:cNvSpPr>
-          <p:nvPr>
-            <p:ph type="sldImg"/>
-          </p:nvPr>
-        </p:nvSpPr>
-        <p:spPr/>
-      </p:sp>
-      <p:sp>
-        <p:nvSpPr>
-          <p:cNvPr id="3" name="Notes Placeholder 2"/>
-          <p:cNvSpPr>
-            <a:spLocks noGrp="1"/>
-          </p:cNvSpPr>
-          <p:nvPr>
-            <p:ph type="body" idx="1"/>
-          </p:nvPr>
-        </p:nvSpPr>
-        <p:spPr/>
-        <p:txBody>
-          <a:bodyPr/>
-          <a:lstStyle/>
-          <a:p>
-            <a:endParaRPr lang="en-US"/>
-          </a:p>
-        </p:txBody>
-      </p:sp>
-      <p:sp>
-        <p:nvSpPr>
-          <p:cNvPr id="4" name="Slide Number Placeholder 3"/>
-          <p:cNvSpPr>
-            <a:spLocks noGrp="1"/>
-          </p:cNvSpPr>
-          <p:nvPr>
-            <p:ph type="sldNum" sz="quarter" idx="10"/>
-          </p:nvPr>
-        </p:nvSpPr>
-        <p:spPr/>
-        <p:txBody>
-          <a:bodyPr/>
-          <a:lstStyle/>
-          <a:p>
-            <a:fld id="{4CFD207A-07DF-40AD-A916-9872E089CE7A}" type="slidenum">
-              <a:rPr lang="en-US" smtClean="0"/>
-              <a:t>10</a:t>
-            </a:fld>
-            <a:endParaRPr lang="en-US"/>
-          </a:p>
-        </p:txBody>
-      </p:sp>
-    </p:spTree>
-    <p:extLst>
-      <p:ext uri="{BB962C8B-B14F-4D97-AF65-F5344CB8AC3E}">
-        <p14:creationId xmlns:p14="http://schemas.microsoft.com/office/powerpoint/2010/main" val="1692121609"/>
-      </p:ext>
-    </p:extLst>
-  </p:cSld>
-  <p:clrMapOvr>
-    <a:masterClrMapping/>
-  </p:clrMapOvr>
-</p:notes>
-</file>
-
 <file path=ppt/notesSlides/notesSlide2.xml><?xml version="1.0" encoding="utf-8"?>
 <p:notes xmlns:a="http://schemas.openxmlformats.org/drawingml/2006/main" xmlns:r="http://schemas.openxmlformats.org/officeDocument/2006/relationships" xmlns:p="http://schemas.openxmlformats.org/presentationml/2006/main">
   <p:cSld>
@@ -1194,7 +1110,12 @@
             <p:ph type="sldImg"/>
           </p:nvPr>
         </p:nvSpPr>
-        <p:spPr/>
+        <p:spPr>
+          <a:xfrm>
+            <a:off x="381000" y="685800"/>
+            <a:ext cx="6096000" cy="3429000"/>
+          </a:xfrm>
+        </p:spPr>
       </p:sp>
       <p:sp>
         <p:nvSpPr>
@@ -1208,10 +1129,85 @@
         </p:nvSpPr>
         <p:spPr/>
         <p:txBody>
-          <a:bodyPr/>
+          <a:bodyPr>
+            <a:normAutofit/>
+          </a:bodyPr>
           <a:lstStyle/>
           <a:p>
-            <a:endParaRPr lang="en-US"/>
+            <a:r>
+              <a:rPr lang="en-CA" b="0" dirty="0" smtClean="0"/>
+              <a:t>These are all the regions</a:t>
+            </a:r>
+          </a:p>
+          <a:p>
+            <a:r>
+              <a:rPr lang="en-CA" b="0" dirty="0" smtClean="0"/>
+              <a:t>5 in the US,</a:t>
+            </a:r>
+            <a:r>
+              <a:rPr lang="en-CA" b="0" baseline="0" dirty="0" smtClean="0"/>
+              <a:t> + two government ones</a:t>
+            </a:r>
+          </a:p>
+          <a:p>
+            <a:r>
+              <a:rPr lang="en-CA" b="0" baseline="0" dirty="0" smtClean="0"/>
+              <a:t>Two in Europe</a:t>
+            </a:r>
+          </a:p>
+          <a:p>
+            <a:r>
+              <a:rPr lang="en-CA" b="0" baseline="0" dirty="0" smtClean="0"/>
+              <a:t>Hong </a:t>
+            </a:r>
+            <a:r>
+              <a:rPr lang="en-CA" b="0" baseline="0" dirty="0" err="1" smtClean="0"/>
+              <a:t>kong</a:t>
+            </a:r>
+            <a:endParaRPr lang="en-CA" b="0" baseline="0" dirty="0" smtClean="0"/>
+          </a:p>
+          <a:p>
+            <a:r>
+              <a:rPr lang="en-CA" b="0" baseline="0" dirty="0" err="1" smtClean="0"/>
+              <a:t>singapore</a:t>
+            </a:r>
+            <a:endParaRPr lang="en-CA" b="0" baseline="0" dirty="0" smtClean="0"/>
+          </a:p>
+          <a:p>
+            <a:r>
+              <a:rPr lang="en-CA" b="0" baseline="0" dirty="0" smtClean="0"/>
+              <a:t>2 in japan</a:t>
+            </a:r>
+          </a:p>
+          <a:p>
+            <a:r>
+              <a:rPr lang="en-CA" b="0" baseline="0" dirty="0" smtClean="0"/>
+              <a:t>Brazil</a:t>
+            </a:r>
+          </a:p>
+          <a:p>
+            <a:r>
+              <a:rPr lang="en-CA" b="0" baseline="0" dirty="0" smtClean="0"/>
+              <a:t>2 in Australia</a:t>
+            </a:r>
+          </a:p>
+          <a:p>
+            <a:r>
+              <a:rPr lang="en-CA" b="0" baseline="0" dirty="0" smtClean="0"/>
+              <a:t>3 in </a:t>
+            </a:r>
+            <a:r>
+              <a:rPr lang="en-CA" b="0" baseline="0" dirty="0" err="1" smtClean="0"/>
+              <a:t>india</a:t>
+            </a:r>
+            <a:endParaRPr lang="en-CA" b="0" baseline="0" dirty="0" smtClean="0"/>
+          </a:p>
+          <a:p>
+            <a:r>
+              <a:rPr lang="en-CA" b="0" baseline="0" dirty="0" smtClean="0"/>
+              <a:t>Coming 2 in Canada some time in 2016 Toronto and Quebec City</a:t>
+            </a:r>
+            <a:endParaRPr lang="en-CA" b="0" dirty="0" smtClean="0"/>
           </a:p>
         </p:txBody>
       </p:sp>
@@ -1230,18 +1226,19 @@
           <a:bodyPr/>
           <a:lstStyle/>
           <a:p>
-            <a:fld id="{4CFD207A-07DF-40AD-A916-9872E089CE7A}" type="slidenum">
+            <a:fld id="{13F0F35F-DD44-4607-AEC1-49D7A4BC4066}" type="slidenum">
               <a:rPr lang="en-US" smtClean="0"/>
+              <a:pPr/>
               <a:t>6</a:t>
             </a:fld>
-            <a:endParaRPr lang="en-US"/>
+            <a:endParaRPr lang="en-US" dirty="0"/>
           </a:p>
         </p:txBody>
       </p:sp>
     </p:spTree>
     <p:extLst>
       <p:ext uri="{BB962C8B-B14F-4D97-AF65-F5344CB8AC3E}">
-        <p14:creationId xmlns:p14="http://schemas.microsoft.com/office/powerpoint/2010/main" val="3925211110"/>
+        <p14:creationId xmlns:p14="http://schemas.microsoft.com/office/powerpoint/2010/main" val="1942650621"/>
       </p:ext>
     </p:extLst>
   </p:cSld>
@@ -1295,7 +1292,36 @@
           <a:bodyPr/>
           <a:lstStyle/>
           <a:p>
-            <a:endParaRPr lang="en-US"/>
+            <a:r>
+              <a:rPr lang="en-US" dirty="0" smtClean="0"/>
+              <a:t>Aardvark, aardwolf, bazaar </a:t>
+            </a:r>
+            <a:r>
+              <a:rPr lang="en-US" baseline="0" dirty="0" smtClean="0"/>
+              <a:t>all other words with two As in them</a:t>
+            </a:r>
+          </a:p>
+          <a:p>
+            <a:endParaRPr lang="en-US" baseline="0" dirty="0" smtClean="0"/>
+          </a:p>
+          <a:p>
+            <a:r>
+              <a:rPr lang="en-US" baseline="0" dirty="0" err="1" smtClean="0"/>
+              <a:t>Hanselman’s</a:t>
+            </a:r>
+            <a:r>
+              <a:rPr lang="en-US" baseline="0" dirty="0" smtClean="0"/>
+              <a:t> </a:t>
+            </a:r>
+            <a:r>
+              <a:rPr lang="en-US" baseline="0" dirty="0" err="1" smtClean="0"/>
+              <a:t>explination</a:t>
+            </a:r>
+            <a:r>
+              <a:rPr lang="en-US" baseline="0" dirty="0" smtClean="0"/>
+              <a:t> of taxi, rental car and owning a car</a:t>
+            </a:r>
+            <a:endParaRPr lang="en-US" dirty="0"/>
           </a:p>
         </p:txBody>
       </p:sp>
@@ -1325,7 +1351,7 @@
     </p:spTree>
     <p:extLst>
       <p:ext uri="{BB962C8B-B14F-4D97-AF65-F5344CB8AC3E}">
-        <p14:creationId xmlns:p14="http://schemas.microsoft.com/office/powerpoint/2010/main" val="1260161593"/>
+        <p14:creationId xmlns:p14="http://schemas.microsoft.com/office/powerpoint/2010/main" val="30606489"/>
       </p:ext>
     </p:extLst>
   </p:cSld>
@@ -1371,6 +1397,27 @@
       </p:sp>
       <p:sp>
         <p:nvSpPr>
+          <p:cNvPr id="3" name="Notes Placeholder 2"/>
+          <p:cNvSpPr>
+            <a:spLocks noGrp="1"/>
+          </p:cNvSpPr>
+          <p:nvPr>
+            <p:ph type="body" idx="1"/>
+          </p:nvPr>
+        </p:nvSpPr>
+        <p:spPr/>
+        <p:txBody>
+          <a:bodyPr>
+            <a:normAutofit/>
+          </a:bodyPr>
+          <a:lstStyle/>
+          <a:p>
+            <a:endParaRPr lang="en-CA" b="0" dirty="0" smtClean="0"/>
+          </a:p>
+        </p:txBody>
+      </p:sp>
+      <p:sp>
+        <p:nvSpPr>
           <p:cNvPr id="4" name="Slide Number Placeholder 3"/>
           <p:cNvSpPr>
             <a:spLocks noGrp="1"/>
@@ -1393,29 +1440,10 @@
           </a:p>
         </p:txBody>
       </p:sp>
-      <p:sp>
-        <p:nvSpPr>
-          <p:cNvPr id="3" name="Notes Placeholder 2"/>
-          <p:cNvSpPr>
-            <a:spLocks noGrp="1"/>
-          </p:cNvSpPr>
-          <p:nvPr>
-            <p:ph type="body" idx="1"/>
-          </p:nvPr>
-        </p:nvSpPr>
-        <p:spPr/>
-        <p:txBody>
-          <a:bodyPr/>
-          <a:lstStyle/>
-          <a:p>
-            <a:endParaRPr lang="en-US" dirty="0"/>
-          </a:p>
-        </p:txBody>
-      </p:sp>
     </p:spTree>
     <p:extLst>
       <p:ext uri="{BB962C8B-B14F-4D97-AF65-F5344CB8AC3E}">
-        <p14:creationId xmlns:p14="http://schemas.microsoft.com/office/powerpoint/2010/main" val="1088711496"/>
+        <p14:creationId xmlns:p14="http://schemas.microsoft.com/office/powerpoint/2010/main" val="2151300504"/>
       </p:ext>
     </p:extLst>
   </p:cSld>
@@ -1452,7 +1480,12 @@
             <p:ph type="sldImg"/>
           </p:nvPr>
         </p:nvSpPr>
-        <p:spPr/>
+        <p:spPr>
+          <a:xfrm>
+            <a:off x="381000" y="685800"/>
+            <a:ext cx="6096000" cy="3429000"/>
+          </a:xfrm>
+        </p:spPr>
       </p:sp>
       <p:sp>
         <p:nvSpPr>
@@ -1467,16 +1500,11 @@
         <p:spPr/>
         <p:txBody>
           <a:bodyPr>
-            <a:noAutofit/>
+            <a:normAutofit/>
           </a:bodyPr>
           <a:lstStyle/>
           <a:p>
-            <a:endParaRPr lang="en-GB" dirty="0">
-              <a:solidFill>
-                <a:schemeClr val="tx2"/>
-              </a:solidFill>
-              <a:latin typeface="Segoe" pitchFamily="34" charset="0"/>
-            </a:endParaRPr>
+            <a:endParaRPr lang="en-CA" b="0" dirty="0" smtClean="0"/>
           </a:p>
         </p:txBody>
       </p:sp>
@@ -1507,7 +1535,7 @@
     </p:spTree>
     <p:extLst>
       <p:ext uri="{BB962C8B-B14F-4D97-AF65-F5344CB8AC3E}">
-        <p14:creationId xmlns:p14="http://schemas.microsoft.com/office/powerpoint/2010/main" val="1542757562"/>
+        <p14:creationId xmlns:p14="http://schemas.microsoft.com/office/powerpoint/2010/main" val="1542080254"/>
       </p:ext>
     </p:extLst>
   </p:cSld>
@@ -1934,660 +1962,6 @@
 </file>
 
 <file path=ppt/slideLayouts/slideLayout2.xml><?xml version="1.0" encoding="utf-8"?>
-<p:sldLayout xmlns:a="http://schemas.openxmlformats.org/drawingml/2006/main" xmlns:r="http://schemas.openxmlformats.org/officeDocument/2006/relationships" xmlns:p="http://schemas.openxmlformats.org/presentationml/2006/main" userDrawn="1">
-  <p:cSld name="1_Section Header">
-    <p:spTree>
-      <p:nvGrpSpPr>
-        <p:cNvPr id="1" name=""/>
-        <p:cNvGrpSpPr/>
-        <p:nvPr/>
-      </p:nvGrpSpPr>
-      <p:grpSpPr>
-        <a:xfrm>
-          <a:off x="0" y="0"/>
-          <a:ext cx="0" cy="0"/>
-          <a:chOff x="0" y="0"/>
-          <a:chExt cx="0" cy="0"/>
-        </a:xfrm>
-      </p:grpSpPr>
-      <p:sp>
-        <p:nvSpPr>
-          <p:cNvPr id="9" name="Subtitle 2"/>
-          <p:cNvSpPr txBox="1">
-            <a:spLocks/>
-          </p:cNvSpPr>
-          <p:nvPr userDrawn="1"/>
-        </p:nvSpPr>
-        <p:spPr>
-          <a:xfrm>
-            <a:off x="8738733" y="2685050"/>
-            <a:ext cx="2241224" cy="2355337"/>
-          </a:xfrm>
-          <a:prstGeom prst="rect">
-            <a:avLst/>
-          </a:prstGeom>
-        </p:spPr>
-        <p:txBody>
-          <a:bodyPr vert="horz" lIns="91409" tIns="45705" rIns="91409" bIns="45705" rtlCol="0" anchor="ctr" anchorCtr="0">
-            <a:normAutofit/>
-          </a:bodyPr>
-          <a:lstStyle>
-            <a:lvl1pPr marL="0" indent="0" algn="l" defTabSz="914052" rtl="0" eaLnBrk="1" latinLnBrk="0" hangingPunct="1">
-              <a:lnSpc>
-                <a:spcPct val="100000"/>
-              </a:lnSpc>
-              <a:spcBef>
-                <a:spcPts val="0"/>
-              </a:spcBef>
-              <a:buSzPct val="90000"/>
-              <a:buFont typeface="Arial" pitchFamily="34" charset="0"/>
-              <a:buNone/>
-              <a:defRPr lang="en-US" sz="1800" b="1" kern="1200" spc="-30" baseline="0" dirty="0">
-                <a:gradFill>
-                  <a:gsLst>
-                    <a:gs pos="1250">
-                      <a:srgbClr val="FFFFFF"/>
-                    </a:gs>
-                    <a:gs pos="6250">
-                      <a:srgbClr val="FFFFFF"/>
-                    </a:gs>
-                  </a:gsLst>
-                  <a:lin ang="5400000" scaled="0"/>
-                </a:gradFill>
-                <a:latin typeface="Segoe UI" pitchFamily="34" charset="0"/>
-                <a:ea typeface="Segoe UI" pitchFamily="34" charset="0"/>
-                <a:cs typeface="Segoe UI" pitchFamily="34" charset="0"/>
-              </a:defRPr>
-            </a:lvl1pPr>
-            <a:lvl2pPr marL="457044" indent="0" algn="ctr" defTabSz="914088" rtl="0" eaLnBrk="1" latinLnBrk="0" hangingPunct="1">
-              <a:spcBef>
-                <a:spcPts val="300"/>
-              </a:spcBef>
-              <a:spcAft>
-                <a:spcPts val="300"/>
-              </a:spcAft>
-              <a:buFont typeface="Arial" pitchFamily="34" charset="0"/>
-              <a:buNone/>
-              <a:defRPr sz="2800" kern="1200">
-                <a:solidFill>
-                  <a:schemeClr val="tx1">
-                    <a:tint val="75000"/>
-                  </a:schemeClr>
-                </a:solidFill>
-                <a:latin typeface="Segoe UI" pitchFamily="34" charset="0"/>
-                <a:ea typeface="Segoe UI" pitchFamily="34" charset="0"/>
-                <a:cs typeface="Segoe UI" pitchFamily="34" charset="0"/>
-              </a:defRPr>
-            </a:lvl2pPr>
-            <a:lvl3pPr marL="914088" indent="0" algn="ctr" defTabSz="914088" rtl="0" eaLnBrk="1" latinLnBrk="0" hangingPunct="1">
-              <a:spcBef>
-                <a:spcPts val="200"/>
-              </a:spcBef>
-              <a:spcAft>
-                <a:spcPts val="200"/>
-              </a:spcAft>
-              <a:buFont typeface="Arial" pitchFamily="34" charset="0"/>
-              <a:buNone/>
-              <a:defRPr sz="2400" kern="1200">
-                <a:solidFill>
-                  <a:schemeClr val="tx1">
-                    <a:tint val="75000"/>
-                  </a:schemeClr>
-                </a:solidFill>
-                <a:latin typeface="Segoe UI" pitchFamily="34" charset="0"/>
-                <a:ea typeface="Segoe UI" pitchFamily="34" charset="0"/>
-                <a:cs typeface="Segoe UI" pitchFamily="34" charset="0"/>
-              </a:defRPr>
-            </a:lvl3pPr>
-            <a:lvl4pPr marL="1371133" indent="0" algn="ctr" defTabSz="914088" rtl="0" eaLnBrk="1" latinLnBrk="0" hangingPunct="1">
-              <a:spcBef>
-                <a:spcPct val="20000"/>
-              </a:spcBef>
-              <a:buFont typeface="Arial" pitchFamily="34" charset="0"/>
-              <a:buNone/>
-              <a:defRPr sz="2000" kern="1200">
-                <a:solidFill>
-                  <a:schemeClr val="tx1">
-                    <a:tint val="75000"/>
-                  </a:schemeClr>
-                </a:solidFill>
-                <a:latin typeface="Segoe UI" pitchFamily="34" charset="0"/>
-                <a:ea typeface="Segoe UI" pitchFamily="34" charset="0"/>
-                <a:cs typeface="Segoe UI" pitchFamily="34" charset="0"/>
-              </a:defRPr>
-            </a:lvl4pPr>
-            <a:lvl5pPr marL="1828178" indent="0" algn="ctr" defTabSz="914088" rtl="0" eaLnBrk="1" latinLnBrk="0" hangingPunct="1">
-              <a:spcBef>
-                <a:spcPct val="20000"/>
-              </a:spcBef>
-              <a:buFont typeface="Arial" pitchFamily="34" charset="0"/>
-              <a:buNone/>
-              <a:defRPr sz="2000" kern="1200">
-                <a:solidFill>
-                  <a:schemeClr val="tx1">
-                    <a:tint val="75000"/>
-                  </a:schemeClr>
-                </a:solidFill>
-                <a:latin typeface="Segoe UI" pitchFamily="34" charset="0"/>
-                <a:ea typeface="Segoe UI" pitchFamily="34" charset="0"/>
-                <a:cs typeface="Segoe UI" pitchFamily="34" charset="0"/>
-              </a:defRPr>
-            </a:lvl5pPr>
-            <a:lvl6pPr marL="2285222" indent="0" algn="ctr" defTabSz="914088" rtl="0" eaLnBrk="1" latinLnBrk="0" hangingPunct="1">
-              <a:spcBef>
-                <a:spcPct val="20000"/>
-              </a:spcBef>
-              <a:buFont typeface="Arial" pitchFamily="34" charset="0"/>
-              <a:buNone/>
-              <a:defRPr sz="2000" kern="1200">
-                <a:solidFill>
-                  <a:schemeClr val="tx1">
-                    <a:tint val="75000"/>
-                  </a:schemeClr>
-                </a:solidFill>
-                <a:latin typeface="+mn-lt"/>
-                <a:ea typeface="+mn-ea"/>
-                <a:cs typeface="+mn-cs"/>
-              </a:defRPr>
-            </a:lvl6pPr>
-            <a:lvl7pPr marL="2742267" indent="0" algn="ctr" defTabSz="914088" rtl="0" eaLnBrk="1" latinLnBrk="0" hangingPunct="1">
-              <a:spcBef>
-                <a:spcPct val="20000"/>
-              </a:spcBef>
-              <a:buFont typeface="Arial" pitchFamily="34" charset="0"/>
-              <a:buNone/>
-              <a:defRPr sz="2000" kern="1200">
-                <a:solidFill>
-                  <a:schemeClr val="tx1">
-                    <a:tint val="75000"/>
-                  </a:schemeClr>
-                </a:solidFill>
-                <a:latin typeface="+mn-lt"/>
-                <a:ea typeface="+mn-ea"/>
-                <a:cs typeface="+mn-cs"/>
-              </a:defRPr>
-            </a:lvl7pPr>
-            <a:lvl8pPr marL="3199311" indent="0" algn="ctr" defTabSz="914088" rtl="0" eaLnBrk="1" latinLnBrk="0" hangingPunct="1">
-              <a:spcBef>
-                <a:spcPct val="20000"/>
-              </a:spcBef>
-              <a:buFont typeface="Arial" pitchFamily="34" charset="0"/>
-              <a:buNone/>
-              <a:defRPr sz="2000" kern="1200">
-                <a:solidFill>
-                  <a:schemeClr val="tx1">
-                    <a:tint val="75000"/>
-                  </a:schemeClr>
-                </a:solidFill>
-                <a:latin typeface="+mn-lt"/>
-                <a:ea typeface="+mn-ea"/>
-                <a:cs typeface="+mn-cs"/>
-              </a:defRPr>
-            </a:lvl8pPr>
-            <a:lvl9pPr marL="3656358" indent="0" algn="ctr" defTabSz="914088" rtl="0" eaLnBrk="1" latinLnBrk="0" hangingPunct="1">
-              <a:spcBef>
-                <a:spcPct val="20000"/>
-              </a:spcBef>
-              <a:buFont typeface="Arial" pitchFamily="34" charset="0"/>
-              <a:buNone/>
-              <a:defRPr sz="2000" kern="1200">
-                <a:solidFill>
-                  <a:schemeClr val="tx1">
-                    <a:tint val="75000"/>
-                  </a:schemeClr>
-                </a:solidFill>
-                <a:latin typeface="+mn-lt"/>
-                <a:ea typeface="+mn-ea"/>
-                <a:cs typeface="+mn-cs"/>
-              </a:defRPr>
-            </a:lvl9pPr>
-          </a:lstStyle>
-          <a:p>
-            <a:r>
-              <a:rPr lang="en-US" smtClean="0"/>
-              <a:t>Click to edit Master subtitle style</a:t>
-            </a:r>
-            <a:endParaRPr lang="en-US"/>
-          </a:p>
-        </p:txBody>
-      </p:sp>
-      <p:sp>
-        <p:nvSpPr>
-          <p:cNvPr id="13" name="Title 1"/>
-          <p:cNvSpPr txBox="1">
-            <a:spLocks/>
-          </p:cNvSpPr>
-          <p:nvPr userDrawn="1"/>
-        </p:nvSpPr>
-        <p:spPr>
-          <a:xfrm>
-            <a:off x="193271" y="3376350"/>
-            <a:ext cx="8409867" cy="1692617"/>
-          </a:xfrm>
-          <a:prstGeom prst="rect">
-            <a:avLst/>
-          </a:prstGeom>
-          <a:solidFill>
-            <a:srgbClr val="007233"/>
-          </a:solidFill>
-          <a:effectLst/>
-        </p:spPr>
-        <p:txBody>
-          <a:bodyPr vert="horz" lIns="137160" tIns="137160" rIns="91409" bIns="137160" rtlCol="0" anchor="b" anchorCtr="0">
-            <a:noAutofit/>
-          </a:bodyPr>
-          <a:lstStyle>
-            <a:lvl1pPr algn="l" defTabSz="914088" rtl="0" eaLnBrk="1" latinLnBrk="0" hangingPunct="1">
-              <a:spcBef>
-                <a:spcPct val="0"/>
-              </a:spcBef>
-              <a:buNone/>
-              <a:defRPr lang="en-US" sz="4000" kern="0" dirty="0">
-                <a:ln w="3175">
-                  <a:noFill/>
-                </a:ln>
-                <a:gradFill flip="none" rotWithShape="1">
-                  <a:gsLst>
-                    <a:gs pos="4583">
-                      <a:srgbClr val="FFFFFF"/>
-                    </a:gs>
-                    <a:gs pos="100000">
-                      <a:srgbClr val="FFFFFF"/>
-                    </a:gs>
-                  </a:gsLst>
-                  <a:lin ang="5400000" scaled="0"/>
-                  <a:tileRect/>
-                </a:gradFill>
-                <a:latin typeface="Segoe UI" pitchFamily="34" charset="0"/>
-                <a:ea typeface="Segoe UI" pitchFamily="34" charset="0"/>
-                <a:cs typeface="Segoe UI" pitchFamily="34" charset="0"/>
-              </a:defRPr>
-            </a:lvl1pPr>
-          </a:lstStyle>
-          <a:p>
-            <a:endParaRPr lang="en-US" sz="4000" dirty="0"/>
-          </a:p>
-        </p:txBody>
-      </p:sp>
-      <p:sp>
-        <p:nvSpPr>
-          <p:cNvPr id="14" name="top right small rectangle"/>
-          <p:cNvSpPr/>
-          <p:nvPr userDrawn="1"/>
-        </p:nvSpPr>
-        <p:spPr bwMode="auto">
-          <a:xfrm>
-            <a:off x="8682790" y="3374967"/>
-            <a:ext cx="3257419" cy="1694322"/>
-          </a:xfrm>
-          <a:prstGeom prst="rect">
-            <a:avLst/>
-          </a:prstGeom>
-          <a:solidFill>
-            <a:schemeClr val="tx2"/>
-          </a:solidFill>
-          <a:ln>
-            <a:noFill/>
-            <a:headEnd type="none" w="med" len="med"/>
-            <a:tailEnd type="none" w="med" len="med"/>
-          </a:ln>
-        </p:spPr>
-        <p:style>
-          <a:lnRef idx="2">
-            <a:schemeClr val="accent5">
-              <a:shade val="50000"/>
-            </a:schemeClr>
-          </a:lnRef>
-          <a:fillRef idx="1">
-            <a:schemeClr val="accent5"/>
-          </a:fillRef>
-          <a:effectRef idx="0">
-            <a:schemeClr val="accent5"/>
-          </a:effectRef>
-          <a:fontRef idx="minor">
-            <a:schemeClr val="lt1"/>
-          </a:fontRef>
-        </p:style>
-        <p:txBody>
-          <a:bodyPr vert="horz" wrap="square" lIns="91404" tIns="45703" rIns="91404" bIns="45703" numCol="1" rtlCol="0" anchor="ctr" anchorCtr="0" compatLnSpc="1">
-            <a:prstTxWarp prst="textNoShape">
-              <a:avLst/>
-            </a:prstTxWarp>
-          </a:bodyPr>
-          <a:lstStyle/>
-          <a:p>
-            <a:pPr algn="ctr" defTabSz="913788" fontAlgn="base">
-              <a:spcBef>
-                <a:spcPct val="0"/>
-              </a:spcBef>
-              <a:spcAft>
-                <a:spcPct val="0"/>
-              </a:spcAft>
-            </a:pPr>
-            <a:endParaRPr lang="en-US" sz="2200" dirty="0">
-              <a:gradFill>
-                <a:gsLst>
-                  <a:gs pos="0">
-                    <a:srgbClr val="FFFFFF"/>
-                  </a:gs>
-                  <a:gs pos="100000">
-                    <a:srgbClr val="FFFFFF"/>
-                  </a:gs>
-                </a:gsLst>
-                <a:lin ang="5400000" scaled="0"/>
-              </a:gradFill>
-            </a:endParaRPr>
-          </a:p>
-        </p:txBody>
-      </p:sp>
-      <p:pic>
-        <p:nvPicPr>
-          <p:cNvPr id="15" name="Picture 14"/>
-          <p:cNvPicPr>
-            <a:picLocks noChangeAspect="1"/>
-          </p:cNvPicPr>
-          <p:nvPr userDrawn="1"/>
-        </p:nvPicPr>
-        <p:blipFill rotWithShape="1">
-          <a:blip r:embed="rId2" cstate="print">
-            <a:extLst>
-              <a:ext uri="{28A0092B-C50C-407E-A947-70E740481C1C}">
-                <a14:useLocalDpi xmlns:a14="http://schemas.microsoft.com/office/drawing/2010/main" val="0"/>
-              </a:ext>
-            </a:extLst>
-          </a:blip>
-          <a:srcRect l="9720" t="16544" r="7275" b="16691"/>
-          <a:stretch/>
-        </p:blipFill>
-        <p:spPr>
-          <a:xfrm>
-            <a:off x="11181757" y="4821401"/>
-            <a:ext cx="740346" cy="218986"/>
-          </a:xfrm>
-          <a:prstGeom prst="rect">
-            <a:avLst/>
-          </a:prstGeom>
-        </p:spPr>
-      </p:pic>
-      <p:sp>
-        <p:nvSpPr>
-          <p:cNvPr id="16" name="Text Placeholder 10"/>
-          <p:cNvSpPr>
-            <a:spLocks noGrp="1"/>
-          </p:cNvSpPr>
-          <p:nvPr>
-            <p:ph type="body" sz="quarter" idx="10" hasCustomPrompt="1"/>
-          </p:nvPr>
-        </p:nvSpPr>
-        <p:spPr>
-          <a:xfrm>
-            <a:off x="292101" y="3466407"/>
-            <a:ext cx="8215796" cy="1485524"/>
-          </a:xfrm>
-          <a:prstGeom prst="rect">
-            <a:avLst/>
-          </a:prstGeom>
-        </p:spPr>
-        <p:txBody>
-          <a:bodyPr anchor="b" anchorCtr="0">
-            <a:normAutofit/>
-          </a:bodyPr>
-          <a:lstStyle>
-            <a:lvl1pPr marL="0" indent="0">
-              <a:buNone/>
-              <a:defRPr sz="3600" b="0" baseline="0">
-                <a:solidFill>
-                  <a:schemeClr val="bg1"/>
-                </a:solidFill>
-                <a:latin typeface="Segoe UI Light" panose="020B0502040204020203" pitchFamily="34" charset="0"/>
-                <a:cs typeface="Segoe UI Light" panose="020B0502040204020203" pitchFamily="34" charset="0"/>
-              </a:defRPr>
-            </a:lvl1pPr>
-          </a:lstStyle>
-          <a:p>
-            <a:pPr lvl="0"/>
-            <a:r>
-              <a:rPr lang="en-US" dirty="0" smtClean="0"/>
-              <a:t>Module or Section transition style</a:t>
-            </a:r>
-          </a:p>
-        </p:txBody>
-      </p:sp>
-      <p:sp>
-        <p:nvSpPr>
-          <p:cNvPr id="11" name="Subtitle 2"/>
-          <p:cNvSpPr>
-            <a:spLocks noGrp="1"/>
-          </p:cNvSpPr>
-          <p:nvPr>
-            <p:ph type="subTitle" idx="1"/>
-          </p:nvPr>
-        </p:nvSpPr>
-        <p:spPr>
-          <a:xfrm>
-            <a:off x="193271" y="5132437"/>
-            <a:ext cx="8409867" cy="1460779"/>
-          </a:xfrm>
-          <a:prstGeom prst="rect">
-            <a:avLst/>
-          </a:prstGeom>
-        </p:spPr>
-        <p:txBody>
-          <a:bodyPr lIns="137160" tIns="137160" rIns="137160" bIns="137160" anchor="b" anchorCtr="0">
-            <a:normAutofit/>
-          </a:bodyPr>
-          <a:lstStyle>
-            <a:lvl1pPr marL="0" indent="0" algn="l" defTabSz="914052" rtl="0" eaLnBrk="1" latinLnBrk="0" hangingPunct="1">
-              <a:lnSpc>
-                <a:spcPct val="100000"/>
-              </a:lnSpc>
-              <a:spcBef>
-                <a:spcPts val="0"/>
-              </a:spcBef>
-              <a:buSzPct val="90000"/>
-              <a:buFont typeface="Arial" pitchFamily="34" charset="0"/>
-              <a:buNone/>
-              <a:defRPr lang="en-US" sz="2400" b="0" kern="0" spc="0" baseline="0" dirty="0">
-                <a:solidFill>
-                  <a:schemeClr val="tx1"/>
-                </a:solidFill>
-                <a:latin typeface="Segoe UI Light" panose="020B0502040204020203" pitchFamily="34" charset="0"/>
-                <a:ea typeface="Segoe UI Light" panose="020B0502040204020203" pitchFamily="34" charset="0"/>
-                <a:cs typeface="Segoe UI Light" panose="020B0502040204020203" pitchFamily="34" charset="0"/>
-              </a:defRPr>
-            </a:lvl1pPr>
-            <a:lvl2pPr marL="457044" indent="0" algn="ctr">
-              <a:buNone/>
-              <a:defRPr>
-                <a:solidFill>
-                  <a:schemeClr val="tx1">
-                    <a:tint val="75000"/>
-                  </a:schemeClr>
-                </a:solidFill>
-              </a:defRPr>
-            </a:lvl2pPr>
-            <a:lvl3pPr marL="914088" indent="0" algn="ctr">
-              <a:buNone/>
-              <a:defRPr>
-                <a:solidFill>
-                  <a:schemeClr val="tx1">
-                    <a:tint val="75000"/>
-                  </a:schemeClr>
-                </a:solidFill>
-              </a:defRPr>
-            </a:lvl3pPr>
-            <a:lvl4pPr marL="1371133" indent="0" algn="ctr">
-              <a:buNone/>
-              <a:defRPr>
-                <a:solidFill>
-                  <a:schemeClr val="tx1">
-                    <a:tint val="75000"/>
-                  </a:schemeClr>
-                </a:solidFill>
-              </a:defRPr>
-            </a:lvl4pPr>
-            <a:lvl5pPr marL="1828178" indent="0" algn="ctr">
-              <a:buNone/>
-              <a:defRPr>
-                <a:solidFill>
-                  <a:schemeClr val="tx1">
-                    <a:tint val="75000"/>
-                  </a:schemeClr>
-                </a:solidFill>
-              </a:defRPr>
-            </a:lvl5pPr>
-            <a:lvl6pPr marL="2285222" indent="0" algn="ctr">
-              <a:buNone/>
-              <a:defRPr>
-                <a:solidFill>
-                  <a:schemeClr val="tx1">
-                    <a:tint val="75000"/>
-                  </a:schemeClr>
-                </a:solidFill>
-              </a:defRPr>
-            </a:lvl6pPr>
-            <a:lvl7pPr marL="2742267" indent="0" algn="ctr">
-              <a:buNone/>
-              <a:defRPr>
-                <a:solidFill>
-                  <a:schemeClr val="tx1">
-                    <a:tint val="75000"/>
-                  </a:schemeClr>
-                </a:solidFill>
-              </a:defRPr>
-            </a:lvl7pPr>
-            <a:lvl8pPr marL="3199311" indent="0" algn="ctr">
-              <a:buNone/>
-              <a:defRPr>
-                <a:solidFill>
-                  <a:schemeClr val="tx1">
-                    <a:tint val="75000"/>
-                  </a:schemeClr>
-                </a:solidFill>
-              </a:defRPr>
-            </a:lvl8pPr>
-            <a:lvl9pPr marL="3656358" indent="0" algn="ctr">
-              <a:buNone/>
-              <a:defRPr>
-                <a:solidFill>
-                  <a:schemeClr val="tx1">
-                    <a:tint val="75000"/>
-                  </a:schemeClr>
-                </a:solidFill>
-              </a:defRPr>
-            </a:lvl9pPr>
-          </a:lstStyle>
-          <a:p>
-            <a:r>
-              <a:rPr lang="en-US" dirty="0" smtClean="0"/>
-              <a:t>Click to edit Master subtitle style</a:t>
-            </a:r>
-            <a:endParaRPr lang="en-US" dirty="0"/>
-          </a:p>
-        </p:txBody>
-      </p:sp>
-      <p:sp>
-        <p:nvSpPr>
-          <p:cNvPr id="10" name="TextBox 9"/>
-          <p:cNvSpPr txBox="1"/>
-          <p:nvPr userDrawn="1"/>
-        </p:nvSpPr>
-        <p:spPr>
-          <a:xfrm>
-            <a:off x="193271" y="164177"/>
-            <a:ext cx="3691466" cy="246221"/>
-          </a:xfrm>
-          <a:prstGeom prst="rect">
-            <a:avLst/>
-          </a:prstGeom>
-          <a:noFill/>
-        </p:spPr>
-        <p:txBody>
-          <a:bodyPr wrap="square" lIns="0" tIns="0" rIns="0" bIns="0" rtlCol="0" anchor="ctr">
-            <a:spAutoFit/>
-          </a:bodyPr>
-          <a:lstStyle/>
-          <a:p>
-            <a:pPr algn="l"/>
-            <a:r>
-              <a:rPr lang="en-US" sz="1600" dirty="0" smtClean="0">
-                <a:solidFill>
-                  <a:schemeClr val="tx1">
-                    <a:lumMod val="75000"/>
-                    <a:lumOff val="25000"/>
-                    <a:alpha val="99000"/>
-                  </a:schemeClr>
-                </a:solidFill>
-                <a:latin typeface="Segoe UI" panose="020B0502040204020203" pitchFamily="34" charset="0"/>
-                <a:cs typeface="Segoe UI" panose="020B0502040204020203" pitchFamily="34" charset="0"/>
-              </a:rPr>
-              <a:t>Microsoft</a:t>
-            </a:r>
-            <a:r>
-              <a:rPr lang="en-US" sz="1600" baseline="0" dirty="0" smtClean="0">
-                <a:solidFill>
-                  <a:schemeClr val="tx1">
-                    <a:lumMod val="75000"/>
-                    <a:lumOff val="25000"/>
-                    <a:alpha val="99000"/>
-                  </a:schemeClr>
-                </a:solidFill>
-                <a:latin typeface="Segoe UI" panose="020B0502040204020203" pitchFamily="34" charset="0"/>
-                <a:cs typeface="Segoe UI" panose="020B0502040204020203" pitchFamily="34" charset="0"/>
-              </a:rPr>
-              <a:t> Virtual Academy</a:t>
-            </a:r>
-            <a:endParaRPr lang="en-US" sz="1600" dirty="0" smtClean="0">
-              <a:solidFill>
-                <a:schemeClr val="tx1">
-                  <a:lumMod val="75000"/>
-                  <a:lumOff val="25000"/>
-                  <a:alpha val="99000"/>
-                </a:schemeClr>
-              </a:solidFill>
-              <a:latin typeface="Segoe UI" panose="020B0502040204020203" pitchFamily="34" charset="0"/>
-              <a:cs typeface="Segoe UI" panose="020B0502040204020203" pitchFamily="34" charset="0"/>
-            </a:endParaRPr>
-          </a:p>
-        </p:txBody>
-      </p:sp>
-    </p:spTree>
-    <p:extLst>
-      <p:ext uri="{BB962C8B-B14F-4D97-AF65-F5344CB8AC3E}">
-        <p14:creationId xmlns:p14="http://schemas.microsoft.com/office/powerpoint/2010/main" val="3891348690"/>
-      </p:ext>
-    </p:extLst>
-  </p:cSld>
-  <p:clrMapOvr>
-    <a:masterClrMapping/>
-  </p:clrMapOvr>
-  <p:timing>
-    <p:tnLst>
-      <p:par>
-        <p:cTn id="1" dur="indefinite" restart="never" nodeType="tmRoot"/>
-      </p:par>
-    </p:tnLst>
-  </p:timing>
-  <p:extLst mod="1">
-    <p:ext uri="{DCECCB84-F9BA-43D5-87BE-67443E8EF086}">
-      <p15:sldGuideLst xmlns:p15="http://schemas.microsoft.com/office/powerpoint/2012/main">
-        <p15:guide id="1" orient="horz" pos="2160">
-          <p15:clr>
-            <a:srgbClr val="FBAE40"/>
-          </p15:clr>
-        </p15:guide>
-        <p15:guide id="2" pos="3840">
-          <p15:clr>
-            <a:srgbClr val="FBAE40"/>
-          </p15:clr>
-        </p15:guide>
-      </p15:sldGuideLst>
-    </p:ext>
-  </p:extLst>
-</p:sldLayout>
-</file>
-
-<file path=ppt/slideLayouts/slideLayout3.xml><?xml version="1.0" encoding="utf-8"?>
 <p:sldLayout xmlns:a="http://schemas.openxmlformats.org/drawingml/2006/main" xmlns:r="http://schemas.openxmlformats.org/officeDocument/2006/relationships" xmlns:p="http://schemas.openxmlformats.org/presentationml/2006/main" preserve="1" userDrawn="1">
   <p:cSld name="DEMO Layout">
     <p:spTree>
@@ -2805,7 +2179,7 @@
 </p:sldLayout>
 </file>
 
-<file path=ppt/slideLayouts/slideLayout4.xml><?xml version="1.0" encoding="utf-8"?>
+<file path=ppt/slideLayouts/slideLayout3.xml><?xml version="1.0" encoding="utf-8"?>
 <p:sldLayout xmlns:a="http://schemas.openxmlformats.org/drawingml/2006/main" xmlns:r="http://schemas.openxmlformats.org/officeDocument/2006/relationships" xmlns:p="http://schemas.openxmlformats.org/presentationml/2006/main" preserve="1" userDrawn="1">
   <p:cSld name="Title and Content">
     <p:spTree>
@@ -2964,7 +2338,7 @@
 </p:sldLayout>
 </file>
 
-<file path=ppt/slideLayouts/slideLayout5.xml><?xml version="1.0" encoding="utf-8"?>
+<file path=ppt/slideLayouts/slideLayout4.xml><?xml version="1.0" encoding="utf-8"?>
 <p:sldLayout xmlns:a="http://schemas.openxmlformats.org/drawingml/2006/main" xmlns:r="http://schemas.openxmlformats.org/officeDocument/2006/relationships" xmlns:p="http://schemas.openxmlformats.org/presentationml/2006/main" preserve="1" userDrawn="1">
   <p:cSld name="Two Content">
     <p:spTree>
@@ -3204,7 +2578,7 @@
 </p:sldLayout>
 </file>
 
-<file path=ppt/slideLayouts/slideLayout6.xml><?xml version="1.0" encoding="utf-8"?>
+<file path=ppt/slideLayouts/slideLayout5.xml><?xml version="1.0" encoding="utf-8"?>
 <p:sldLayout xmlns:a="http://schemas.openxmlformats.org/drawingml/2006/main" xmlns:r="http://schemas.openxmlformats.org/officeDocument/2006/relationships" xmlns:p="http://schemas.openxmlformats.org/presentationml/2006/main" preserve="1" userDrawn="1">
   <p:cSld name="Comparison">
     <p:spTree>
@@ -3596,7 +2970,7 @@
 </p:sldLayout>
 </file>
 
-<file path=ppt/slideLayouts/slideLayout7.xml><?xml version="1.0" encoding="utf-8"?>
+<file path=ppt/slideLayouts/slideLayout6.xml><?xml version="1.0" encoding="utf-8"?>
 <p:sldLayout xmlns:a="http://schemas.openxmlformats.org/drawingml/2006/main" xmlns:r="http://schemas.openxmlformats.org/officeDocument/2006/relationships" xmlns:p="http://schemas.openxmlformats.org/presentationml/2006/main" preserve="1" userDrawn="1">
   <p:cSld name="Title Only">
     <p:spTree>
@@ -3656,7 +3030,7 @@
 </p:sldLayout>
 </file>
 
-<file path=ppt/slideLayouts/slideLayout8.xml><?xml version="1.0" encoding="utf-8"?>
+<file path=ppt/slideLayouts/slideLayout7.xml><?xml version="1.0" encoding="utf-8"?>
 <p:sldLayout xmlns:a="http://schemas.openxmlformats.org/drawingml/2006/main" xmlns:r="http://schemas.openxmlformats.org/officeDocument/2006/relationships" xmlns:p="http://schemas.openxmlformats.org/presentationml/2006/main" type="blank" preserve="1">
   <p:cSld name="Blank">
     <p:spTree>
@@ -3693,7 +3067,7 @@
 </p:sldLayout>
 </file>
 
-<file path=ppt/slideLayouts/slideLayout9.xml><?xml version="1.0" encoding="utf-8"?>
+<file path=ppt/slideLayouts/slideLayout8.xml><?xml version="1.0" encoding="utf-8"?>
 <p:sldLayout xmlns:a="http://schemas.openxmlformats.org/drawingml/2006/main" xmlns:r="http://schemas.openxmlformats.org/officeDocument/2006/relationships" xmlns:p="http://schemas.openxmlformats.org/presentationml/2006/main" preserve="1" userDrawn="1">
   <p:cSld name="5_Blank Color 1 Layout">
     <p:spTree>
@@ -3969,14 +3343,13 @@
   <p:clrMap bg1="lt1" tx1="dk1" bg2="lt2" tx2="dk2" accent1="accent1" accent2="accent2" accent3="accent3" accent4="accent4" accent5="accent5" accent6="accent6" hlink="hlink" folHlink="folHlink"/>
   <p:sldLayoutIdLst>
     <p:sldLayoutId id="2147483661" r:id="rId1"/>
-    <p:sldLayoutId id="2147483671" r:id="rId2"/>
-    <p:sldLayoutId id="2147483667" r:id="rId3"/>
-    <p:sldLayoutId id="2147483663" r:id="rId4"/>
-    <p:sldLayoutId id="2147483664" r:id="rId5"/>
-    <p:sldLayoutId id="2147483665" r:id="rId6"/>
-    <p:sldLayoutId id="2147483666" r:id="rId7"/>
-    <p:sldLayoutId id="2147483668" r:id="rId8"/>
-    <p:sldLayoutId id="2147483669" r:id="rId9"/>
+    <p:sldLayoutId id="2147483667" r:id="rId2"/>
+    <p:sldLayoutId id="2147483663" r:id="rId3"/>
+    <p:sldLayoutId id="2147483664" r:id="rId4"/>
+    <p:sldLayoutId id="2147483665" r:id="rId5"/>
+    <p:sldLayoutId id="2147483666" r:id="rId6"/>
+    <p:sldLayoutId id="2147483668" r:id="rId7"/>
+    <p:sldLayoutId id="2147483669" r:id="rId8"/>
   </p:sldLayoutIdLst>
   <p:timing>
     <p:tnLst>
@@ -4399,7 +3772,7 @@
           <a:p>
             <a:r>
               <a:rPr lang="en-US" dirty="0" smtClean="0"/>
-              <a:t>Lesson slide</a:t>
+              <a:t>Recommended Reading</a:t>
             </a:r>
             <a:endParaRPr lang="en-US" dirty="0"/>
           </a:p>
@@ -4420,7 +3793,10 @@
           <a:bodyPr/>
           <a:lstStyle/>
           <a:p>
-            <a:endParaRPr lang="en-US" dirty="0"/>
+            <a:r>
+              <a:rPr lang="en-US" dirty="0"/>
+              <a:t>https://azure.microsoft.com/en-us/documentation/articles/fundamentals-introduction-to-azure/</a:t>
+            </a:r>
           </a:p>
         </p:txBody>
       </p:sp>
@@ -4474,7 +3850,7 @@
     </p:spTree>
     <p:extLst>
       <p:ext uri="{BB962C8B-B14F-4D97-AF65-F5344CB8AC3E}">
-        <p14:creationId xmlns:p14="http://schemas.microsoft.com/office/powerpoint/2010/main" val="255798916"/>
+        <p14:creationId xmlns:p14="http://schemas.microsoft.com/office/powerpoint/2010/main" val="1141153660"/>
       </p:ext>
     </p:extLst>
   </p:cSld>
@@ -4588,7 +3964,7 @@
             <a:pPr lvl="1"/>
             <a:r>
               <a:rPr lang="en-US" dirty="0" smtClean="0"/>
-              <a:t>Fascinating point 1</a:t>
+              <a:t>You name it, he has built it</a:t>
             </a:r>
           </a:p>
           <a:p>
@@ -4612,14 +3988,27 @@
             <a:pPr lvl="1"/>
             <a:r>
               <a:rPr lang="en-US" dirty="0"/>
-              <a:t>Fascinating point 1</a:t>
-            </a:r>
+              <a:t>Founding member of Western </a:t>
+            </a:r>
+            <a:r>
+              <a:rPr lang="en-US" dirty="0" err="1"/>
+              <a:t>Devs</a:t>
+            </a:r>
+            <a:r>
+              <a:rPr lang="en-US" dirty="0"/>
+              <a:t> </a:t>
+            </a:r>
+            <a:endParaRPr lang="en-US" dirty="0" smtClean="0"/>
           </a:p>
           <a:p>
             <a:pPr lvl="1"/>
             <a:r>
+              <a:rPr lang="en-US" dirty="0" smtClean="0"/>
+              <a:t>Fascinating </a:t>
+            </a:r>
+            <a:r>
               <a:rPr lang="en-US" dirty="0"/>
-              <a:t>Fascinating point 2</a:t>
+              <a:t>point 2</a:t>
             </a:r>
           </a:p>
           <a:p>
@@ -4630,42 +4019,32 @@
       </p:sp>
       <p:pic>
         <p:nvPicPr>
-          <p:cNvPr id="5" name="Picture 4" descr="C:\Users\stellas\AppData\Local\Microsoft\Windows\Temporary Internet Files\Content.Outlook\N593NAYC\Jeffrey_DE_Small_Headshot.jpg"/>
-          <p:cNvPicPr/>
+          <p:cNvPr id="4" name="Picture 3"/>
+          <p:cNvPicPr>
+            <a:picLocks noChangeAspect="1"/>
+          </p:cNvPicPr>
           <p:nvPr/>
         </p:nvPicPr>
-        <p:blipFill rotWithShape="1">
-          <a:blip r:embed="rId3">
+        <p:blipFill>
+          <a:blip r:embed="rId3" cstate="print">
             <a:extLst>
               <a:ext uri="{28A0092B-C50C-407E-A947-70E740481C1C}">
                 <a14:useLocalDpi xmlns:a14="http://schemas.microsoft.com/office/drawing/2010/main" val="0"/>
               </a:ext>
             </a:extLst>
           </a:blip>
-          <a:srcRect t="8196" b="28895"/>
-          <a:stretch/>
+          <a:stretch>
+            <a:fillRect/>
+          </a:stretch>
         </p:blipFill>
-        <p:spPr bwMode="auto">
+        <p:spPr>
           <a:xfrm>
-            <a:off x="9658345" y="202030"/>
-            <a:ext cx="2348632" cy="2259281"/>
+            <a:off x="9671088" y="0"/>
+            <a:ext cx="2520912" cy="2636399"/>
           </a:xfrm>
           <a:prstGeom prst="rect">
             <a:avLst/>
           </a:prstGeom>
-          <a:noFill/>
-          <a:ln>
-            <a:solidFill>
-              <a:schemeClr val="tx1"/>
-            </a:solidFill>
-          </a:ln>
-          <a:effectLst>
-            <a:outerShdw blurRad="50800" dist="38100" dir="2700000" algn="tl" rotWithShape="0">
-              <a:prstClr val="black">
-                <a:alpha val="40000"/>
-              </a:prstClr>
-            </a:outerShdw>
-          </a:effectLst>
         </p:spPr>
       </p:pic>
     </p:spTree>
@@ -4770,39 +4149,68 @@
             <a:pPr lvl="1"/>
             <a:r>
               <a:rPr lang="en-US" dirty="0" smtClean="0"/>
-              <a:t>Fascinating point 1</a:t>
+              <a:t>Spent years working on Linux, Unix and even z/OS</a:t>
             </a:r>
           </a:p>
           <a:p>
             <a:pPr lvl="1"/>
             <a:r>
-              <a:rPr lang="en-US" dirty="0"/>
-              <a:t>Fascinating point </a:t>
-            </a:r>
+              <a:rPr lang="en-US" dirty="0" smtClean="0"/>
+              <a:t>Lots of oil and gas experience</a:t>
+            </a:r>
+          </a:p>
+          <a:p>
+            <a:r>
+              <a:rPr lang="en-US" dirty="0" smtClean="0"/>
+              <a:t>Author, Speaker Mentor </a:t>
+            </a:r>
+          </a:p>
+          <a:p>
+            <a:pPr lvl="1"/>
+            <a:r>
+              <a:rPr lang="en-US" dirty="0" smtClean="0"/>
+              <a:t>Founding member of Western </a:t>
+            </a:r>
+            <a:r>
+              <a:rPr lang="en-US" dirty="0" err="1" smtClean="0"/>
+              <a:t>Devs</a:t>
+            </a:r>
+            <a:endParaRPr lang="en-US" dirty="0"/>
+          </a:p>
+          <a:p>
+            <a:pPr lvl="1"/>
+            <a:r>
+              <a:rPr lang="en-US" dirty="0" smtClean="0"/>
+              <a:t>Calgary </a:t>
+            </a:r>
+            <a:r>
+              <a:rPr lang="en-US" dirty="0" err="1" smtClean="0"/>
+              <a:t>.net</a:t>
+            </a:r>
+            <a:r>
+              <a:rPr lang="en-US" dirty="0" smtClean="0"/>
+              <a:t> User Group</a:t>
+            </a:r>
+          </a:p>
+          <a:p>
+            <a:pPr lvl="1"/>
             <a:r>
               <a:rPr lang="en-US" dirty="0" smtClean="0"/>
               <a:t>2</a:t>
             </a:r>
-          </a:p>
-          <a:p>
+            <a:r>
+              <a:rPr lang="en-US" baseline="30000" dirty="0" smtClean="0"/>
+              <a:t>nd</a:t>
+            </a:r>
             <a:r>
               <a:rPr lang="en-US" dirty="0" smtClean="0"/>
-              <a:t>Author, Speaker Mentor </a:t>
-            </a:r>
-          </a:p>
-          <a:p>
-            <a:pPr lvl="1"/>
-            <a:r>
-              <a:rPr lang="en-US" dirty="0"/>
-              <a:t>Fascinating point 1</a:t>
-            </a:r>
-          </a:p>
-          <a:p>
-            <a:pPr lvl="1"/>
-            <a:r>
-              <a:rPr lang="en-US" dirty="0"/>
-              <a:t>Fascinating point 2</a:t>
-            </a:r>
+              <a:t> time </a:t>
+            </a:r>
+            <a:r>
+              <a:rPr lang="en-US" smtClean="0"/>
+              <a:t>MVP in ASP.net</a:t>
+            </a:r>
+            <a:endParaRPr lang="en-US" dirty="0"/>
           </a:p>
           <a:p>
             <a:pPr lvl="1"/>
@@ -4812,11 +4220,13 @@
       </p:sp>
       <p:pic>
         <p:nvPicPr>
-          <p:cNvPr id="5" name="Picture 4" descr="C:\Users\stellas\AppData\Local\Microsoft\Windows\Temporary Internet Files\Content.Outlook\N593NAYC\Jeffrey_DE_Small_Headshot.jpg"/>
-          <p:cNvPicPr/>
+          <p:cNvPr id="4" name="Picture 3"/>
+          <p:cNvPicPr>
+            <a:picLocks noChangeAspect="1"/>
+          </p:cNvPicPr>
           <p:nvPr/>
         </p:nvPicPr>
-        <p:blipFill rotWithShape="1">
+        <p:blipFill>
           <a:blip r:embed="rId3">
             <a:extLst>
               <a:ext uri="{28A0092B-C50C-407E-A947-70E740481C1C}">
@@ -4824,30 +4234,18 @@
               </a:ext>
             </a:extLst>
           </a:blip>
-          <a:srcRect t="8196" b="28895"/>
-          <a:stretch/>
+          <a:stretch>
+            <a:fillRect/>
+          </a:stretch>
         </p:blipFill>
-        <p:spPr bwMode="auto">
+        <p:spPr>
           <a:xfrm>
-            <a:off x="9658345" y="202030"/>
-            <a:ext cx="2348632" cy="2259281"/>
+            <a:off x="9753600" y="0"/>
+            <a:ext cx="2438400" cy="2909824"/>
           </a:xfrm>
           <a:prstGeom prst="rect">
             <a:avLst/>
           </a:prstGeom>
-          <a:noFill/>
-          <a:ln>
-            <a:solidFill>
-              <a:schemeClr val="tx1"/>
-            </a:solidFill>
-          </a:ln>
-          <a:effectLst>
-            <a:outerShdw blurRad="50800" dist="38100" dir="2700000" algn="tl" rotWithShape="0">
-              <a:prstClr val="black">
-                <a:alpha val="40000"/>
-              </a:prstClr>
-            </a:outerShdw>
-          </a:effectLst>
         </p:spPr>
       </p:pic>
     </p:spTree>
@@ -5335,18 +4733,24 @@
           <a:p>
             <a:pPr lvl="1"/>
             <a:r>
+              <a:rPr lang="en-US" dirty="0" smtClean="0"/>
+              <a:t>People who know about computers</a:t>
+            </a:r>
+          </a:p>
+          <a:p>
+            <a:pPr lvl="1"/>
+            <a:r>
+              <a:rPr lang="en-US" dirty="0" smtClean="0"/>
+              <a:t>Developers. Could be </a:t>
+            </a:r>
+            <a:r>
               <a:rPr lang="en-US" dirty="0" err="1" smtClean="0"/>
-              <a:t>Spiz</a:t>
-            </a:r>
-            <a:endParaRPr lang="en-US" dirty="0" smtClean="0"/>
-          </a:p>
-          <a:p>
-            <a:pPr lvl="1"/>
-            <a:r>
-              <a:rPr lang="en-US" dirty="0" err="1" smtClean="0"/>
-              <a:t>Spiz</a:t>
-            </a:r>
-            <a:endParaRPr lang="en-US" dirty="0" smtClean="0"/>
+              <a:t>.net</a:t>
+            </a:r>
+            <a:r>
+              <a:rPr lang="en-US" dirty="0" smtClean="0"/>
+              <a:t> but for most of this stuff it doesn’t matter</a:t>
+            </a:r>
           </a:p>
           <a:p>
             <a:r>
@@ -5357,16 +4761,16 @@
           <a:p>
             <a:pPr lvl="1"/>
             <a:r>
-              <a:rPr lang="en-US" dirty="0" err="1"/>
-              <a:t>Spiz</a:t>
+              <a:rPr lang="en-US" dirty="0" smtClean="0"/>
+              <a:t>Rudimentary knowledge of Azure</a:t>
             </a:r>
             <a:endParaRPr lang="en-US" dirty="0"/>
           </a:p>
           <a:p>
             <a:pPr lvl="1"/>
             <a:r>
-              <a:rPr lang="en-US" dirty="0" err="1"/>
-              <a:t>Spiz</a:t>
+              <a:rPr lang="en-US" dirty="0" smtClean="0"/>
+              <a:t>Some understanding of distributed systems</a:t>
             </a:r>
             <a:endParaRPr lang="en-US" dirty="0"/>
           </a:p>
@@ -5462,128 +4866,23 @@
       </p:grpSpPr>
       <p:sp>
         <p:nvSpPr>
-          <p:cNvPr id="2" name="Content Placeholder 1"/>
+          <p:cNvPr id="2" name="Title 1"/>
           <p:cNvSpPr>
             <a:spLocks noGrp="1"/>
           </p:cNvSpPr>
           <p:nvPr>
-            <p:ph sz="quarter" idx="10"/>
-          </p:nvPr>
-        </p:nvSpPr>
-        <p:spPr>
-          <a:xfrm>
-            <a:off x="277813" y="1427918"/>
-            <a:ext cx="11525250" cy="5290388"/>
-          </a:xfrm>
-        </p:spPr>
+            <p:ph type="title"/>
+          </p:nvPr>
+        </p:nvSpPr>
+        <p:spPr/>
         <p:txBody>
           <a:bodyPr/>
           <a:lstStyle/>
           <a:p>
-            <a:r>
-              <a:rPr lang="en-US" dirty="0"/>
-              <a:t>Microsoft Virtual Academy</a:t>
-            </a:r>
-          </a:p>
-          <a:p>
-            <a:pPr lvl="1"/>
-            <a:r>
-              <a:rPr lang="en-US" dirty="0"/>
-              <a:t>Free online learning tailored for IT Pros and Developers </a:t>
-            </a:r>
-          </a:p>
-          <a:p>
-            <a:pPr lvl="1"/>
-            <a:r>
-              <a:rPr lang="en-US"/>
-              <a:t>Over </a:t>
-            </a:r>
-            <a:r>
-              <a:rPr lang="en-US" smtClean="0"/>
-              <a:t>3M </a:t>
-            </a:r>
-            <a:r>
-              <a:rPr lang="en-US" dirty="0"/>
-              <a:t>registered users</a:t>
-            </a:r>
-          </a:p>
-          <a:p>
-            <a:pPr lvl="1"/>
-            <a:r>
-              <a:rPr lang="en-US" dirty="0"/>
-              <a:t>Up-to-date, relevant training on variety of Microsoft products</a:t>
-            </a:r>
-          </a:p>
-          <a:p>
-            <a:r>
-              <a:rPr lang="en-US" dirty="0"/>
-              <a:t>“Earn while you learn!” </a:t>
-            </a:r>
-          </a:p>
-          <a:p>
-            <a:pPr lvl="1"/>
-            <a:r>
-              <a:rPr lang="en-US" dirty="0"/>
-              <a:t>Get 50 MVA Points for this event!</a:t>
-            </a:r>
-          </a:p>
-          <a:p>
-            <a:pPr lvl="1"/>
-            <a:r>
-              <a:rPr lang="en-US" dirty="0"/>
-              <a:t>Visit </a:t>
-            </a:r>
-            <a:r>
-              <a:rPr lang="en-US" dirty="0">
-                <a:hlinkClick r:id="rId3"/>
-              </a:rPr>
-              <a:t>http://aka.ms/MVA-Voucher</a:t>
-            </a:r>
-            <a:r>
-              <a:rPr lang="en-US" dirty="0"/>
-              <a:t> </a:t>
-            </a:r>
-          </a:p>
-          <a:p>
-            <a:pPr lvl="1"/>
-            <a:r>
-              <a:rPr lang="en-US" dirty="0"/>
-              <a:t>Enter this code: </a:t>
-            </a:r>
-            <a:r>
-              <a:rPr lang="en-US" b="1" dirty="0"/>
-              <a:t>PowerJump1 </a:t>
-            </a:r>
-            <a:r>
-              <a:rPr lang="en-US" dirty="0"/>
-              <a:t>(expires 8/15/2013)</a:t>
-            </a:r>
-          </a:p>
-        </p:txBody>
-      </p:sp>
-      <p:sp>
-        <p:nvSpPr>
-          <p:cNvPr id="3" name="Title 2"/>
-          <p:cNvSpPr>
-            <a:spLocks noGrp="1"/>
-          </p:cNvSpPr>
-          <p:nvPr>
-            <p:ph type="title"/>
-          </p:nvPr>
-        </p:nvSpPr>
-        <p:spPr>
-          <a:xfrm>
-            <a:off x="-367266" y="182215"/>
-            <a:ext cx="11416266" cy="1063487"/>
-          </a:xfrm>
-        </p:spPr>
-        <p:txBody>
-          <a:bodyPr/>
-          <a:lstStyle/>
-          <a:p>
+            <a:pPr lvl="0"/>
             <a:r>
               <a:rPr lang="en-US" dirty="0" smtClean="0"/>
-              <a:t>     Join the MVA Community!</a:t>
+              <a:t>Regions</a:t>
             </a:r>
             <a:endParaRPr lang="en-US" dirty="0"/>
           </a:p>
@@ -5591,7 +4890,7 @@
       </p:sp>
       <p:sp>
         <p:nvSpPr>
-          <p:cNvPr id="7" name="TextBox 6"/>
+          <p:cNvPr id="5" name="TextBox 4"/>
           <p:cNvSpPr txBox="1"/>
           <p:nvPr/>
         </p:nvSpPr>
@@ -5636,28 +4935,59 @@
           </a:p>
         </p:txBody>
       </p:sp>
+      <p:pic>
+        <p:nvPicPr>
+          <p:cNvPr id="1026" name="Picture 2" descr="https://acom.azurecomcdn.net/80C57D/cdn/cvt-4ced24c232bc8055d5017eeeeb0b7e46eed87626021d7b101aea83ff3f056a5b/images/page/regions/map.png"/>
+          <p:cNvPicPr>
+            <a:picLocks noGrp="1" noChangeAspect="1" noChangeArrowheads="1"/>
+          </p:cNvPicPr>
+          <p:nvPr>
+            <p:ph sz="quarter" idx="10"/>
+          </p:nvPr>
+        </p:nvPicPr>
+        <p:blipFill>
+          <a:blip r:embed="rId3">
+            <a:extLst>
+              <a:ext uri="{28A0092B-C50C-407E-A947-70E740481C1C}">
+                <a14:useLocalDpi xmlns:a14="http://schemas.microsoft.com/office/drawing/2010/main" val="0"/>
+              </a:ext>
+            </a:extLst>
+          </a:blip>
+          <a:srcRect/>
+          <a:stretch>
+            <a:fillRect/>
+          </a:stretch>
+        </p:blipFill>
+        <p:spPr bwMode="auto">
+          <a:xfrm>
+            <a:off x="1024128" y="1068264"/>
+            <a:ext cx="8605396" cy="4985064"/>
+          </a:xfrm>
+          <a:prstGeom prst="rect">
+            <a:avLst/>
+          </a:prstGeom>
+          <a:noFill/>
+          <a:extLst>
+            <a:ext uri="{909E8E84-426E-40DD-AFC4-6F175D3DCCD1}">
+              <a14:hiddenFill xmlns:a14="http://schemas.microsoft.com/office/drawing/2010/main">
+                <a:solidFill>
+                  <a:srgbClr val="FFFFFF"/>
+                </a:solidFill>
+              </a14:hiddenFill>
+            </a:ext>
+          </a:extLst>
+        </p:spPr>
+      </p:pic>
     </p:spTree>
     <p:extLst>
       <p:ext uri="{BB962C8B-B14F-4D97-AF65-F5344CB8AC3E}">
-        <p14:creationId xmlns:p14="http://schemas.microsoft.com/office/powerpoint/2010/main" val="3654709363"/>
+        <p14:creationId xmlns:p14="http://schemas.microsoft.com/office/powerpoint/2010/main" val="3869065676"/>
       </p:ext>
     </p:extLst>
   </p:cSld>
   <p:clrMapOvr>
     <a:masterClrMapping/>
   </p:clrMapOvr>
-  <mc:AlternateContent xmlns:mc="http://schemas.openxmlformats.org/markup-compatibility/2006" xmlns:p14="http://schemas.microsoft.com/office/powerpoint/2010/main">
-    <mc:Choice Requires="p14">
-      <p:transition spd="med" p14:dur="700">
-        <p:fade/>
-      </p:transition>
-    </mc:Choice>
-    <mc:Fallback xmlns="">
-      <p:transition spd="med">
-        <p:fade/>
-      </p:transition>
-    </mc:Fallback>
-  </mc:AlternateContent>
   <p:timing>
     <p:tnLst>
       <p:par>
@@ -5701,9 +5031,10 @@
           <a:lstStyle/>
           <a:p>
             <a:r>
-              <a:rPr lang="en-US"/>
-              <a:t>Recommended Resources</a:t>
-            </a:r>
+              <a:rPr lang="en-US" dirty="0" smtClean="0"/>
+              <a:t>PaaS, SaaS, IaaS, </a:t>
+            </a:r>
+            <a:endParaRPr lang="en-US" dirty="0"/>
           </a:p>
         </p:txBody>
       </p:sp>
@@ -5722,74 +5053,7 @@
           <a:bodyPr/>
           <a:lstStyle/>
           <a:p>
-            <a:r>
-              <a:rPr lang="en-US" dirty="0" smtClean="0"/>
-              <a:t>Microsoft Exams</a:t>
-            </a:r>
-          </a:p>
-          <a:p>
-            <a:pPr lvl="1"/>
-            <a:r>
-              <a:rPr lang="en-US" dirty="0" smtClean="0"/>
-              <a:t>70-533: </a:t>
-            </a:r>
-            <a:r>
-              <a:rPr lang="fr-FR" dirty="0" err="1"/>
-              <a:t>Implementing</a:t>
-            </a:r>
-            <a:r>
-              <a:rPr lang="fr-FR" dirty="0"/>
-              <a:t> Microsoft Azure Infrastructure </a:t>
-            </a:r>
-            <a:r>
-              <a:rPr lang="fr-FR" dirty="0" smtClean="0"/>
-              <a:t>Solutions</a:t>
-            </a:r>
-          </a:p>
-          <a:p>
-            <a:pPr lvl="1"/>
-            <a:r>
-              <a:rPr lang="fr-FR" dirty="0"/>
-              <a:t>70-534: </a:t>
-            </a:r>
-            <a:r>
-              <a:rPr lang="fr-FR" dirty="0" err="1"/>
-              <a:t>Architecting</a:t>
-            </a:r>
-            <a:r>
-              <a:rPr lang="fr-FR" dirty="0"/>
-              <a:t> Microsoft Azure Solutions</a:t>
-            </a:r>
-            <a:endParaRPr lang="en-US" dirty="0" smtClean="0"/>
-          </a:p>
-          <a:p>
-            <a:r>
-              <a:rPr lang="en-US" dirty="0" smtClean="0"/>
-              <a:t>Visit westerndevs.com</a:t>
-            </a:r>
-          </a:p>
-          <a:p>
-            <a:pPr lvl="1"/>
-            <a:r>
-              <a:rPr lang="en-US" dirty="0" smtClean="0"/>
-              <a:t>Community of active bloggers</a:t>
-            </a:r>
-          </a:p>
-          <a:p>
-            <a:pPr lvl="1"/>
-            <a:r>
-              <a:rPr lang="en-US" dirty="0" smtClean="0"/>
-              <a:t>Covering Docker, </a:t>
-            </a:r>
-            <a:r>
-              <a:rPr lang="en-US" dirty="0" err="1" smtClean="0"/>
-              <a:t>microservices</a:t>
-            </a:r>
-            <a:r>
-              <a:rPr lang="en-US" dirty="0" smtClean="0"/>
-              <a:t>, cloud, client-side frameworks, server-side development</a:t>
-            </a:r>
-            <a:endParaRPr lang="en-US" dirty="0"/>
+            <a:endParaRPr lang="en-US"/>
           </a:p>
         </p:txBody>
       </p:sp>
@@ -5801,7 +5065,7 @@
         </p:nvSpPr>
         <p:spPr>
           <a:xfrm>
-            <a:off x="9899196" y="-10205"/>
+            <a:off x="9906000" y="-1"/>
             <a:ext cx="2286000" cy="2031325"/>
           </a:xfrm>
           <a:prstGeom prst="rect">
@@ -5843,20 +5107,13 @@
     </p:spTree>
     <p:extLst>
       <p:ext uri="{BB962C8B-B14F-4D97-AF65-F5344CB8AC3E}">
-        <p14:creationId xmlns:p14="http://schemas.microsoft.com/office/powerpoint/2010/main" val="375956509"/>
+        <p14:creationId xmlns:p14="http://schemas.microsoft.com/office/powerpoint/2010/main" val="618824778"/>
       </p:ext>
     </p:extLst>
   </p:cSld>
   <p:clrMapOvr>
     <a:masterClrMapping/>
   </p:clrMapOvr>
-  <p:timing>
-    <p:tnLst>
-      <p:par>
-        <p:cTn id="1" dur="indefinite" restart="never" nodeType="tmRoot"/>
-      </p:par>
-    </p:tnLst>
-  </p:timing>
 </p:sld>
 </file>
 
@@ -5879,30 +5136,23 @@
       </p:grpSpPr>
       <p:sp>
         <p:nvSpPr>
-          <p:cNvPr id="5" name="Text Placeholder 4"/>
+          <p:cNvPr id="2" name="Title 1"/>
           <p:cNvSpPr>
             <a:spLocks noGrp="1"/>
           </p:cNvSpPr>
           <p:nvPr>
-            <p:ph type="body" sz="quarter" idx="10"/>
-          </p:nvPr>
-        </p:nvSpPr>
-        <p:spPr>
-          <a:solidFill>
-            <a:srgbClr val="007233"/>
-          </a:solidFill>
-          <a:ln>
-            <a:noFill/>
-          </a:ln>
-        </p:spPr>
+            <p:ph type="title"/>
+          </p:nvPr>
+        </p:nvSpPr>
+        <p:spPr/>
         <p:txBody>
           <a:bodyPr/>
           <a:lstStyle/>
           <a:p>
-            <a:pPr marL="914400" indent="-914400"/>
+            <a:pPr lvl="0"/>
             <a:r>
               <a:rPr lang="en-US" dirty="0" smtClean="0"/>
-              <a:t>01 | {Module Name}</a:t>
+              <a:t>Azure is All Things</a:t>
             </a:r>
             <a:endParaRPr lang="en-US" dirty="0"/>
           </a:p>
@@ -5910,42 +5160,14 @@
       </p:sp>
       <p:sp>
         <p:nvSpPr>
-          <p:cNvPr id="4" name="Subtitle 3"/>
-          <p:cNvSpPr>
-            <a:spLocks noGrp="1"/>
-          </p:cNvSpPr>
-          <p:nvPr>
-            <p:ph type="subTitle" idx="1"/>
-          </p:nvPr>
-        </p:nvSpPr>
-        <p:spPr/>
-        <p:txBody>
-          <a:bodyPr/>
-          <a:lstStyle/>
-          <a:p>
-            <a:r>
-              <a:rPr lang="en-US" dirty="0"/>
-              <a:t>Jeffrey Snover | Distinguished Engineer &amp; Lead Architect</a:t>
-            </a:r>
-          </a:p>
-          <a:p>
-            <a:r>
-              <a:rPr lang="en-US" dirty="0"/>
-              <a:t>Jason Helmick | Senior Technologist, Concentrated Technology</a:t>
-            </a:r>
-          </a:p>
-        </p:txBody>
-      </p:sp>
-      <p:sp>
-        <p:nvSpPr>
-          <p:cNvPr id="7" name="TextBox 6"/>
+          <p:cNvPr id="5" name="TextBox 4"/>
           <p:cNvSpPr txBox="1"/>
           <p:nvPr/>
         </p:nvSpPr>
         <p:spPr>
           <a:xfrm>
-            <a:off x="6345829" y="755471"/>
-            <a:ext cx="3671248" cy="646331"/>
+            <a:off x="9906000" y="-1"/>
+            <a:ext cx="2286000" cy="2031325"/>
           </a:xfrm>
           <a:prstGeom prst="rect">
             <a:avLst/>
@@ -5953,6 +5175,9 @@
           <a:solidFill>
             <a:srgbClr val="FFFF00"/>
           </a:solidFill>
+          <a:ln>
+            <a:noFill/>
+          </a:ln>
         </p:spPr>
         <p:txBody>
           <a:bodyPr wrap="square" rtlCol="0">
@@ -5960,18 +5185,59 @@
           </a:bodyPr>
           <a:lstStyle/>
           <a:p>
+            <a:pPr algn="ctr"/>
+            <a:endParaRPr lang="en-US" dirty="0" smtClean="0"/>
+          </a:p>
+          <a:p>
+            <a:pPr algn="ctr"/>
+            <a:endParaRPr lang="en-US" dirty="0"/>
+          </a:p>
+          <a:p>
+            <a:pPr algn="ctr"/>
             <a:r>
               <a:rPr lang="en-US" dirty="0" smtClean="0"/>
-              <a:t>Please make sure there’s a “Module Transition” slide for every module</a:t>
-            </a:r>
+              <a:t>Please leave this area blank to allow for picture in picture recording</a:t>
+            </a:r>
+          </a:p>
+          <a:p>
+            <a:pPr algn="ctr"/>
             <a:endParaRPr lang="en-US" dirty="0"/>
           </a:p>
         </p:txBody>
       </p:sp>
+      <p:pic>
+        <p:nvPicPr>
+          <p:cNvPr id="6" name="Content Placeholder 5"/>
+          <p:cNvPicPr>
+            <a:picLocks noGrp="1" noChangeAspect="1"/>
+          </p:cNvPicPr>
+          <p:nvPr>
+            <p:ph sz="quarter" idx="10"/>
+          </p:nvPr>
+        </p:nvPicPr>
+        <p:blipFill>
+          <a:blip r:embed="rId3" cstate="print">
+            <a:extLst>
+              <a:ext uri="{28A0092B-C50C-407E-A947-70E740481C1C}">
+                <a14:useLocalDpi xmlns:a14="http://schemas.microsoft.com/office/drawing/2010/main" val="0"/>
+              </a:ext>
+            </a:extLst>
+          </a:blip>
+          <a:stretch>
+            <a:fillRect/>
+          </a:stretch>
+        </p:blipFill>
+        <p:spPr>
+          <a:xfrm>
+            <a:off x="3551" y="1227173"/>
+            <a:ext cx="9902449" cy="5570989"/>
+          </a:xfrm>
+        </p:spPr>
+      </p:pic>
     </p:spTree>
     <p:extLst>
       <p:ext uri="{BB962C8B-B14F-4D97-AF65-F5344CB8AC3E}">
-        <p14:creationId xmlns:p14="http://schemas.microsoft.com/office/powerpoint/2010/main" val="897692544"/>
+        <p14:creationId xmlns:p14="http://schemas.microsoft.com/office/powerpoint/2010/main" val="4255679284"/>
       </p:ext>
     </p:extLst>
   </p:cSld>
@@ -6007,43 +5273,6 @@
       </p:grpSpPr>
       <p:sp>
         <p:nvSpPr>
-          <p:cNvPr id="7" name="Content Placeholder 6"/>
-          <p:cNvSpPr>
-            <a:spLocks noGrp="1"/>
-          </p:cNvSpPr>
-          <p:nvPr>
-            <p:ph sz="quarter" idx="10"/>
-          </p:nvPr>
-        </p:nvSpPr>
-        <p:spPr/>
-        <p:txBody>
-          <a:bodyPr>
-            <a:normAutofit/>
-          </a:bodyPr>
-          <a:lstStyle/>
-          <a:p>
-            <a:r>
-              <a:rPr lang="en-GB" dirty="0" smtClean="0"/>
-              <a:t>Topic One</a:t>
-            </a:r>
-          </a:p>
-          <a:p>
-            <a:r>
-              <a:rPr lang="en-GB" dirty="0" smtClean="0"/>
-              <a:t>Topic Two</a:t>
-            </a:r>
-          </a:p>
-          <a:p>
-            <a:r>
-              <a:rPr lang="en-GB" dirty="0" smtClean="0"/>
-              <a:t>Topic Three</a:t>
-            </a:r>
-            <a:endParaRPr lang="en-GB" dirty="0"/>
-          </a:p>
-        </p:txBody>
-      </p:sp>
-      <p:sp>
-        <p:nvSpPr>
           <p:cNvPr id="2" name="Title 1"/>
           <p:cNvSpPr>
             <a:spLocks noGrp="1"/>
@@ -6057,41 +5286,10 @@
           <a:bodyPr/>
           <a:lstStyle/>
           <a:p>
-            <a:r>
-              <a:rPr lang="en-US" smtClean="0"/>
-              <a:t>Module Overview</a:t>
-            </a:r>
-            <a:endParaRPr lang="en-US" dirty="0"/>
-          </a:p>
-        </p:txBody>
-      </p:sp>
-      <p:sp>
-        <p:nvSpPr>
-          <p:cNvPr id="4" name="TextBox 3"/>
-          <p:cNvSpPr txBox="1"/>
-          <p:nvPr/>
-        </p:nvSpPr>
-        <p:spPr>
-          <a:xfrm>
-            <a:off x="4432363" y="1155171"/>
-            <a:ext cx="3671248" cy="646331"/>
-          </a:xfrm>
-          <a:prstGeom prst="rect">
-            <a:avLst/>
-          </a:prstGeom>
-          <a:solidFill>
-            <a:srgbClr val="FFFF00"/>
-          </a:solidFill>
-        </p:spPr>
-        <p:txBody>
-          <a:bodyPr wrap="square" rtlCol="0">
-            <a:spAutoFit/>
-          </a:bodyPr>
-          <a:lstStyle/>
-          <a:p>
+            <a:pPr lvl="0"/>
             <a:r>
               <a:rPr lang="en-US" dirty="0" smtClean="0"/>
-              <a:t>Please make sure there’s a “Module Overview” slide for every module</a:t>
+              <a:t>Bits of Azure</a:t>
             </a:r>
             <a:endParaRPr lang="en-US" dirty="0"/>
           </a:p>
@@ -6144,10 +5342,454 @@
           </a:p>
         </p:txBody>
       </p:sp>
+      <p:pic>
+        <p:nvPicPr>
+          <p:cNvPr id="6" name="Content Placeholder 5"/>
+          <p:cNvPicPr>
+            <a:picLocks noGrp="1" noChangeAspect="1"/>
+          </p:cNvPicPr>
+          <p:nvPr>
+            <p:ph sz="quarter" idx="10"/>
+          </p:nvPr>
+        </p:nvPicPr>
+        <p:blipFill>
+          <a:blip r:embed="rId3" cstate="print">
+            <a:extLst>
+              <a:ext uri="{28A0092B-C50C-407E-A947-70E740481C1C}">
+                <a14:useLocalDpi xmlns:a14="http://schemas.microsoft.com/office/drawing/2010/main" val="0"/>
+              </a:ext>
+            </a:extLst>
+          </a:blip>
+          <a:stretch>
+            <a:fillRect/>
+          </a:stretch>
+        </p:blipFill>
+        <p:spPr>
+          <a:xfrm>
+            <a:off x="3551" y="1227173"/>
+            <a:ext cx="9902449" cy="5570989"/>
+          </a:xfrm>
+        </p:spPr>
+      </p:pic>
+      <p:sp>
+        <p:nvSpPr>
+          <p:cNvPr id="8" name="Rectangle 7"/>
+          <p:cNvSpPr/>
+          <p:nvPr/>
+        </p:nvSpPr>
+        <p:spPr>
+          <a:xfrm>
+            <a:off x="1673352" y="2322576"/>
+            <a:ext cx="685800" cy="411480"/>
+          </a:xfrm>
+          <a:prstGeom prst="rect">
+            <a:avLst/>
+          </a:prstGeom>
+          <a:noFill/>
+          <a:ln>
+            <a:solidFill>
+              <a:srgbClr val="FFC000"/>
+            </a:solidFill>
+          </a:ln>
+        </p:spPr>
+        <p:style>
+          <a:lnRef idx="2">
+            <a:schemeClr val="accent1">
+              <a:shade val="50000"/>
+            </a:schemeClr>
+          </a:lnRef>
+          <a:fillRef idx="1">
+            <a:schemeClr val="accent1"/>
+          </a:fillRef>
+          <a:effectRef idx="0">
+            <a:schemeClr val="accent1"/>
+          </a:effectRef>
+          <a:fontRef idx="minor">
+            <a:schemeClr val="lt1"/>
+          </a:fontRef>
+        </p:style>
+        <p:txBody>
+          <a:bodyPr rtlCol="0" anchor="ctr"/>
+          <a:lstStyle/>
+          <a:p>
+            <a:pPr algn="ctr"/>
+            <a:endParaRPr lang="en-US"/>
+          </a:p>
+        </p:txBody>
+      </p:sp>
+      <p:sp>
+        <p:nvSpPr>
+          <p:cNvPr id="9" name="Rectangle 8"/>
+          <p:cNvSpPr/>
+          <p:nvPr/>
+        </p:nvSpPr>
+        <p:spPr>
+          <a:xfrm>
+            <a:off x="3517392" y="1879180"/>
+            <a:ext cx="749808" cy="411480"/>
+          </a:xfrm>
+          <a:prstGeom prst="rect">
+            <a:avLst/>
+          </a:prstGeom>
+          <a:noFill/>
+          <a:ln>
+            <a:solidFill>
+              <a:srgbClr val="FFC000"/>
+            </a:solidFill>
+          </a:ln>
+        </p:spPr>
+        <p:style>
+          <a:lnRef idx="2">
+            <a:schemeClr val="accent1">
+              <a:shade val="50000"/>
+            </a:schemeClr>
+          </a:lnRef>
+          <a:fillRef idx="1">
+            <a:schemeClr val="accent1"/>
+          </a:fillRef>
+          <a:effectRef idx="0">
+            <a:schemeClr val="accent1"/>
+          </a:effectRef>
+          <a:fontRef idx="minor">
+            <a:schemeClr val="lt1"/>
+          </a:fontRef>
+        </p:style>
+        <p:txBody>
+          <a:bodyPr rtlCol="0" anchor="ctr"/>
+          <a:lstStyle/>
+          <a:p>
+            <a:pPr algn="ctr"/>
+            <a:endParaRPr lang="en-US"/>
+          </a:p>
+        </p:txBody>
+      </p:sp>
+      <p:sp>
+        <p:nvSpPr>
+          <p:cNvPr id="10" name="Rectangle 9"/>
+          <p:cNvSpPr/>
+          <p:nvPr/>
+        </p:nvSpPr>
+        <p:spPr>
+          <a:xfrm>
+            <a:off x="7284720" y="4111752"/>
+            <a:ext cx="749808" cy="411480"/>
+          </a:xfrm>
+          <a:prstGeom prst="rect">
+            <a:avLst/>
+          </a:prstGeom>
+          <a:noFill/>
+          <a:ln>
+            <a:solidFill>
+              <a:srgbClr val="FFC000"/>
+            </a:solidFill>
+          </a:ln>
+        </p:spPr>
+        <p:style>
+          <a:lnRef idx="2">
+            <a:schemeClr val="accent1">
+              <a:shade val="50000"/>
+            </a:schemeClr>
+          </a:lnRef>
+          <a:fillRef idx="1">
+            <a:schemeClr val="accent1"/>
+          </a:fillRef>
+          <a:effectRef idx="0">
+            <a:schemeClr val="accent1"/>
+          </a:effectRef>
+          <a:fontRef idx="minor">
+            <a:schemeClr val="lt1"/>
+          </a:fontRef>
+        </p:style>
+        <p:txBody>
+          <a:bodyPr rtlCol="0" anchor="ctr"/>
+          <a:lstStyle/>
+          <a:p>
+            <a:pPr algn="ctr"/>
+            <a:endParaRPr lang="en-US"/>
+          </a:p>
+        </p:txBody>
+      </p:sp>
+      <p:sp>
+        <p:nvSpPr>
+          <p:cNvPr id="11" name="Rectangle 10"/>
+          <p:cNvSpPr/>
+          <p:nvPr/>
+        </p:nvSpPr>
+        <p:spPr>
+          <a:xfrm>
+            <a:off x="6108192" y="5154168"/>
+            <a:ext cx="585216" cy="411480"/>
+          </a:xfrm>
+          <a:prstGeom prst="rect">
+            <a:avLst/>
+          </a:prstGeom>
+          <a:noFill/>
+          <a:ln>
+            <a:solidFill>
+              <a:srgbClr val="FFC000"/>
+            </a:solidFill>
+          </a:ln>
+        </p:spPr>
+        <p:style>
+          <a:lnRef idx="2">
+            <a:schemeClr val="accent1">
+              <a:shade val="50000"/>
+            </a:schemeClr>
+          </a:lnRef>
+          <a:fillRef idx="1">
+            <a:schemeClr val="accent1"/>
+          </a:fillRef>
+          <a:effectRef idx="0">
+            <a:schemeClr val="accent1"/>
+          </a:effectRef>
+          <a:fontRef idx="minor">
+            <a:schemeClr val="lt1"/>
+          </a:fontRef>
+        </p:style>
+        <p:txBody>
+          <a:bodyPr rtlCol="0" anchor="ctr"/>
+          <a:lstStyle/>
+          <a:p>
+            <a:pPr algn="ctr"/>
+            <a:endParaRPr lang="en-US"/>
+          </a:p>
+        </p:txBody>
+      </p:sp>
+      <p:sp>
+        <p:nvSpPr>
+          <p:cNvPr id="12" name="Rectangle 11"/>
+          <p:cNvSpPr/>
+          <p:nvPr/>
+        </p:nvSpPr>
+        <p:spPr>
+          <a:xfrm>
+            <a:off x="2359152" y="5199888"/>
+            <a:ext cx="749808" cy="411480"/>
+          </a:xfrm>
+          <a:prstGeom prst="rect">
+            <a:avLst/>
+          </a:prstGeom>
+          <a:noFill/>
+          <a:ln>
+            <a:solidFill>
+              <a:srgbClr val="FFC000"/>
+            </a:solidFill>
+          </a:ln>
+        </p:spPr>
+        <p:style>
+          <a:lnRef idx="2">
+            <a:schemeClr val="accent1">
+              <a:shade val="50000"/>
+            </a:schemeClr>
+          </a:lnRef>
+          <a:fillRef idx="1">
+            <a:schemeClr val="accent1"/>
+          </a:fillRef>
+          <a:effectRef idx="0">
+            <a:schemeClr val="accent1"/>
+          </a:effectRef>
+          <a:fontRef idx="minor">
+            <a:schemeClr val="lt1"/>
+          </a:fontRef>
+        </p:style>
+        <p:txBody>
+          <a:bodyPr rtlCol="0" anchor="ctr"/>
+          <a:lstStyle/>
+          <a:p>
+            <a:pPr algn="ctr"/>
+            <a:endParaRPr lang="en-US"/>
+          </a:p>
+        </p:txBody>
+      </p:sp>
+      <p:sp>
+        <p:nvSpPr>
+          <p:cNvPr id="13" name="Rectangle 12"/>
+          <p:cNvSpPr/>
+          <p:nvPr/>
+        </p:nvSpPr>
+        <p:spPr>
+          <a:xfrm>
+            <a:off x="256032" y="5227320"/>
+            <a:ext cx="854982" cy="411480"/>
+          </a:xfrm>
+          <a:prstGeom prst="rect">
+            <a:avLst/>
+          </a:prstGeom>
+          <a:noFill/>
+          <a:ln>
+            <a:solidFill>
+              <a:srgbClr val="FFC000"/>
+            </a:solidFill>
+          </a:ln>
+        </p:spPr>
+        <p:style>
+          <a:lnRef idx="2">
+            <a:schemeClr val="accent1">
+              <a:shade val="50000"/>
+            </a:schemeClr>
+          </a:lnRef>
+          <a:fillRef idx="1">
+            <a:schemeClr val="accent1"/>
+          </a:fillRef>
+          <a:effectRef idx="0">
+            <a:schemeClr val="accent1"/>
+          </a:effectRef>
+          <a:fontRef idx="minor">
+            <a:schemeClr val="lt1"/>
+          </a:fontRef>
+        </p:style>
+        <p:txBody>
+          <a:bodyPr rtlCol="0" anchor="ctr"/>
+          <a:lstStyle/>
+          <a:p>
+            <a:pPr algn="ctr"/>
+            <a:endParaRPr lang="en-US"/>
+          </a:p>
+        </p:txBody>
+      </p:sp>
+      <p:sp>
+        <p:nvSpPr>
+          <p:cNvPr id="14" name="Rectangle 13"/>
+          <p:cNvSpPr/>
+          <p:nvPr/>
+        </p:nvSpPr>
+        <p:spPr>
+          <a:xfrm>
+            <a:off x="1298448" y="5227320"/>
+            <a:ext cx="813816" cy="411480"/>
+          </a:xfrm>
+          <a:prstGeom prst="rect">
+            <a:avLst/>
+          </a:prstGeom>
+          <a:noFill/>
+          <a:ln>
+            <a:solidFill>
+              <a:srgbClr val="FFC000"/>
+            </a:solidFill>
+            <a:prstDash val="sysDash"/>
+          </a:ln>
+        </p:spPr>
+        <p:style>
+          <a:lnRef idx="2">
+            <a:schemeClr val="accent1">
+              <a:shade val="50000"/>
+            </a:schemeClr>
+          </a:lnRef>
+          <a:fillRef idx="1">
+            <a:schemeClr val="accent1"/>
+          </a:fillRef>
+          <a:effectRef idx="0">
+            <a:schemeClr val="accent1"/>
+          </a:effectRef>
+          <a:fontRef idx="minor">
+            <a:schemeClr val="lt1"/>
+          </a:fontRef>
+        </p:style>
+        <p:txBody>
+          <a:bodyPr rtlCol="0" anchor="ctr"/>
+          <a:lstStyle/>
+          <a:p>
+            <a:pPr algn="ctr"/>
+            <a:endParaRPr lang="en-US"/>
+          </a:p>
+        </p:txBody>
+      </p:sp>
+      <p:sp>
+        <p:nvSpPr>
+          <p:cNvPr id="15" name="Rectangle 14"/>
+          <p:cNvSpPr/>
+          <p:nvPr/>
+        </p:nvSpPr>
+        <p:spPr>
+          <a:xfrm>
+            <a:off x="1673352" y="3107997"/>
+            <a:ext cx="813816" cy="411480"/>
+          </a:xfrm>
+          <a:prstGeom prst="rect">
+            <a:avLst/>
+          </a:prstGeom>
+          <a:noFill/>
+          <a:ln>
+            <a:solidFill>
+              <a:srgbClr val="FFC000"/>
+            </a:solidFill>
+          </a:ln>
+        </p:spPr>
+        <p:style>
+          <a:lnRef idx="2">
+            <a:schemeClr val="accent1">
+              <a:shade val="50000"/>
+            </a:schemeClr>
+          </a:lnRef>
+          <a:fillRef idx="1">
+            <a:schemeClr val="accent1"/>
+          </a:fillRef>
+          <a:effectRef idx="0">
+            <a:schemeClr val="accent1"/>
+          </a:effectRef>
+          <a:fontRef idx="minor">
+            <a:schemeClr val="lt1"/>
+          </a:fontRef>
+        </p:style>
+        <p:txBody>
+          <a:bodyPr rtlCol="0" anchor="ctr"/>
+          <a:lstStyle/>
+          <a:p>
+            <a:pPr algn="ctr"/>
+            <a:endParaRPr lang="en-US"/>
+          </a:p>
+        </p:txBody>
+      </p:sp>
+      <p:sp>
+        <p:nvSpPr>
+          <p:cNvPr id="20" name="Rectangle 19"/>
+          <p:cNvSpPr/>
+          <p:nvPr/>
+        </p:nvSpPr>
+        <p:spPr>
+          <a:xfrm>
+            <a:off x="6574536" y="1879180"/>
+            <a:ext cx="710184" cy="411480"/>
+          </a:xfrm>
+          <a:prstGeom prst="rect">
+            <a:avLst/>
+          </a:prstGeom>
+          <a:noFill/>
+          <a:ln>
+            <a:solidFill>
+              <a:srgbClr val="FFC000"/>
+            </a:solidFill>
+          </a:ln>
+        </p:spPr>
+        <p:style>
+          <a:lnRef idx="2">
+            <a:schemeClr val="accent1">
+              <a:shade val="50000"/>
+            </a:schemeClr>
+          </a:lnRef>
+          <a:fillRef idx="1">
+            <a:schemeClr val="accent1"/>
+          </a:fillRef>
+          <a:effectRef idx="0">
+            <a:schemeClr val="accent1"/>
+          </a:effectRef>
+          <a:fontRef idx="minor">
+            <a:schemeClr val="lt1"/>
+          </a:fontRef>
+        </p:style>
+        <p:txBody>
+          <a:bodyPr rtlCol="0" anchor="ctr"/>
+          <a:lstStyle/>
+          <a:p>
+            <a:pPr algn="ctr"/>
+            <a:endParaRPr lang="en-US"/>
+          </a:p>
+        </p:txBody>
+      </p:sp>
     </p:spTree>
     <p:extLst>
       <p:ext uri="{BB962C8B-B14F-4D97-AF65-F5344CB8AC3E}">
-        <p14:creationId xmlns:p14="http://schemas.microsoft.com/office/powerpoint/2010/main" val="318349970"/>
+        <p14:creationId xmlns:p14="http://schemas.microsoft.com/office/powerpoint/2010/main" val="3172141890"/>
       </p:ext>
     </p:extLst>
   </p:cSld>
@@ -7242,17 +6884,17 @@
 <file path=customXml/itemProps2.xml><?xml version="1.0" encoding="utf-8"?>
 <ds:datastoreItem xmlns:ds="http://schemas.openxmlformats.org/officeDocument/2006/customXml" ds:itemID="{7025FDD9-4C58-4084-9F89-0E6ADD6FFF55}">
   <ds:schemaRefs>
+    <ds:schemaRef ds:uri="http://purl.org/dc/dcmitype/"/>
+    <ds:schemaRef ds:uri="http://schemas.microsoft.com/office/infopath/2007/PartnerControls"/>
+    <ds:schemaRef ds:uri="27aa9422-7f1f-4c84-9cdf-302b1a67e513"/>
+    <ds:schemaRef ds:uri="http://purl.org/dc/elements/1.1/"/>
+    <ds:schemaRef ds:uri="http://schemas.microsoft.com/office/2006/metadata/properties"/>
+    <ds:schemaRef ds:uri="http://schemas.microsoft.com/office/2006/documentManagement/types"/>
     <ds:schemaRef ds:uri="http://schemas.microsoft.com/sharepoint/v3"/>
-    <ds:schemaRef ds:uri="http://www.w3.org/XML/1998/namespace"/>
-    <ds:schemaRef ds:uri="http://purl.org/dc/elements/1.1/"/>
-    <ds:schemaRef ds:uri="http://schemas.microsoft.com/office/infopath/2007/PartnerControls"/>
-    <ds:schemaRef ds:uri="http://schemas.microsoft.com/office/2006/metadata/properties"/>
-    <ds:schemaRef ds:uri="http://purl.org/dc/dcmitype/"/>
-    <ds:schemaRef ds:uri="http://schemas.microsoft.com/office/2006/documentManagement/types"/>
-    <ds:schemaRef ds:uri="http://schemas.openxmlformats.org/package/2006/metadata/core-properties"/>
-    <ds:schemaRef ds:uri="27aa9422-7f1f-4c84-9cdf-302b1a67e513"/>
     <ds:schemaRef ds:uri="230e9df3-be65-4c73-a93b-d1236ebd677e"/>
     <ds:schemaRef ds:uri="http://purl.org/dc/terms/"/>
+    <ds:schemaRef ds:uri="http://schemas.openxmlformats.org/package/2006/metadata/core-properties"/>
+    <ds:schemaRef ds:uri="http://www.w3.org/XML/1998/namespace"/>
   </ds:schemaRefs>
 </ds:datastoreItem>
 </file>

--- a/Presentation Materials/MVA-ApplicationsOnAzure.pptx
+++ b/Presentation Materials/MVA-ApplicationsOnAzure.pptx
@@ -213,7 +213,7 @@
           <a:p>
             <a:fld id="{312E7B4A-039C-48A2-9B2C-AF16AA3873D8}" type="datetimeFigureOut">
               <a:rPr lang="en-US" smtClean="0"/>
-              <a:t>11/5/2015</a:t>
+              <a:t>11/6/2015</a:t>
             </a:fld>
             <a:endParaRPr lang="en-US"/>
           </a:p>
@@ -378,7 +378,7 @@
           <a:p>
             <a:fld id="{DA005A0C-54D9-45AA-87D4-C551D08DFCE1}" type="datetimeFigureOut">
               <a:rPr lang="en-US" smtClean="0"/>
-              <a:t>11/5/2015</a:t>
+              <a:t>11/6/2015</a:t>
             </a:fld>
             <a:endParaRPr lang="en-US"/>
           </a:p>
@@ -3857,6 +3857,13 @@
   <p:clrMapOvr>
     <a:masterClrMapping/>
   </p:clrMapOvr>
+  <p:timing>
+    <p:tnLst>
+      <p:par>
+        <p:cTn id="1" dur="indefinite" restart="never" nodeType="tmRoot"/>
+      </p:par>
+    </p:tnLst>
+  </p:timing>
 </p:sld>
 </file>
 
@@ -3964,19 +3971,17 @@
             <a:pPr lvl="1"/>
             <a:r>
               <a:rPr lang="en-US" dirty="0" smtClean="0"/>
-              <a:t>You name it, he has built it</a:t>
-            </a:r>
+              <a:t>Background in healthcare, telecom, transportation ++</a:t>
+            </a:r>
+            <a:endParaRPr lang="en-US" dirty="0" smtClean="0"/>
           </a:p>
           <a:p>
             <a:pPr lvl="1"/>
             <a:r>
-              <a:rPr lang="en-US" dirty="0"/>
-              <a:t>Fascinating point </a:t>
-            </a:r>
-            <a:r>
               <a:rPr lang="en-US" dirty="0" smtClean="0"/>
-              <a:t>2</a:t>
-            </a:r>
+              <a:t>Currently focusing on building things that scale</a:t>
+            </a:r>
+            <a:endParaRPr lang="en-US" dirty="0" smtClean="0"/>
           </a:p>
           <a:p>
             <a:r>
@@ -4004,12 +4009,17 @@
             <a:pPr lvl="1"/>
             <a:r>
               <a:rPr lang="en-US" dirty="0" smtClean="0"/>
-              <a:t>Fascinating </a:t>
-            </a:r>
-            <a:r>
-              <a:rPr lang="en-US" dirty="0"/>
-              <a:t>point 2</a:t>
-            </a:r>
+              <a:t>Frequent contributor to user groups, brown bags and conferences</a:t>
+            </a:r>
+            <a:endParaRPr lang="en-US" dirty="0" smtClean="0"/>
+          </a:p>
+          <a:p>
+            <a:pPr lvl="1"/>
+            <a:r>
+              <a:rPr lang="en-US" dirty="0" smtClean="0"/>
+              <a:t>Four-time ASP.NET/IIS MVP</a:t>
+            </a:r>
+            <a:endParaRPr lang="en-US" dirty="0"/>
           </a:p>
           <a:p>
             <a:pPr lvl="1"/>
@@ -4348,14 +4358,14 @@
                 <a:gridCol w="5762625">
                   <a:extLst>
                     <a:ext uri="{9D8B030D-6E8A-4147-A177-3AD203B41FA5}">
-                      <a16:colId xmlns:a16="http://schemas.microsoft.com/office/drawing/2014/main" xmlns="" val="1632794655"/>
+                      <a16:colId xmlns="" xmlns:a16="http://schemas.microsoft.com/office/drawing/2014/main" val="1632794655"/>
                     </a:ext>
                   </a:extLst>
                 </a:gridCol>
                 <a:gridCol w="5762625">
                   <a:extLst>
                     <a:ext uri="{9D8B030D-6E8A-4147-A177-3AD203B41FA5}">
-                      <a16:colId xmlns:a16="http://schemas.microsoft.com/office/drawing/2014/main" xmlns="" val="2011313899"/>
+                      <a16:colId xmlns="" xmlns:a16="http://schemas.microsoft.com/office/drawing/2014/main" val="2011313899"/>
                     </a:ext>
                   </a:extLst>
                 </a:gridCol>
@@ -4393,7 +4403,7 @@
                 </a:tc>
                 <a:extLst>
                   <a:ext uri="{0D108BD9-81ED-4DB2-BD59-A6C34878D82A}">
-                    <a16:rowId xmlns:a16="http://schemas.microsoft.com/office/drawing/2014/main" xmlns="" val="1789177411"/>
+                    <a16:rowId xmlns="" xmlns:a16="http://schemas.microsoft.com/office/drawing/2014/main" val="1789177411"/>
                   </a:ext>
                 </a:extLst>
               </a:tr>
@@ -4440,7 +4450,7 @@
                 </a:tc>
                 <a:extLst>
                   <a:ext uri="{0D108BD9-81ED-4DB2-BD59-A6C34878D82A}">
-                    <a16:rowId xmlns:a16="http://schemas.microsoft.com/office/drawing/2014/main" xmlns="" val="3842815335"/>
+                    <a16:rowId xmlns="" xmlns:a16="http://schemas.microsoft.com/office/drawing/2014/main" val="3842815335"/>
                   </a:ext>
                 </a:extLst>
               </a:tr>
@@ -4515,7 +4525,7 @@
                 </a:tc>
                 <a:extLst>
                   <a:ext uri="{0D108BD9-81ED-4DB2-BD59-A6C34878D82A}">
-                    <a16:rowId xmlns:a16="http://schemas.microsoft.com/office/drawing/2014/main" xmlns="" val="321066646"/>
+                    <a16:rowId xmlns="" xmlns:a16="http://schemas.microsoft.com/office/drawing/2014/main" val="321066646"/>
                   </a:ext>
                 </a:extLst>
               </a:tr>
@@ -4586,7 +4596,7 @@
                 </a:tc>
                 <a:extLst>
                   <a:ext uri="{0D108BD9-81ED-4DB2-BD59-A6C34878D82A}">
-                    <a16:rowId xmlns:a16="http://schemas.microsoft.com/office/drawing/2014/main" xmlns="" val="3812060533"/>
+                    <a16:rowId xmlns="" xmlns:a16="http://schemas.microsoft.com/office/drawing/2014/main" val="3812060533"/>
                   </a:ext>
                 </a:extLst>
               </a:tr>
@@ -4633,7 +4643,7 @@
                 </a:tc>
                 <a:extLst>
                   <a:ext uri="{0D108BD9-81ED-4DB2-BD59-A6C34878D82A}">
-                    <a16:rowId xmlns:a16="http://schemas.microsoft.com/office/drawing/2014/main" xmlns="" val="733235577"/>
+                    <a16:rowId xmlns="" xmlns:a16="http://schemas.microsoft.com/office/drawing/2014/main" val="733235577"/>
                   </a:ext>
                 </a:extLst>
               </a:tr>
@@ -5114,6 +5124,13 @@
   <p:clrMapOvr>
     <a:masterClrMapping/>
   </p:clrMapOvr>
+  <p:timing>
+    <p:tnLst>
+      <p:par>
+        <p:cTn id="1" dur="indefinite" restart="never" nodeType="tmRoot"/>
+      </p:par>
+    </p:tnLst>
+  </p:timing>
 </p:sld>
 </file>
 
@@ -6614,58 +6631,6 @@
 </file>
 
 <file path=customXml/item1.xml><?xml version="1.0" encoding="utf-8"?>
-<?mso-contentType ?>
-<FormTemplates xmlns="http://schemas.microsoft.com/sharepoint/v3/contenttype/forms">
-  <Display>DocumentLibraryForm</Display>
-  <Edit>DocumentLibraryForm</Edit>
-  <New>DocumentLibraryForm</New>
-</FormTemplates>
-</file>
-
-<file path=customXml/item2.xml><?xml version="1.0" encoding="utf-8"?>
-<p:properties xmlns:p="http://schemas.microsoft.com/office/2006/metadata/properties" xmlns:xsi="http://www.w3.org/2001/XMLSchema-instance" xmlns:pc="http://schemas.microsoft.com/office/infopath/2007/PartnerControls">
-  <documentManagement>
-    <TaxCatchAll xmlns="230e9df3-be65-4c73-a93b-d1236ebd677e"/>
-    <PublishingExpirationDate xmlns="http://schemas.microsoft.com/sharepoint/v3" xsi:nil="true"/>
-    <PublishingStartDate xmlns="http://schemas.microsoft.com/sharepoint/v3" xsi:nil="true"/>
-    <TaxKeywordTaxHTField xmlns="230e9df3-be65-4c73-a93b-d1236ebd677e">
-      <Terms xmlns="http://schemas.microsoft.com/office/infopath/2007/PartnerControls"/>
-    </TaxKeywordTaxHTField>
-    <SharedWithUsers xmlns="27aa9422-7f1f-4c84-9cdf-302b1a67e513">
-      <UserInfo>
-        <DisplayName>Shriram Natarajan (SHRI)</DisplayName>
-        <AccountId>3899</AccountId>
-        <AccountType/>
-      </UserInfo>
-      <UserInfo>
-        <DisplayName>Andrew Nickels</DisplayName>
-        <AccountId>24014</AccountId>
-        <AccountType/>
-      </UserInfo>
-      <UserInfo>
-        <DisplayName>Steven Goddard (WSSC)</DisplayName>
-        <AccountId>29711</AccountId>
-        <AccountType/>
-      </UserInfo>
-      <UserInfo>
-        <DisplayName>Jim Clark (LEARNING)</DisplayName>
-        <AccountId>86</AccountId>
-        <AccountType/>
-      </UserInfo>
-      <UserInfo>
-        <DisplayName>Vijay Kumar</DisplayName>
-        <AccountId>53758</AccountId>
-        <AccountType/>
-      </UserInfo>
-    </SharedWithUsers>
-    <SharingHintHash xmlns="27aa9422-7f1f-4c84-9cdf-302b1a67e513">1366665793</SharingHintHash>
-    <_ip_UnifiedCompliancePolicyUIAction xmlns="http://schemas.microsoft.com/sharepoint/v3" xsi:nil="true"/>
-    <_ip_UnifiedCompliancePolicyProperties xmlns="http://schemas.microsoft.com/sharepoint/v3" xsi:nil="true"/>
-  </documentManagement>
-</p:properties>
-</file>
-
-<file path=customXml/item3.xml><?xml version="1.0" encoding="utf-8"?>
 <ct:contentTypeSchema xmlns:ct="http://schemas.microsoft.com/office/2006/metadata/contentType" xmlns:ma="http://schemas.microsoft.com/office/2006/metadata/properties/metaAttributes" ct:_="" ma:_="" ma:contentTypeName="Document" ma:contentTypeID="0x010100496889825850D44592AC5D2F43187AE4" ma:contentTypeVersion="9" ma:contentTypeDescription="Create a new document." ma:contentTypeScope="" ma:versionID="fa7e7aa81c9af57d0e724452ff5695cd">
   <xsd:schema xmlns:xsd="http://www.w3.org/2001/XMLSchema" xmlns:xs="http://www.w3.org/2001/XMLSchema" xmlns:p="http://schemas.microsoft.com/office/2006/metadata/properties" xmlns:ns1="http://schemas.microsoft.com/sharepoint/v3" xmlns:ns2="230e9df3-be65-4c73-a93b-d1236ebd677e" xmlns:ns3="27aa9422-7f1f-4c84-9cdf-302b1a67e513" targetNamespace="http://schemas.microsoft.com/office/2006/metadata/properties" ma:root="true" ma:fieldsID="ef7d28e69d816f0a5e355ee49f463c96" ns1:_="" ns2:_="" ns3:_="">
     <xsd:import namespace="http://schemas.microsoft.com/sharepoint/v3"/>
@@ -6873,33 +6838,59 @@
 </ct:contentTypeSchema>
 </file>
 
-<file path=customXml/itemProps1.xml><?xml version="1.0" encoding="utf-8"?>
-<ds:datastoreItem xmlns:ds="http://schemas.openxmlformats.org/officeDocument/2006/customXml" ds:itemID="{B0CA13EC-1D3C-4D6F-8D1C-E8A452CFC79A}">
-  <ds:schemaRefs>
-    <ds:schemaRef ds:uri="http://schemas.microsoft.com/sharepoint/v3/contenttype/forms"/>
-  </ds:schemaRefs>
-</ds:datastoreItem>
+<file path=customXml/item2.xml><?xml version="1.0" encoding="utf-8"?>
+<p:properties xmlns:p="http://schemas.microsoft.com/office/2006/metadata/properties" xmlns:xsi="http://www.w3.org/2001/XMLSchema-instance" xmlns:pc="http://schemas.microsoft.com/office/infopath/2007/PartnerControls">
+  <documentManagement>
+    <TaxCatchAll xmlns="230e9df3-be65-4c73-a93b-d1236ebd677e"/>
+    <PublishingExpirationDate xmlns="http://schemas.microsoft.com/sharepoint/v3" xsi:nil="true"/>
+    <PublishingStartDate xmlns="http://schemas.microsoft.com/sharepoint/v3" xsi:nil="true"/>
+    <TaxKeywordTaxHTField xmlns="230e9df3-be65-4c73-a93b-d1236ebd677e">
+      <Terms xmlns="http://schemas.microsoft.com/office/infopath/2007/PartnerControls"/>
+    </TaxKeywordTaxHTField>
+    <SharedWithUsers xmlns="27aa9422-7f1f-4c84-9cdf-302b1a67e513">
+      <UserInfo>
+        <DisplayName>Shriram Natarajan (SHRI)</DisplayName>
+        <AccountId>3899</AccountId>
+        <AccountType/>
+      </UserInfo>
+      <UserInfo>
+        <DisplayName>Andrew Nickels</DisplayName>
+        <AccountId>24014</AccountId>
+        <AccountType/>
+      </UserInfo>
+      <UserInfo>
+        <DisplayName>Steven Goddard (WSSC)</DisplayName>
+        <AccountId>29711</AccountId>
+        <AccountType/>
+      </UserInfo>
+      <UserInfo>
+        <DisplayName>Jim Clark (LEARNING)</DisplayName>
+        <AccountId>86</AccountId>
+        <AccountType/>
+      </UserInfo>
+      <UserInfo>
+        <DisplayName>Vijay Kumar</DisplayName>
+        <AccountId>53758</AccountId>
+        <AccountType/>
+      </UserInfo>
+    </SharedWithUsers>
+    <SharingHintHash xmlns="27aa9422-7f1f-4c84-9cdf-302b1a67e513">1366665793</SharingHintHash>
+    <_ip_UnifiedCompliancePolicyUIAction xmlns="http://schemas.microsoft.com/sharepoint/v3" xsi:nil="true"/>
+    <_ip_UnifiedCompliancePolicyProperties xmlns="http://schemas.microsoft.com/sharepoint/v3" xsi:nil="true"/>
+  </documentManagement>
+</p:properties>
 </file>
 
-<file path=customXml/itemProps2.xml><?xml version="1.0" encoding="utf-8"?>
-<ds:datastoreItem xmlns:ds="http://schemas.openxmlformats.org/officeDocument/2006/customXml" ds:itemID="{7025FDD9-4C58-4084-9F89-0E6ADD6FFF55}">
-  <ds:schemaRefs>
-    <ds:schemaRef ds:uri="http://purl.org/dc/dcmitype/"/>
-    <ds:schemaRef ds:uri="http://schemas.microsoft.com/office/infopath/2007/PartnerControls"/>
-    <ds:schemaRef ds:uri="27aa9422-7f1f-4c84-9cdf-302b1a67e513"/>
-    <ds:schemaRef ds:uri="http://purl.org/dc/elements/1.1/"/>
-    <ds:schemaRef ds:uri="http://schemas.microsoft.com/office/2006/metadata/properties"/>
-    <ds:schemaRef ds:uri="http://schemas.microsoft.com/office/2006/documentManagement/types"/>
-    <ds:schemaRef ds:uri="http://schemas.microsoft.com/sharepoint/v3"/>
-    <ds:schemaRef ds:uri="230e9df3-be65-4c73-a93b-d1236ebd677e"/>
-    <ds:schemaRef ds:uri="http://purl.org/dc/terms/"/>
-    <ds:schemaRef ds:uri="http://schemas.openxmlformats.org/package/2006/metadata/core-properties"/>
-    <ds:schemaRef ds:uri="http://www.w3.org/XML/1998/namespace"/>
-  </ds:schemaRefs>
-</ds:datastoreItem>
+<file path=customXml/item3.xml><?xml version="1.0" encoding="utf-8"?>
+<?mso-contentType ?>
+<FormTemplates xmlns="http://schemas.microsoft.com/sharepoint/v3/contenttype/forms">
+  <Display>DocumentLibraryForm</Display>
+  <Edit>DocumentLibraryForm</Edit>
+  <New>DocumentLibraryForm</New>
+</FormTemplates>
 </file>
 
-<file path=customXml/itemProps3.xml><?xml version="1.0" encoding="utf-8"?>
+<file path=customXml/itemProps1.xml><?xml version="1.0" encoding="utf-8"?>
 <ds:datastoreItem xmlns:ds="http://schemas.openxmlformats.org/officeDocument/2006/customXml" ds:itemID="{B8E57EAE-DEC5-48ED-98EA-03E186D6E9F9}">
   <ds:schemaRefs>
     <ds:schemaRef ds:uri="http://schemas.microsoft.com/office/2006/metadata/contentType"/>
@@ -6917,4 +6908,30 @@
     <ds:schemaRef ds:uri="http://schemas.microsoft.com/internal/obd"/>
   </ds:schemaRefs>
 </ds:datastoreItem>
+</file>
+
+<file path=customXml/itemProps2.xml><?xml version="1.0" encoding="utf-8"?>
+<ds:datastoreItem xmlns:ds="http://schemas.openxmlformats.org/officeDocument/2006/customXml" ds:itemID="{7025FDD9-4C58-4084-9F89-0E6ADD6FFF55}">
+  <ds:schemaRefs>
+    <ds:schemaRef ds:uri="http://purl.org/dc/terms/"/>
+    <ds:schemaRef ds:uri="http://purl.org/dc/dcmitype/"/>
+    <ds:schemaRef ds:uri="230e9df3-be65-4c73-a93b-d1236ebd677e"/>
+    <ds:schemaRef ds:uri="http://schemas.microsoft.com/office/2006/documentManagement/types"/>
+    <ds:schemaRef ds:uri="http://purl.org/dc/elements/1.1/"/>
+    <ds:schemaRef ds:uri="http://www.w3.org/XML/1998/namespace"/>
+    <ds:schemaRef ds:uri="http://schemas.microsoft.com/office/2006/metadata/properties"/>
+    <ds:schemaRef ds:uri="http://schemas.microsoft.com/office/infopath/2007/PartnerControls"/>
+    <ds:schemaRef ds:uri="http://schemas.openxmlformats.org/package/2006/metadata/core-properties"/>
+    <ds:schemaRef ds:uri="27aa9422-7f1f-4c84-9cdf-302b1a67e513"/>
+    <ds:schemaRef ds:uri="http://schemas.microsoft.com/sharepoint/v3"/>
+  </ds:schemaRefs>
+</ds:datastoreItem>
+</file>
+
+<file path=customXml/itemProps3.xml><?xml version="1.0" encoding="utf-8"?>
+<ds:datastoreItem xmlns:ds="http://schemas.openxmlformats.org/officeDocument/2006/customXml" ds:itemID="{B0CA13EC-1D3C-4D6F-8D1C-E8A452CFC79A}">
+  <ds:schemaRefs>
+    <ds:schemaRef ds:uri="http://schemas.microsoft.com/sharepoint/v3/contenttype/forms"/>
+  </ds:schemaRefs>
+</ds:datastoreItem>
 </file>
--- a/Presentation Materials/MVA-ApplicationsOnAzure.pptx
+++ b/Presentation Materials/MVA-ApplicationsOnAzure.pptx
@@ -5,23 +5,25 @@
     <p:sldMasterId id="2147483660" r:id="rId4"/>
   </p:sldMasterIdLst>
   <p:notesMasterIdLst>
-    <p:notesMasterId r:id="rId16"/>
+    <p:notesMasterId r:id="rId18"/>
   </p:notesMasterIdLst>
   <p:handoutMasterIdLst>
-    <p:handoutMasterId r:id="rId17"/>
+    <p:handoutMasterId r:id="rId19"/>
   </p:handoutMasterIdLst>
   <p:sldIdLst>
     <p:sldId id="271" r:id="rId5"/>
     <p:sldId id="272" r:id="rId6"/>
     <p:sldId id="284" r:id="rId7"/>
-    <p:sldId id="274" r:id="rId8"/>
-    <p:sldId id="275" r:id="rId9"/>
-    <p:sldId id="286" r:id="rId10"/>
-    <p:sldId id="288" r:id="rId11"/>
-    <p:sldId id="287" r:id="rId12"/>
-    <p:sldId id="285" r:id="rId13"/>
-    <p:sldId id="289" r:id="rId14"/>
-    <p:sldId id="269" r:id="rId15"/>
+    <p:sldId id="292" r:id="rId8"/>
+    <p:sldId id="274" r:id="rId9"/>
+    <p:sldId id="275" r:id="rId10"/>
+    <p:sldId id="293" r:id="rId11"/>
+    <p:sldId id="286" r:id="rId12"/>
+    <p:sldId id="288" r:id="rId13"/>
+    <p:sldId id="287" r:id="rId14"/>
+    <p:sldId id="285" r:id="rId15"/>
+    <p:sldId id="289" r:id="rId16"/>
+    <p:sldId id="269" r:id="rId17"/>
   </p:sldIdLst>
   <p:sldSz cx="12192000" cy="6858000"/>
   <p:notesSz cx="6858000" cy="9144000"/>
@@ -122,10 +124,10 @@
   </p:defaultTextStyle>
   <p:extLst>
     <p:ext uri="{EFAFB233-063F-42B5-8137-9DF3F51BA10A}">
-      <p15:sldGuideLst xmlns:p15="http://schemas.microsoft.com/office/powerpoint/2012/main"/>
+      <p15:sldGuideLst xmlns:p15="http://schemas.microsoft.com/office/powerpoint/2012/main" xmlns=""/>
     </p:ext>
     <p:ext uri="{2D200454-40CA-4A62-9FC3-DE9A4176ACB9}">
-      <p15:notesGuideLst xmlns:p15="http://schemas.microsoft.com/office/powerpoint/2012/main"/>
+      <p15:notesGuideLst xmlns:p15="http://schemas.microsoft.com/office/powerpoint/2012/main" xmlns=""/>
     </p:ext>
   </p:extLst>
 </p:presentation>
@@ -213,7 +215,7 @@
           <a:p>
             <a:fld id="{312E7B4A-039C-48A2-9B2C-AF16AA3873D8}" type="datetimeFigureOut">
               <a:rPr lang="en-US" smtClean="0"/>
-              <a:t>11/6/2015</a:t>
+              <a:t>2015-11-08</a:t>
             </a:fld>
             <a:endParaRPr lang="en-US"/>
           </a:p>
@@ -378,7 +380,7 @@
           <a:p>
             <a:fld id="{DA005A0C-54D9-45AA-87D4-C551D08DFCE1}" type="datetimeFigureOut">
               <a:rPr lang="en-US" smtClean="0"/>
-              <a:t>11/6/2015</a:t>
+              <a:t>2015-11-08</a:t>
             </a:fld>
             <a:endParaRPr lang="en-US"/>
           </a:p>
@@ -736,6 +738,190 @@
 </p:notes>
 </file>
 
+<file path=ppt/notesSlides/notesSlide10.xml><?xml version="1.0" encoding="utf-8"?>
+<p:notes xmlns:a="http://schemas.openxmlformats.org/drawingml/2006/main" xmlns:r="http://schemas.openxmlformats.org/officeDocument/2006/relationships" xmlns:p="http://schemas.openxmlformats.org/presentationml/2006/main">
+  <p:cSld>
+    <p:spTree>
+      <p:nvGrpSpPr>
+        <p:cNvPr id="1" name=""/>
+        <p:cNvGrpSpPr/>
+        <p:nvPr/>
+      </p:nvGrpSpPr>
+      <p:grpSpPr>
+        <a:xfrm>
+          <a:off x="0" y="0"/>
+          <a:ext cx="0" cy="0"/>
+          <a:chOff x="0" y="0"/>
+          <a:chExt cx="0" cy="0"/>
+        </a:xfrm>
+      </p:grpSpPr>
+      <p:sp>
+        <p:nvSpPr>
+          <p:cNvPr id="2" name="Slide Image Placeholder 1"/>
+          <p:cNvSpPr>
+            <a:spLocks noGrp="1" noRot="1" noChangeAspect="1"/>
+          </p:cNvSpPr>
+          <p:nvPr>
+            <p:ph type="sldImg"/>
+          </p:nvPr>
+        </p:nvSpPr>
+        <p:spPr>
+          <a:xfrm>
+            <a:off x="381000" y="685800"/>
+            <a:ext cx="6096000" cy="3429000"/>
+          </a:xfrm>
+        </p:spPr>
+      </p:sp>
+      <p:sp>
+        <p:nvSpPr>
+          <p:cNvPr id="3" name="Notes Placeholder 2"/>
+          <p:cNvSpPr>
+            <a:spLocks noGrp="1"/>
+          </p:cNvSpPr>
+          <p:nvPr>
+            <p:ph type="body" idx="1"/>
+          </p:nvPr>
+        </p:nvSpPr>
+        <p:spPr/>
+        <p:txBody>
+          <a:bodyPr>
+            <a:normAutofit/>
+          </a:bodyPr>
+          <a:lstStyle/>
+          <a:p>
+            <a:endParaRPr lang="en-CA" b="0" dirty="0" smtClean="0"/>
+          </a:p>
+        </p:txBody>
+      </p:sp>
+      <p:sp>
+        <p:nvSpPr>
+          <p:cNvPr id="4" name="Slide Number Placeholder 3"/>
+          <p:cNvSpPr>
+            <a:spLocks noGrp="1"/>
+          </p:cNvSpPr>
+          <p:nvPr>
+            <p:ph type="sldNum" sz="quarter" idx="10"/>
+          </p:nvPr>
+        </p:nvSpPr>
+        <p:spPr/>
+        <p:txBody>
+          <a:bodyPr/>
+          <a:lstStyle/>
+          <a:p>
+            <a:fld id="{13F0F35F-DD44-4607-AEC1-49D7A4BC4066}" type="slidenum">
+              <a:rPr lang="en-US" smtClean="0"/>
+              <a:pPr/>
+              <a:t>10</a:t>
+            </a:fld>
+            <a:endParaRPr lang="en-US" dirty="0"/>
+          </a:p>
+        </p:txBody>
+      </p:sp>
+    </p:spTree>
+    <p:extLst>
+      <p:ext uri="{BB962C8B-B14F-4D97-AF65-F5344CB8AC3E}">
+        <p14:creationId xmlns:p14="http://schemas.microsoft.com/office/powerpoint/2010/main" val="2151300504"/>
+      </p:ext>
+    </p:extLst>
+  </p:cSld>
+  <p:clrMapOvr>
+    <a:masterClrMapping/>
+  </p:clrMapOvr>
+</p:notes>
+</file>
+
+<file path=ppt/notesSlides/notesSlide11.xml><?xml version="1.0" encoding="utf-8"?>
+<p:notes xmlns:a="http://schemas.openxmlformats.org/drawingml/2006/main" xmlns:r="http://schemas.openxmlformats.org/officeDocument/2006/relationships" xmlns:p="http://schemas.openxmlformats.org/presentationml/2006/main">
+  <p:cSld>
+    <p:spTree>
+      <p:nvGrpSpPr>
+        <p:cNvPr id="1" name=""/>
+        <p:cNvGrpSpPr/>
+        <p:nvPr/>
+      </p:nvGrpSpPr>
+      <p:grpSpPr>
+        <a:xfrm>
+          <a:off x="0" y="0"/>
+          <a:ext cx="0" cy="0"/>
+          <a:chOff x="0" y="0"/>
+          <a:chExt cx="0" cy="0"/>
+        </a:xfrm>
+      </p:grpSpPr>
+      <p:sp>
+        <p:nvSpPr>
+          <p:cNvPr id="2" name="Slide Image Placeholder 1"/>
+          <p:cNvSpPr>
+            <a:spLocks noGrp="1" noRot="1" noChangeAspect="1"/>
+          </p:cNvSpPr>
+          <p:nvPr>
+            <p:ph type="sldImg"/>
+          </p:nvPr>
+        </p:nvSpPr>
+        <p:spPr>
+          <a:xfrm>
+            <a:off x="381000" y="685800"/>
+            <a:ext cx="6096000" cy="3429000"/>
+          </a:xfrm>
+        </p:spPr>
+      </p:sp>
+      <p:sp>
+        <p:nvSpPr>
+          <p:cNvPr id="3" name="Notes Placeholder 2"/>
+          <p:cNvSpPr>
+            <a:spLocks noGrp="1"/>
+          </p:cNvSpPr>
+          <p:nvPr>
+            <p:ph type="body" idx="1"/>
+          </p:nvPr>
+        </p:nvSpPr>
+        <p:spPr/>
+        <p:txBody>
+          <a:bodyPr>
+            <a:normAutofit/>
+          </a:bodyPr>
+          <a:lstStyle/>
+          <a:p>
+            <a:endParaRPr lang="en-CA" b="0" dirty="0" smtClean="0"/>
+          </a:p>
+        </p:txBody>
+      </p:sp>
+      <p:sp>
+        <p:nvSpPr>
+          <p:cNvPr id="4" name="Slide Number Placeholder 3"/>
+          <p:cNvSpPr>
+            <a:spLocks noGrp="1"/>
+          </p:cNvSpPr>
+          <p:nvPr>
+            <p:ph type="sldNum" sz="quarter" idx="10"/>
+          </p:nvPr>
+        </p:nvSpPr>
+        <p:spPr/>
+        <p:txBody>
+          <a:bodyPr/>
+          <a:lstStyle/>
+          <a:p>
+            <a:fld id="{13F0F35F-DD44-4607-AEC1-49D7A4BC4066}" type="slidenum">
+              <a:rPr lang="en-US" smtClean="0"/>
+              <a:pPr/>
+              <a:t>11</a:t>
+            </a:fld>
+            <a:endParaRPr lang="en-US" dirty="0"/>
+          </a:p>
+        </p:txBody>
+      </p:sp>
+    </p:spTree>
+    <p:extLst>
+      <p:ext uri="{BB962C8B-B14F-4D97-AF65-F5344CB8AC3E}">
+        <p14:creationId xmlns:p14="http://schemas.microsoft.com/office/powerpoint/2010/main" val="1542080254"/>
+      </p:ext>
+    </p:extLst>
+  </p:cSld>
+  <p:clrMapOvr>
+    <a:masterClrMapping/>
+  </p:clrMapOvr>
+</p:notes>
+</file>
+
 <file path=ppt/notesSlides/notesSlide2.xml><?xml version="1.0" encoding="utf-8"?>
 <p:notes xmlns:a="http://schemas.openxmlformats.org/drawingml/2006/main" xmlns:r="http://schemas.openxmlformats.org/officeDocument/2006/relationships" xmlns:p="http://schemas.openxmlformats.org/presentationml/2006/main">
   <p:cSld>
@@ -933,26 +1119,12 @@
             <p:ph type="sldImg"/>
           </p:nvPr>
         </p:nvSpPr>
-        <p:spPr/>
-      </p:sp>
-      <p:sp>
-        <p:nvSpPr>
-          <p:cNvPr id="3" name="Notes Placeholder 2"/>
-          <p:cNvSpPr>
-            <a:spLocks noGrp="1"/>
-          </p:cNvSpPr>
-          <p:nvPr>
-            <p:ph type="body" idx="1"/>
-          </p:nvPr>
-        </p:nvSpPr>
-        <p:spPr/>
-        <p:txBody>
-          <a:bodyPr/>
-          <a:lstStyle/>
-          <a:p>
-            <a:endParaRPr lang="en-US" dirty="0"/>
-          </a:p>
-        </p:txBody>
+        <p:spPr>
+          <a:xfrm>
+            <a:off x="381000" y="685800"/>
+            <a:ext cx="6096000" cy="3429000"/>
+          </a:xfrm>
+        </p:spPr>
       </p:sp>
       <p:sp>
         <p:nvSpPr>
@@ -978,10 +1150,29 @@
           </a:p>
         </p:txBody>
       </p:sp>
+      <p:sp>
+        <p:nvSpPr>
+          <p:cNvPr id="3" name="Notes Placeholder 2"/>
+          <p:cNvSpPr>
+            <a:spLocks noGrp="1"/>
+          </p:cNvSpPr>
+          <p:nvPr>
+            <p:ph type="body" idx="1"/>
+          </p:nvPr>
+        </p:nvSpPr>
+        <p:spPr/>
+        <p:txBody>
+          <a:bodyPr/>
+          <a:lstStyle/>
+          <a:p>
+            <a:endParaRPr lang="en-US" dirty="0"/>
+          </a:p>
+        </p:txBody>
+      </p:sp>
     </p:spTree>
     <p:extLst>
       <p:ext uri="{BB962C8B-B14F-4D97-AF65-F5344CB8AC3E}">
-        <p14:creationId xmlns:p14="http://schemas.microsoft.com/office/powerpoint/2010/main" val="2595756465"/>
+        <p14:creationId xmlns:p14="http://schemas.microsoft.com/office/powerpoint/2010/main" val="1686092717"/>
       </p:ext>
     </p:extLst>
   </p:cSld>
@@ -1018,12 +1209,7 @@
             <p:ph type="sldImg"/>
           </p:nvPr>
         </p:nvSpPr>
-        <p:spPr>
-          <a:xfrm>
-            <a:off x="381000" y="685800"/>
-            <a:ext cx="6096000" cy="3429000"/>
-          </a:xfrm>
-        </p:spPr>
+        <p:spPr/>
       </p:sp>
       <p:sp>
         <p:nvSpPr>
@@ -1037,12 +1223,10 @@
         </p:nvSpPr>
         <p:spPr/>
         <p:txBody>
-          <a:bodyPr>
-            <a:normAutofit/>
-          </a:bodyPr>
+          <a:bodyPr/>
           <a:lstStyle/>
           <a:p>
-            <a:endParaRPr lang="en-CA" b="0" dirty="0" smtClean="0"/>
+            <a:endParaRPr lang="en-US" dirty="0"/>
           </a:p>
         </p:txBody>
       </p:sp>
@@ -1073,7 +1257,7 @@
     </p:spTree>
     <p:extLst>
       <p:ext uri="{BB962C8B-B14F-4D97-AF65-F5344CB8AC3E}">
-        <p14:creationId xmlns:p14="http://schemas.microsoft.com/office/powerpoint/2010/main" val="2911304509"/>
+        <p14:creationId xmlns:p14="http://schemas.microsoft.com/office/powerpoint/2010/main" val="2595756465"/>
       </p:ext>
     </p:extLst>
   </p:cSld>
@@ -1134,79 +1318,6 @@
           </a:bodyPr>
           <a:lstStyle/>
           <a:p>
-            <a:r>
-              <a:rPr lang="en-CA" b="0" dirty="0" smtClean="0"/>
-              <a:t>These are all the regions</a:t>
-            </a:r>
-          </a:p>
-          <a:p>
-            <a:r>
-              <a:rPr lang="en-CA" b="0" dirty="0" smtClean="0"/>
-              <a:t>5 in the US,</a:t>
-            </a:r>
-            <a:r>
-              <a:rPr lang="en-CA" b="0" baseline="0" dirty="0" smtClean="0"/>
-              <a:t> + two government ones</a:t>
-            </a:r>
-          </a:p>
-          <a:p>
-            <a:r>
-              <a:rPr lang="en-CA" b="0" baseline="0" dirty="0" smtClean="0"/>
-              <a:t>Two in Europe</a:t>
-            </a:r>
-          </a:p>
-          <a:p>
-            <a:r>
-              <a:rPr lang="en-CA" b="0" baseline="0" dirty="0" smtClean="0"/>
-              <a:t>Hong </a:t>
-            </a:r>
-            <a:r>
-              <a:rPr lang="en-CA" b="0" baseline="0" dirty="0" err="1" smtClean="0"/>
-              <a:t>kong</a:t>
-            </a:r>
-            <a:endParaRPr lang="en-CA" b="0" baseline="0" dirty="0" smtClean="0"/>
-          </a:p>
-          <a:p>
-            <a:r>
-              <a:rPr lang="en-CA" b="0" baseline="0" dirty="0" err="1" smtClean="0"/>
-              <a:t>singapore</a:t>
-            </a:r>
-            <a:endParaRPr lang="en-CA" b="0" baseline="0" dirty="0" smtClean="0"/>
-          </a:p>
-          <a:p>
-            <a:r>
-              <a:rPr lang="en-CA" b="0" baseline="0" dirty="0" smtClean="0"/>
-              <a:t>2 in japan</a:t>
-            </a:r>
-          </a:p>
-          <a:p>
-            <a:r>
-              <a:rPr lang="en-CA" b="0" baseline="0" dirty="0" smtClean="0"/>
-              <a:t>Brazil</a:t>
-            </a:r>
-          </a:p>
-          <a:p>
-            <a:r>
-              <a:rPr lang="en-CA" b="0" baseline="0" dirty="0" smtClean="0"/>
-              <a:t>2 in Australia</a:t>
-            </a:r>
-          </a:p>
-          <a:p>
-            <a:r>
-              <a:rPr lang="en-CA" b="0" baseline="0" dirty="0" smtClean="0"/>
-              <a:t>3 in </a:t>
-            </a:r>
-            <a:r>
-              <a:rPr lang="en-CA" b="0" baseline="0" dirty="0" err="1" smtClean="0"/>
-              <a:t>india</a:t>
-            </a:r>
-            <a:endParaRPr lang="en-CA" b="0" baseline="0" dirty="0" smtClean="0"/>
-          </a:p>
-          <a:p>
-            <a:r>
-              <a:rPr lang="en-CA" b="0" baseline="0" dirty="0" smtClean="0"/>
-              <a:t>Coming 2 in Canada some time in 2016 Toronto and Quebec City</a:t>
-            </a:r>
             <a:endParaRPr lang="en-CA" b="0" dirty="0" smtClean="0"/>
           </a:p>
         </p:txBody>
@@ -1238,7 +1349,7 @@
     </p:spTree>
     <p:extLst>
       <p:ext uri="{BB962C8B-B14F-4D97-AF65-F5344CB8AC3E}">
-        <p14:creationId xmlns:p14="http://schemas.microsoft.com/office/powerpoint/2010/main" val="1942650621"/>
+        <p14:creationId xmlns:p14="http://schemas.microsoft.com/office/powerpoint/2010/main" val="2911304509"/>
       </p:ext>
     </p:extLst>
   </p:cSld>
@@ -1275,16 +1386,21 @@
             <p:ph type="sldImg"/>
           </p:nvPr>
         </p:nvSpPr>
-        <p:spPr/>
-      </p:sp>
-      <p:sp>
-        <p:nvSpPr>
-          <p:cNvPr id="3" name="Notes Placeholder 2"/>
+        <p:spPr>
+          <a:xfrm>
+            <a:off x="381000" y="685800"/>
+            <a:ext cx="6096000" cy="3429000"/>
+          </a:xfrm>
+        </p:spPr>
+      </p:sp>
+      <p:sp>
+        <p:nvSpPr>
+          <p:cNvPr id="4" name="Slide Number Placeholder 3"/>
           <p:cNvSpPr>
             <a:spLocks noGrp="1"/>
           </p:cNvSpPr>
           <p:nvPr>
-            <p:ph type="body" idx="1"/>
+            <p:ph type="sldNum" sz="quarter" idx="10"/>
           </p:nvPr>
         </p:nvSpPr>
         <p:spPr/>
@@ -1292,47 +1408,23 @@
           <a:bodyPr/>
           <a:lstStyle/>
           <a:p>
-            <a:r>
-              <a:rPr lang="en-US" dirty="0" smtClean="0"/>
-              <a:t>Aardvark, aardwolf, bazaar </a:t>
-            </a:r>
-            <a:r>
-              <a:rPr lang="en-US" baseline="0" dirty="0" smtClean="0"/>
-              <a:t>all other words with two As in them</a:t>
-            </a:r>
-          </a:p>
-          <a:p>
-            <a:endParaRPr lang="en-US" baseline="0" dirty="0" smtClean="0"/>
-          </a:p>
-          <a:p>
-            <a:r>
-              <a:rPr lang="en-US" baseline="0" dirty="0" err="1" smtClean="0"/>
-              <a:t>Hanselman’s</a:t>
-            </a:r>
-            <a:r>
-              <a:rPr lang="en-US" baseline="0" dirty="0" smtClean="0"/>
-              <a:t> </a:t>
-            </a:r>
-            <a:r>
-              <a:rPr lang="en-US" baseline="0" dirty="0" err="1" smtClean="0"/>
-              <a:t>explination</a:t>
-            </a:r>
-            <a:r>
-              <a:rPr lang="en-US" baseline="0" dirty="0" smtClean="0"/>
-              <a:t> of taxi, rental car and owning a car</a:t>
-            </a:r>
+            <a:fld id="{13F0F35F-DD44-4607-AEC1-49D7A4BC4066}" type="slidenum">
+              <a:rPr lang="en-US" smtClean="0"/>
+              <a:pPr/>
+              <a:t>7</a:t>
+            </a:fld>
             <a:endParaRPr lang="en-US" dirty="0"/>
           </a:p>
         </p:txBody>
       </p:sp>
       <p:sp>
         <p:nvSpPr>
-          <p:cNvPr id="4" name="Slide Number Placeholder 3"/>
+          <p:cNvPr id="3" name="Notes Placeholder 2"/>
           <p:cNvSpPr>
             <a:spLocks noGrp="1"/>
           </p:cNvSpPr>
           <p:nvPr>
-            <p:ph type="sldNum" sz="quarter" idx="10"/>
+            <p:ph type="body" idx="1"/>
           </p:nvPr>
         </p:nvSpPr>
         <p:spPr/>
@@ -1340,18 +1432,14 @@
           <a:bodyPr/>
           <a:lstStyle/>
           <a:p>
-            <a:fld id="{4CFD207A-07DF-40AD-A916-9872E089CE7A}" type="slidenum">
-              <a:rPr lang="en-US" smtClean="0"/>
-              <a:t>7</a:t>
-            </a:fld>
-            <a:endParaRPr lang="en-US"/>
+            <a:endParaRPr lang="en-US" dirty="0"/>
           </a:p>
         </p:txBody>
       </p:sp>
     </p:spTree>
     <p:extLst>
       <p:ext uri="{BB962C8B-B14F-4D97-AF65-F5344CB8AC3E}">
-        <p14:creationId xmlns:p14="http://schemas.microsoft.com/office/powerpoint/2010/main" val="30606489"/>
+        <p14:creationId xmlns:p14="http://schemas.microsoft.com/office/powerpoint/2010/main" val="1686092717"/>
       </p:ext>
     </p:extLst>
   </p:cSld>
@@ -1412,6 +1500,79 @@
           </a:bodyPr>
           <a:lstStyle/>
           <a:p>
+            <a:r>
+              <a:rPr lang="en-CA" b="0" dirty="0" smtClean="0"/>
+              <a:t>These are all the regions</a:t>
+            </a:r>
+          </a:p>
+          <a:p>
+            <a:r>
+              <a:rPr lang="en-CA" b="0" dirty="0" smtClean="0"/>
+              <a:t>5 in the US,</a:t>
+            </a:r>
+            <a:r>
+              <a:rPr lang="en-CA" b="0" baseline="0" dirty="0" smtClean="0"/>
+              <a:t> + two government ones</a:t>
+            </a:r>
+          </a:p>
+          <a:p>
+            <a:r>
+              <a:rPr lang="en-CA" b="0" baseline="0" dirty="0" smtClean="0"/>
+              <a:t>Two in Europe</a:t>
+            </a:r>
+          </a:p>
+          <a:p>
+            <a:r>
+              <a:rPr lang="en-CA" b="0" baseline="0" dirty="0" smtClean="0"/>
+              <a:t>Hong </a:t>
+            </a:r>
+            <a:r>
+              <a:rPr lang="en-CA" b="0" baseline="0" dirty="0" err="1" smtClean="0"/>
+              <a:t>kong</a:t>
+            </a:r>
+            <a:endParaRPr lang="en-CA" b="0" baseline="0" dirty="0" smtClean="0"/>
+          </a:p>
+          <a:p>
+            <a:r>
+              <a:rPr lang="en-CA" b="0" baseline="0" dirty="0" err="1" smtClean="0"/>
+              <a:t>singapore</a:t>
+            </a:r>
+            <a:endParaRPr lang="en-CA" b="0" baseline="0" dirty="0" smtClean="0"/>
+          </a:p>
+          <a:p>
+            <a:r>
+              <a:rPr lang="en-CA" b="0" baseline="0" dirty="0" smtClean="0"/>
+              <a:t>2 in japan</a:t>
+            </a:r>
+          </a:p>
+          <a:p>
+            <a:r>
+              <a:rPr lang="en-CA" b="0" baseline="0" dirty="0" smtClean="0"/>
+              <a:t>Brazil</a:t>
+            </a:r>
+          </a:p>
+          <a:p>
+            <a:r>
+              <a:rPr lang="en-CA" b="0" baseline="0" dirty="0" smtClean="0"/>
+              <a:t>2 in Australia</a:t>
+            </a:r>
+          </a:p>
+          <a:p>
+            <a:r>
+              <a:rPr lang="en-CA" b="0" baseline="0" dirty="0" smtClean="0"/>
+              <a:t>3 in </a:t>
+            </a:r>
+            <a:r>
+              <a:rPr lang="en-CA" b="0" baseline="0" dirty="0" err="1" smtClean="0"/>
+              <a:t>india</a:t>
+            </a:r>
+            <a:endParaRPr lang="en-CA" b="0" baseline="0" dirty="0" smtClean="0"/>
+          </a:p>
+          <a:p>
+            <a:r>
+              <a:rPr lang="en-CA" b="0" baseline="0" dirty="0" smtClean="0"/>
+              <a:t>Coming 2 in Canada some time in 2016 Toronto and Quebec City</a:t>
+            </a:r>
             <a:endParaRPr lang="en-CA" b="0" dirty="0" smtClean="0"/>
           </a:p>
         </p:txBody>
@@ -1443,7 +1604,7 @@
     </p:spTree>
     <p:extLst>
       <p:ext uri="{BB962C8B-B14F-4D97-AF65-F5344CB8AC3E}">
-        <p14:creationId xmlns:p14="http://schemas.microsoft.com/office/powerpoint/2010/main" val="2151300504"/>
+        <p14:creationId xmlns:p14="http://schemas.microsoft.com/office/powerpoint/2010/main" val="1942650621"/>
       </p:ext>
     </p:extLst>
   </p:cSld>
@@ -1480,12 +1641,7 @@
             <p:ph type="sldImg"/>
           </p:nvPr>
         </p:nvSpPr>
-        <p:spPr>
-          <a:xfrm>
-            <a:off x="381000" y="685800"/>
-            <a:ext cx="6096000" cy="3429000"/>
-          </a:xfrm>
-        </p:spPr>
+        <p:spPr/>
       </p:sp>
       <p:sp>
         <p:nvSpPr>
@@ -1495,27 +1651,6 @@
           </p:cNvSpPr>
           <p:nvPr>
             <p:ph type="body" idx="1"/>
-          </p:nvPr>
-        </p:nvSpPr>
-        <p:spPr/>
-        <p:txBody>
-          <a:bodyPr>
-            <a:normAutofit/>
-          </a:bodyPr>
-          <a:lstStyle/>
-          <a:p>
-            <a:endParaRPr lang="en-CA" b="0" dirty="0" smtClean="0"/>
-          </a:p>
-        </p:txBody>
-      </p:sp>
-      <p:sp>
-        <p:nvSpPr>
-          <p:cNvPr id="4" name="Slide Number Placeholder 3"/>
-          <p:cNvSpPr>
-            <a:spLocks noGrp="1"/>
-          </p:cNvSpPr>
-          <p:nvPr>
-            <p:ph type="sldNum" sz="quarter" idx="10"/>
           </p:nvPr>
         </p:nvSpPr>
         <p:spPr/>
@@ -1523,19 +1658,66 @@
           <a:bodyPr/>
           <a:lstStyle/>
           <a:p>
-            <a:fld id="{13F0F35F-DD44-4607-AEC1-49D7A4BC4066}" type="slidenum">
+            <a:r>
+              <a:rPr lang="en-US" dirty="0" smtClean="0"/>
+              <a:t>Aardvark, aardwolf, bazaar </a:t>
+            </a:r>
+            <a:r>
+              <a:rPr lang="en-US" baseline="0" dirty="0" smtClean="0"/>
+              <a:t>all other words with two As in them</a:t>
+            </a:r>
+          </a:p>
+          <a:p>
+            <a:endParaRPr lang="en-US" baseline="0" dirty="0" smtClean="0"/>
+          </a:p>
+          <a:p>
+            <a:r>
+              <a:rPr lang="en-US" baseline="0" dirty="0" err="1" smtClean="0"/>
+              <a:t>Hanselman’s</a:t>
+            </a:r>
+            <a:r>
+              <a:rPr lang="en-US" baseline="0" dirty="0" smtClean="0"/>
+              <a:t> </a:t>
+            </a:r>
+            <a:r>
+              <a:rPr lang="en-US" baseline="0" dirty="0" err="1" smtClean="0"/>
+              <a:t>explination</a:t>
+            </a:r>
+            <a:r>
+              <a:rPr lang="en-US" baseline="0" dirty="0" smtClean="0"/>
+              <a:t> of taxi, rental car and owning a car</a:t>
+            </a:r>
+            <a:endParaRPr lang="en-US" dirty="0"/>
+          </a:p>
+        </p:txBody>
+      </p:sp>
+      <p:sp>
+        <p:nvSpPr>
+          <p:cNvPr id="4" name="Slide Number Placeholder 3"/>
+          <p:cNvSpPr>
+            <a:spLocks noGrp="1"/>
+          </p:cNvSpPr>
+          <p:nvPr>
+            <p:ph type="sldNum" sz="quarter" idx="10"/>
+          </p:nvPr>
+        </p:nvSpPr>
+        <p:spPr/>
+        <p:txBody>
+          <a:bodyPr/>
+          <a:lstStyle/>
+          <a:p>
+            <a:fld id="{4CFD207A-07DF-40AD-A916-9872E089CE7A}" type="slidenum">
               <a:rPr lang="en-US" smtClean="0"/>
-              <a:pPr/>
               <a:t>9</a:t>
             </a:fld>
-            <a:endParaRPr lang="en-US" dirty="0"/>
+            <a:endParaRPr lang="en-US"/>
           </a:p>
         </p:txBody>
       </p:sp>
     </p:spTree>
     <p:extLst>
       <p:ext uri="{BB962C8B-B14F-4D97-AF65-F5344CB8AC3E}">
-        <p14:creationId xmlns:p14="http://schemas.microsoft.com/office/powerpoint/2010/main" val="1542080254"/>
+        <p14:creationId xmlns:p14="http://schemas.microsoft.com/office/powerpoint/2010/main" val="30606489"/>
       </p:ext>
     </p:extLst>
   </p:cSld>
@@ -1933,13 +2115,13 @@
   <p:timing>
     <p:tnLst>
       <p:par>
-        <p:cTn id="1" dur="indefinite" restart="never" nodeType="tmRoot"/>
+        <p:cTn xmlns:p14="http://schemas.microsoft.com/office/powerpoint/2010/main" id="1" dur="indefinite" restart="never" nodeType="tmRoot"/>
       </p:par>
     </p:tnLst>
   </p:timing>
   <p:extLst mod="1">
     <p:ext uri="{DCECCB84-F9BA-43D5-87BE-67443E8EF086}">
-      <p15:sldGuideLst xmlns:p15="http://schemas.microsoft.com/office/powerpoint/2012/main">
+      <p15:sldGuideLst xmlns:p15="http://schemas.microsoft.com/office/powerpoint/2012/main" xmlns="">
         <p15:guide id="1" orient="horz" pos="3792">
           <p15:clr>
             <a:srgbClr val="FBAE40"/>
@@ -2172,7 +2354,7 @@
   <p:timing>
     <p:tnLst>
       <p:par>
-        <p:cTn id="1" dur="indefinite" restart="never" nodeType="tmRoot"/>
+        <p:cTn xmlns:p14="http://schemas.microsoft.com/office/powerpoint/2010/main" id="1" dur="indefinite" restart="never" nodeType="tmRoot"/>
       </p:par>
     </p:tnLst>
   </p:timing>
@@ -2331,7 +2513,7 @@
   <p:timing>
     <p:tnLst>
       <p:par>
-        <p:cTn id="1" dur="indefinite" restart="never" nodeType="tmRoot"/>
+        <p:cTn xmlns:p14="http://schemas.microsoft.com/office/powerpoint/2010/main" id="1" dur="indefinite" restart="never" nodeType="tmRoot"/>
       </p:par>
     </p:tnLst>
   </p:timing>
@@ -2571,7 +2753,7 @@
   <p:timing>
     <p:tnLst>
       <p:par>
-        <p:cTn id="1" dur="indefinite" restart="never" nodeType="tmRoot"/>
+        <p:cTn xmlns:p14="http://schemas.microsoft.com/office/powerpoint/2010/main" id="1" dur="indefinite" restart="never" nodeType="tmRoot"/>
       </p:par>
     </p:tnLst>
   </p:timing>
@@ -2963,7 +3145,7 @@
   <p:timing>
     <p:tnLst>
       <p:par>
-        <p:cTn id="1" dur="indefinite" restart="never" nodeType="tmRoot"/>
+        <p:cTn xmlns:p14="http://schemas.microsoft.com/office/powerpoint/2010/main" id="1" dur="indefinite" restart="never" nodeType="tmRoot"/>
       </p:par>
     </p:tnLst>
   </p:timing>
@@ -3023,7 +3205,7 @@
   <p:timing>
     <p:tnLst>
       <p:par>
-        <p:cTn id="1" dur="indefinite" restart="never" nodeType="tmRoot"/>
+        <p:cTn xmlns:p14="http://schemas.microsoft.com/office/powerpoint/2010/main" id="1" dur="indefinite" restart="never" nodeType="tmRoot"/>
       </p:par>
     </p:tnLst>
   </p:timing>
@@ -3060,7 +3242,7 @@
   <p:timing>
     <p:tnLst>
       <p:par>
-        <p:cTn id="1" dur="indefinite" restart="never" nodeType="tmRoot"/>
+        <p:cTn xmlns:p14="http://schemas.microsoft.com/office/powerpoint/2010/main" id="1" dur="indefinite" restart="never" nodeType="tmRoot"/>
       </p:par>
     </p:tnLst>
   </p:timing>
@@ -3271,10 +3453,664 @@
   <p:timing>
     <p:tnLst>
       <p:par>
-        <p:cTn id="1" dur="indefinite" restart="never" nodeType="tmRoot"/>
+        <p:cTn xmlns:p14="http://schemas.microsoft.com/office/powerpoint/2010/main" id="1" dur="indefinite" restart="never" nodeType="tmRoot"/>
       </p:par>
     </p:tnLst>
   </p:timing>
+</p:sldLayout>
+</file>
+
+<file path=ppt/slideLayouts/slideLayout9.xml><?xml version="1.0" encoding="utf-8"?>
+<p:sldLayout xmlns:a="http://schemas.openxmlformats.org/drawingml/2006/main" xmlns:r="http://schemas.openxmlformats.org/officeDocument/2006/relationships" xmlns:p="http://schemas.openxmlformats.org/presentationml/2006/main" userDrawn="1">
+  <p:cSld name="1_Section Header">
+    <p:spTree>
+      <p:nvGrpSpPr>
+        <p:cNvPr id="1" name=""/>
+        <p:cNvGrpSpPr/>
+        <p:nvPr/>
+      </p:nvGrpSpPr>
+      <p:grpSpPr>
+        <a:xfrm>
+          <a:off x="0" y="0"/>
+          <a:ext cx="0" cy="0"/>
+          <a:chOff x="0" y="0"/>
+          <a:chExt cx="0" cy="0"/>
+        </a:xfrm>
+      </p:grpSpPr>
+      <p:sp>
+        <p:nvSpPr>
+          <p:cNvPr id="9" name="Subtitle 2"/>
+          <p:cNvSpPr txBox="1">
+            <a:spLocks/>
+          </p:cNvSpPr>
+          <p:nvPr userDrawn="1"/>
+        </p:nvSpPr>
+        <p:spPr>
+          <a:xfrm>
+            <a:off x="8738733" y="2685050"/>
+            <a:ext cx="2241224" cy="2355337"/>
+          </a:xfrm>
+          <a:prstGeom prst="rect">
+            <a:avLst/>
+          </a:prstGeom>
+        </p:spPr>
+        <p:txBody>
+          <a:bodyPr vert="horz" lIns="91409" tIns="45705" rIns="91409" bIns="45705" rtlCol="0" anchor="ctr" anchorCtr="0">
+            <a:normAutofit/>
+          </a:bodyPr>
+          <a:lstStyle>
+            <a:lvl1pPr marL="0" indent="0" algn="l" defTabSz="914052" rtl="0" eaLnBrk="1" latinLnBrk="0" hangingPunct="1">
+              <a:lnSpc>
+                <a:spcPct val="100000"/>
+              </a:lnSpc>
+              <a:spcBef>
+                <a:spcPts val="0"/>
+              </a:spcBef>
+              <a:buSzPct val="90000"/>
+              <a:buFont typeface="Arial" pitchFamily="34" charset="0"/>
+              <a:buNone/>
+              <a:defRPr lang="en-US" sz="1800" b="1" kern="1200" spc="-30" baseline="0" dirty="0">
+                <a:gradFill>
+                  <a:gsLst>
+                    <a:gs pos="1250">
+                      <a:srgbClr val="FFFFFF"/>
+                    </a:gs>
+                    <a:gs pos="6250">
+                      <a:srgbClr val="FFFFFF"/>
+                    </a:gs>
+                  </a:gsLst>
+                  <a:lin ang="5400000" scaled="0"/>
+                </a:gradFill>
+                <a:latin typeface="Segoe UI" pitchFamily="34" charset="0"/>
+                <a:ea typeface="Segoe UI" pitchFamily="34" charset="0"/>
+                <a:cs typeface="Segoe UI" pitchFamily="34" charset="0"/>
+              </a:defRPr>
+            </a:lvl1pPr>
+            <a:lvl2pPr marL="457044" indent="0" algn="ctr" defTabSz="914088" rtl="0" eaLnBrk="1" latinLnBrk="0" hangingPunct="1">
+              <a:spcBef>
+                <a:spcPts val="300"/>
+              </a:spcBef>
+              <a:spcAft>
+                <a:spcPts val="300"/>
+              </a:spcAft>
+              <a:buFont typeface="Arial" pitchFamily="34" charset="0"/>
+              <a:buNone/>
+              <a:defRPr sz="2800" kern="1200">
+                <a:solidFill>
+                  <a:schemeClr val="tx1">
+                    <a:tint val="75000"/>
+                  </a:schemeClr>
+                </a:solidFill>
+                <a:latin typeface="Segoe UI" pitchFamily="34" charset="0"/>
+                <a:ea typeface="Segoe UI" pitchFamily="34" charset="0"/>
+                <a:cs typeface="Segoe UI" pitchFamily="34" charset="0"/>
+              </a:defRPr>
+            </a:lvl2pPr>
+            <a:lvl3pPr marL="914088" indent="0" algn="ctr" defTabSz="914088" rtl="0" eaLnBrk="1" latinLnBrk="0" hangingPunct="1">
+              <a:spcBef>
+                <a:spcPts val="200"/>
+              </a:spcBef>
+              <a:spcAft>
+                <a:spcPts val="200"/>
+              </a:spcAft>
+              <a:buFont typeface="Arial" pitchFamily="34" charset="0"/>
+              <a:buNone/>
+              <a:defRPr sz="2400" kern="1200">
+                <a:solidFill>
+                  <a:schemeClr val="tx1">
+                    <a:tint val="75000"/>
+                  </a:schemeClr>
+                </a:solidFill>
+                <a:latin typeface="Segoe UI" pitchFamily="34" charset="0"/>
+                <a:ea typeface="Segoe UI" pitchFamily="34" charset="0"/>
+                <a:cs typeface="Segoe UI" pitchFamily="34" charset="0"/>
+              </a:defRPr>
+            </a:lvl3pPr>
+            <a:lvl4pPr marL="1371133" indent="0" algn="ctr" defTabSz="914088" rtl="0" eaLnBrk="1" latinLnBrk="0" hangingPunct="1">
+              <a:spcBef>
+                <a:spcPct val="20000"/>
+              </a:spcBef>
+              <a:buFont typeface="Arial" pitchFamily="34" charset="0"/>
+              <a:buNone/>
+              <a:defRPr sz="2000" kern="1200">
+                <a:solidFill>
+                  <a:schemeClr val="tx1">
+                    <a:tint val="75000"/>
+                  </a:schemeClr>
+                </a:solidFill>
+                <a:latin typeface="Segoe UI" pitchFamily="34" charset="0"/>
+                <a:ea typeface="Segoe UI" pitchFamily="34" charset="0"/>
+                <a:cs typeface="Segoe UI" pitchFamily="34" charset="0"/>
+              </a:defRPr>
+            </a:lvl4pPr>
+            <a:lvl5pPr marL="1828178" indent="0" algn="ctr" defTabSz="914088" rtl="0" eaLnBrk="1" latinLnBrk="0" hangingPunct="1">
+              <a:spcBef>
+                <a:spcPct val="20000"/>
+              </a:spcBef>
+              <a:buFont typeface="Arial" pitchFamily="34" charset="0"/>
+              <a:buNone/>
+              <a:defRPr sz="2000" kern="1200">
+                <a:solidFill>
+                  <a:schemeClr val="tx1">
+                    <a:tint val="75000"/>
+                  </a:schemeClr>
+                </a:solidFill>
+                <a:latin typeface="Segoe UI" pitchFamily="34" charset="0"/>
+                <a:ea typeface="Segoe UI" pitchFamily="34" charset="0"/>
+                <a:cs typeface="Segoe UI" pitchFamily="34" charset="0"/>
+              </a:defRPr>
+            </a:lvl5pPr>
+            <a:lvl6pPr marL="2285222" indent="0" algn="ctr" defTabSz="914088" rtl="0" eaLnBrk="1" latinLnBrk="0" hangingPunct="1">
+              <a:spcBef>
+                <a:spcPct val="20000"/>
+              </a:spcBef>
+              <a:buFont typeface="Arial" pitchFamily="34" charset="0"/>
+              <a:buNone/>
+              <a:defRPr sz="2000" kern="1200">
+                <a:solidFill>
+                  <a:schemeClr val="tx1">
+                    <a:tint val="75000"/>
+                  </a:schemeClr>
+                </a:solidFill>
+                <a:latin typeface="+mn-lt"/>
+                <a:ea typeface="+mn-ea"/>
+                <a:cs typeface="+mn-cs"/>
+              </a:defRPr>
+            </a:lvl6pPr>
+            <a:lvl7pPr marL="2742267" indent="0" algn="ctr" defTabSz="914088" rtl="0" eaLnBrk="1" latinLnBrk="0" hangingPunct="1">
+              <a:spcBef>
+                <a:spcPct val="20000"/>
+              </a:spcBef>
+              <a:buFont typeface="Arial" pitchFamily="34" charset="0"/>
+              <a:buNone/>
+              <a:defRPr sz="2000" kern="1200">
+                <a:solidFill>
+                  <a:schemeClr val="tx1">
+                    <a:tint val="75000"/>
+                  </a:schemeClr>
+                </a:solidFill>
+                <a:latin typeface="+mn-lt"/>
+                <a:ea typeface="+mn-ea"/>
+                <a:cs typeface="+mn-cs"/>
+              </a:defRPr>
+            </a:lvl7pPr>
+            <a:lvl8pPr marL="3199311" indent="0" algn="ctr" defTabSz="914088" rtl="0" eaLnBrk="1" latinLnBrk="0" hangingPunct="1">
+              <a:spcBef>
+                <a:spcPct val="20000"/>
+              </a:spcBef>
+              <a:buFont typeface="Arial" pitchFamily="34" charset="0"/>
+              <a:buNone/>
+              <a:defRPr sz="2000" kern="1200">
+                <a:solidFill>
+                  <a:schemeClr val="tx1">
+                    <a:tint val="75000"/>
+                  </a:schemeClr>
+                </a:solidFill>
+                <a:latin typeface="+mn-lt"/>
+                <a:ea typeface="+mn-ea"/>
+                <a:cs typeface="+mn-cs"/>
+              </a:defRPr>
+            </a:lvl8pPr>
+            <a:lvl9pPr marL="3656358" indent="0" algn="ctr" defTabSz="914088" rtl="0" eaLnBrk="1" latinLnBrk="0" hangingPunct="1">
+              <a:spcBef>
+                <a:spcPct val="20000"/>
+              </a:spcBef>
+              <a:buFont typeface="Arial" pitchFamily="34" charset="0"/>
+              <a:buNone/>
+              <a:defRPr sz="2000" kern="1200">
+                <a:solidFill>
+                  <a:schemeClr val="tx1">
+                    <a:tint val="75000"/>
+                  </a:schemeClr>
+                </a:solidFill>
+                <a:latin typeface="+mn-lt"/>
+                <a:ea typeface="+mn-ea"/>
+                <a:cs typeface="+mn-cs"/>
+              </a:defRPr>
+            </a:lvl9pPr>
+          </a:lstStyle>
+          <a:p>
+            <a:r>
+              <a:rPr lang="en-US" smtClean="0"/>
+              <a:t>Click to edit Master subtitle style</a:t>
+            </a:r>
+            <a:endParaRPr lang="en-US"/>
+          </a:p>
+        </p:txBody>
+      </p:sp>
+      <p:sp>
+        <p:nvSpPr>
+          <p:cNvPr id="13" name="Title 1"/>
+          <p:cNvSpPr txBox="1">
+            <a:spLocks/>
+          </p:cNvSpPr>
+          <p:nvPr userDrawn="1"/>
+        </p:nvSpPr>
+        <p:spPr>
+          <a:xfrm>
+            <a:off x="193271" y="3376350"/>
+            <a:ext cx="8409867" cy="1692617"/>
+          </a:xfrm>
+          <a:prstGeom prst="rect">
+            <a:avLst/>
+          </a:prstGeom>
+          <a:solidFill>
+            <a:srgbClr val="007233"/>
+          </a:solidFill>
+          <a:effectLst/>
+        </p:spPr>
+        <p:txBody>
+          <a:bodyPr vert="horz" lIns="137160" tIns="137160" rIns="91409" bIns="137160" rtlCol="0" anchor="b" anchorCtr="0">
+            <a:noAutofit/>
+          </a:bodyPr>
+          <a:lstStyle>
+            <a:lvl1pPr algn="l" defTabSz="914088" rtl="0" eaLnBrk="1" latinLnBrk="0" hangingPunct="1">
+              <a:spcBef>
+                <a:spcPct val="0"/>
+              </a:spcBef>
+              <a:buNone/>
+              <a:defRPr lang="en-US" sz="4000" kern="0" dirty="0">
+                <a:ln w="3175">
+                  <a:noFill/>
+                </a:ln>
+                <a:gradFill flip="none" rotWithShape="1">
+                  <a:gsLst>
+                    <a:gs pos="4583">
+                      <a:srgbClr val="FFFFFF"/>
+                    </a:gs>
+                    <a:gs pos="100000">
+                      <a:srgbClr val="FFFFFF"/>
+                    </a:gs>
+                  </a:gsLst>
+                  <a:lin ang="5400000" scaled="0"/>
+                  <a:tileRect/>
+                </a:gradFill>
+                <a:latin typeface="Segoe UI" pitchFamily="34" charset="0"/>
+                <a:ea typeface="Segoe UI" pitchFamily="34" charset="0"/>
+                <a:cs typeface="Segoe UI" pitchFamily="34" charset="0"/>
+              </a:defRPr>
+            </a:lvl1pPr>
+          </a:lstStyle>
+          <a:p>
+            <a:endParaRPr lang="en-US" sz="4000" dirty="0"/>
+          </a:p>
+        </p:txBody>
+      </p:sp>
+      <p:sp>
+        <p:nvSpPr>
+          <p:cNvPr id="14" name="top right small rectangle"/>
+          <p:cNvSpPr/>
+          <p:nvPr userDrawn="1"/>
+        </p:nvSpPr>
+        <p:spPr bwMode="auto">
+          <a:xfrm>
+            <a:off x="8682790" y="3374967"/>
+            <a:ext cx="3257419" cy="1694322"/>
+          </a:xfrm>
+          <a:prstGeom prst="rect">
+            <a:avLst/>
+          </a:prstGeom>
+          <a:solidFill>
+            <a:schemeClr val="tx2"/>
+          </a:solidFill>
+          <a:ln>
+            <a:noFill/>
+            <a:headEnd type="none" w="med" len="med"/>
+            <a:tailEnd type="none" w="med" len="med"/>
+          </a:ln>
+        </p:spPr>
+        <p:style>
+          <a:lnRef idx="2">
+            <a:schemeClr val="accent5">
+              <a:shade val="50000"/>
+            </a:schemeClr>
+          </a:lnRef>
+          <a:fillRef idx="1">
+            <a:schemeClr val="accent5"/>
+          </a:fillRef>
+          <a:effectRef idx="0">
+            <a:schemeClr val="accent5"/>
+          </a:effectRef>
+          <a:fontRef idx="minor">
+            <a:schemeClr val="lt1"/>
+          </a:fontRef>
+        </p:style>
+        <p:txBody>
+          <a:bodyPr vert="horz" wrap="square" lIns="91404" tIns="45703" rIns="91404" bIns="45703" numCol="1" rtlCol="0" anchor="ctr" anchorCtr="0" compatLnSpc="1">
+            <a:prstTxWarp prst="textNoShape">
+              <a:avLst/>
+            </a:prstTxWarp>
+          </a:bodyPr>
+          <a:lstStyle/>
+          <a:p>
+            <a:pPr algn="ctr" defTabSz="913788" fontAlgn="base">
+              <a:spcBef>
+                <a:spcPct val="0"/>
+              </a:spcBef>
+              <a:spcAft>
+                <a:spcPct val="0"/>
+              </a:spcAft>
+            </a:pPr>
+            <a:endParaRPr lang="en-US" sz="2200" dirty="0">
+              <a:gradFill>
+                <a:gsLst>
+                  <a:gs pos="0">
+                    <a:srgbClr val="FFFFFF"/>
+                  </a:gs>
+                  <a:gs pos="100000">
+                    <a:srgbClr val="FFFFFF"/>
+                  </a:gs>
+                </a:gsLst>
+                <a:lin ang="5400000" scaled="0"/>
+              </a:gradFill>
+            </a:endParaRPr>
+          </a:p>
+        </p:txBody>
+      </p:sp>
+      <p:pic>
+        <p:nvPicPr>
+          <p:cNvPr id="15" name="Picture 14"/>
+          <p:cNvPicPr>
+            <a:picLocks noChangeAspect="1"/>
+          </p:cNvPicPr>
+          <p:nvPr userDrawn="1"/>
+        </p:nvPicPr>
+        <p:blipFill rotWithShape="1">
+          <a:blip r:embed="rId2" cstate="print">
+            <a:extLst>
+              <a:ext uri="{28A0092B-C50C-407E-A947-70E740481C1C}">
+                <a14:useLocalDpi xmlns:a14="http://schemas.microsoft.com/office/drawing/2010/main" val="0"/>
+              </a:ext>
+            </a:extLst>
+          </a:blip>
+          <a:srcRect l="9720" t="16544" r="7275" b="16691"/>
+          <a:stretch/>
+        </p:blipFill>
+        <p:spPr>
+          <a:xfrm>
+            <a:off x="11181757" y="4821401"/>
+            <a:ext cx="740346" cy="218986"/>
+          </a:xfrm>
+          <a:prstGeom prst="rect">
+            <a:avLst/>
+          </a:prstGeom>
+        </p:spPr>
+      </p:pic>
+      <p:sp>
+        <p:nvSpPr>
+          <p:cNvPr id="16" name="Text Placeholder 10"/>
+          <p:cNvSpPr>
+            <a:spLocks noGrp="1"/>
+          </p:cNvSpPr>
+          <p:nvPr>
+            <p:ph type="body" sz="quarter" idx="10" hasCustomPrompt="1"/>
+          </p:nvPr>
+        </p:nvSpPr>
+        <p:spPr>
+          <a:xfrm>
+            <a:off x="292101" y="3466407"/>
+            <a:ext cx="8215796" cy="1485524"/>
+          </a:xfrm>
+          <a:prstGeom prst="rect">
+            <a:avLst/>
+          </a:prstGeom>
+        </p:spPr>
+        <p:txBody>
+          <a:bodyPr anchor="b" anchorCtr="0">
+            <a:normAutofit/>
+          </a:bodyPr>
+          <a:lstStyle>
+            <a:lvl1pPr marL="0" indent="0">
+              <a:buNone/>
+              <a:defRPr sz="3600" b="0" baseline="0">
+                <a:solidFill>
+                  <a:schemeClr val="bg1"/>
+                </a:solidFill>
+                <a:latin typeface="Segoe UI Light" panose="020B0502040204020203" pitchFamily="34" charset="0"/>
+                <a:cs typeface="Segoe UI Light" panose="020B0502040204020203" pitchFamily="34" charset="0"/>
+              </a:defRPr>
+            </a:lvl1pPr>
+          </a:lstStyle>
+          <a:p>
+            <a:pPr lvl="0"/>
+            <a:r>
+              <a:rPr lang="en-US" dirty="0" smtClean="0"/>
+              <a:t>Module or Section transition style</a:t>
+            </a:r>
+          </a:p>
+        </p:txBody>
+      </p:sp>
+      <p:sp>
+        <p:nvSpPr>
+          <p:cNvPr id="11" name="Subtitle 2"/>
+          <p:cNvSpPr>
+            <a:spLocks noGrp="1"/>
+          </p:cNvSpPr>
+          <p:nvPr>
+            <p:ph type="subTitle" idx="1"/>
+          </p:nvPr>
+        </p:nvSpPr>
+        <p:spPr>
+          <a:xfrm>
+            <a:off x="193271" y="5132437"/>
+            <a:ext cx="8409867" cy="1460779"/>
+          </a:xfrm>
+          <a:prstGeom prst="rect">
+            <a:avLst/>
+          </a:prstGeom>
+        </p:spPr>
+        <p:txBody>
+          <a:bodyPr lIns="137160" tIns="137160" rIns="137160" bIns="137160" anchor="b" anchorCtr="0">
+            <a:normAutofit/>
+          </a:bodyPr>
+          <a:lstStyle>
+            <a:lvl1pPr marL="0" indent="0" algn="l" defTabSz="914052" rtl="0" eaLnBrk="1" latinLnBrk="0" hangingPunct="1">
+              <a:lnSpc>
+                <a:spcPct val="100000"/>
+              </a:lnSpc>
+              <a:spcBef>
+                <a:spcPts val="0"/>
+              </a:spcBef>
+              <a:buSzPct val="90000"/>
+              <a:buFont typeface="Arial" pitchFamily="34" charset="0"/>
+              <a:buNone/>
+              <a:defRPr lang="en-US" sz="2400" b="0" kern="0" spc="0" baseline="0" dirty="0">
+                <a:solidFill>
+                  <a:schemeClr val="tx1"/>
+                </a:solidFill>
+                <a:latin typeface="Segoe UI Light" panose="020B0502040204020203" pitchFamily="34" charset="0"/>
+                <a:ea typeface="Segoe UI Light" panose="020B0502040204020203" pitchFamily="34" charset="0"/>
+                <a:cs typeface="Segoe UI Light" panose="020B0502040204020203" pitchFamily="34" charset="0"/>
+              </a:defRPr>
+            </a:lvl1pPr>
+            <a:lvl2pPr marL="457044" indent="0" algn="ctr">
+              <a:buNone/>
+              <a:defRPr>
+                <a:solidFill>
+                  <a:schemeClr val="tx1">
+                    <a:tint val="75000"/>
+                  </a:schemeClr>
+                </a:solidFill>
+              </a:defRPr>
+            </a:lvl2pPr>
+            <a:lvl3pPr marL="914088" indent="0" algn="ctr">
+              <a:buNone/>
+              <a:defRPr>
+                <a:solidFill>
+                  <a:schemeClr val="tx1">
+                    <a:tint val="75000"/>
+                  </a:schemeClr>
+                </a:solidFill>
+              </a:defRPr>
+            </a:lvl3pPr>
+            <a:lvl4pPr marL="1371133" indent="0" algn="ctr">
+              <a:buNone/>
+              <a:defRPr>
+                <a:solidFill>
+                  <a:schemeClr val="tx1">
+                    <a:tint val="75000"/>
+                  </a:schemeClr>
+                </a:solidFill>
+              </a:defRPr>
+            </a:lvl4pPr>
+            <a:lvl5pPr marL="1828178" indent="0" algn="ctr">
+              <a:buNone/>
+              <a:defRPr>
+                <a:solidFill>
+                  <a:schemeClr val="tx1">
+                    <a:tint val="75000"/>
+                  </a:schemeClr>
+                </a:solidFill>
+              </a:defRPr>
+            </a:lvl5pPr>
+            <a:lvl6pPr marL="2285222" indent="0" algn="ctr">
+              <a:buNone/>
+              <a:defRPr>
+                <a:solidFill>
+                  <a:schemeClr val="tx1">
+                    <a:tint val="75000"/>
+                  </a:schemeClr>
+                </a:solidFill>
+              </a:defRPr>
+            </a:lvl6pPr>
+            <a:lvl7pPr marL="2742267" indent="0" algn="ctr">
+              <a:buNone/>
+              <a:defRPr>
+                <a:solidFill>
+                  <a:schemeClr val="tx1">
+                    <a:tint val="75000"/>
+                  </a:schemeClr>
+                </a:solidFill>
+              </a:defRPr>
+            </a:lvl7pPr>
+            <a:lvl8pPr marL="3199311" indent="0" algn="ctr">
+              <a:buNone/>
+              <a:defRPr>
+                <a:solidFill>
+                  <a:schemeClr val="tx1">
+                    <a:tint val="75000"/>
+                  </a:schemeClr>
+                </a:solidFill>
+              </a:defRPr>
+            </a:lvl8pPr>
+            <a:lvl9pPr marL="3656358" indent="0" algn="ctr">
+              <a:buNone/>
+              <a:defRPr>
+                <a:solidFill>
+                  <a:schemeClr val="tx1">
+                    <a:tint val="75000"/>
+                  </a:schemeClr>
+                </a:solidFill>
+              </a:defRPr>
+            </a:lvl9pPr>
+          </a:lstStyle>
+          <a:p>
+            <a:r>
+              <a:rPr lang="en-US" dirty="0" smtClean="0"/>
+              <a:t>Click to edit Master subtitle style</a:t>
+            </a:r>
+            <a:endParaRPr lang="en-US" dirty="0"/>
+          </a:p>
+        </p:txBody>
+      </p:sp>
+      <p:sp>
+        <p:nvSpPr>
+          <p:cNvPr id="10" name="TextBox 9"/>
+          <p:cNvSpPr txBox="1"/>
+          <p:nvPr userDrawn="1"/>
+        </p:nvSpPr>
+        <p:spPr>
+          <a:xfrm>
+            <a:off x="193271" y="164177"/>
+            <a:ext cx="3691466" cy="246221"/>
+          </a:xfrm>
+          <a:prstGeom prst="rect">
+            <a:avLst/>
+          </a:prstGeom>
+          <a:noFill/>
+        </p:spPr>
+        <p:txBody>
+          <a:bodyPr wrap="square" lIns="0" tIns="0" rIns="0" bIns="0" rtlCol="0" anchor="ctr">
+            <a:spAutoFit/>
+          </a:bodyPr>
+          <a:lstStyle/>
+          <a:p>
+            <a:pPr algn="l"/>
+            <a:r>
+              <a:rPr lang="en-US" sz="1600" dirty="0" smtClean="0">
+                <a:solidFill>
+                  <a:schemeClr val="tx1">
+                    <a:lumMod val="75000"/>
+                    <a:lumOff val="25000"/>
+                    <a:alpha val="99000"/>
+                  </a:schemeClr>
+                </a:solidFill>
+                <a:latin typeface="Segoe UI" panose="020B0502040204020203" pitchFamily="34" charset="0"/>
+                <a:cs typeface="Segoe UI" panose="020B0502040204020203" pitchFamily="34" charset="0"/>
+              </a:rPr>
+              <a:t>Microsoft</a:t>
+            </a:r>
+            <a:r>
+              <a:rPr lang="en-US" sz="1600" baseline="0" dirty="0" smtClean="0">
+                <a:solidFill>
+                  <a:schemeClr val="tx1">
+                    <a:lumMod val="75000"/>
+                    <a:lumOff val="25000"/>
+                    <a:alpha val="99000"/>
+                  </a:schemeClr>
+                </a:solidFill>
+                <a:latin typeface="Segoe UI" panose="020B0502040204020203" pitchFamily="34" charset="0"/>
+                <a:cs typeface="Segoe UI" panose="020B0502040204020203" pitchFamily="34" charset="0"/>
+              </a:rPr>
+              <a:t> Virtual Academy</a:t>
+            </a:r>
+            <a:endParaRPr lang="en-US" sz="1600" dirty="0" smtClean="0">
+              <a:solidFill>
+                <a:schemeClr val="tx1">
+                  <a:lumMod val="75000"/>
+                  <a:lumOff val="25000"/>
+                  <a:alpha val="99000"/>
+                </a:schemeClr>
+              </a:solidFill>
+              <a:latin typeface="Segoe UI" panose="020B0502040204020203" pitchFamily="34" charset="0"/>
+              <a:cs typeface="Segoe UI" panose="020B0502040204020203" pitchFamily="34" charset="0"/>
+            </a:endParaRPr>
+          </a:p>
+        </p:txBody>
+      </p:sp>
+    </p:spTree>
+    <p:extLst>
+      <p:ext uri="{BB962C8B-B14F-4D97-AF65-F5344CB8AC3E}">
+        <p14:creationId xmlns:p14="http://schemas.microsoft.com/office/powerpoint/2010/main" val="671853356"/>
+      </p:ext>
+    </p:extLst>
+  </p:cSld>
+  <p:clrMapOvr>
+    <a:masterClrMapping/>
+  </p:clrMapOvr>
+  <p:timing>
+    <p:tnLst>
+      <p:par>
+        <p:cTn xmlns:p14="http://schemas.microsoft.com/office/powerpoint/2010/main" id="1" dur="indefinite" restart="never" nodeType="tmRoot"/>
+      </p:par>
+    </p:tnLst>
+  </p:timing>
+  <p:extLst mod="1">
+    <p:ext uri="{DCECCB84-F9BA-43D5-87BE-67443E8EF086}">
+      <p15:sldGuideLst xmlns:p15="http://schemas.microsoft.com/office/powerpoint/2012/main" xmlns="">
+        <p15:guide id="1" orient="horz" pos="2160">
+          <p15:clr>
+            <a:srgbClr val="FBAE40"/>
+          </p15:clr>
+        </p15:guide>
+        <p15:guide id="2" pos="3840">
+          <p15:clr>
+            <a:srgbClr val="FBAE40"/>
+          </p15:clr>
+        </p15:guide>
+      </p15:sldGuideLst>
+    </p:ext>
+  </p:extLst>
 </p:sldLayout>
 </file>
 
@@ -3350,11 +4186,12 @@
     <p:sldLayoutId id="2147483666" r:id="rId6"/>
     <p:sldLayoutId id="2147483668" r:id="rId7"/>
     <p:sldLayoutId id="2147483669" r:id="rId8"/>
+    <p:sldLayoutId id="2147483670" r:id="rId9"/>
   </p:sldLayoutIdLst>
   <p:timing>
     <p:tnLst>
       <p:par>
-        <p:cTn id="1" dur="indefinite" restart="never" nodeType="tmRoot"/>
+        <p:cTn xmlns:p14="http://schemas.microsoft.com/office/powerpoint/2010/main" id="1" dur="indefinite" restart="never" nodeType="tmRoot"/>
       </p:par>
     </p:tnLst>
   </p:timing>
@@ -3731,7 +4568,7 @@
   <p:timing>
     <p:tnLst>
       <p:par>
-        <p:cTn id="1" dur="indefinite" restart="never" nodeType="tmRoot"/>
+        <p:cTn xmlns:p14="http://schemas.microsoft.com/office/powerpoint/2010/main" id="1" dur="indefinite" restart="never" nodeType="tmRoot"/>
       </p:par>
     </p:tnLst>
   </p:timing>
@@ -3770,22 +4607,89 @@
           <a:bodyPr/>
           <a:lstStyle/>
           <a:p>
+            <a:pPr lvl="0"/>
             <a:r>
               <a:rPr lang="en-US" dirty="0" smtClean="0"/>
-              <a:t>Recommended Reading</a:t>
+              <a:t>Azure is All Things</a:t>
             </a:r>
             <a:endParaRPr lang="en-US" dirty="0"/>
           </a:p>
         </p:txBody>
       </p:sp>
-      <p:sp>
-        <p:nvSpPr>
-          <p:cNvPr id="3" name="Content Placeholder 2"/>
+      <p:pic>
+        <p:nvPicPr>
+          <p:cNvPr id="6" name="Content Placeholder 5"/>
+          <p:cNvPicPr>
+            <a:picLocks noGrp="1" noChangeAspect="1"/>
+          </p:cNvPicPr>
+          <p:nvPr>
+            <p:ph sz="quarter" idx="10"/>
+          </p:nvPr>
+        </p:nvPicPr>
+        <p:blipFill>
+          <a:blip r:embed="rId3" cstate="print">
+            <a:extLst>
+              <a:ext uri="{28A0092B-C50C-407E-A947-70E740481C1C}">
+                <a14:useLocalDpi xmlns:a14="http://schemas.microsoft.com/office/drawing/2010/main" val="0"/>
+              </a:ext>
+            </a:extLst>
+          </a:blip>
+          <a:stretch>
+            <a:fillRect/>
+          </a:stretch>
+        </p:blipFill>
+        <p:spPr>
+          <a:xfrm>
+            <a:off x="3551" y="1227173"/>
+            <a:ext cx="9902449" cy="5570989"/>
+          </a:xfrm>
+        </p:spPr>
+      </p:pic>
+    </p:spTree>
+    <p:extLst>
+      <p:ext uri="{BB962C8B-B14F-4D97-AF65-F5344CB8AC3E}">
+        <p14:creationId xmlns:p14="http://schemas.microsoft.com/office/powerpoint/2010/main" val="4255679284"/>
+      </p:ext>
+    </p:extLst>
+  </p:cSld>
+  <p:clrMapOvr>
+    <a:masterClrMapping/>
+  </p:clrMapOvr>
+  <p:timing>
+    <p:tnLst>
+      <p:par>
+        <p:cTn xmlns:p14="http://schemas.microsoft.com/office/powerpoint/2010/main" id="1" dur="indefinite" restart="never" nodeType="tmRoot"/>
+      </p:par>
+    </p:tnLst>
+  </p:timing>
+</p:sld>
+</file>
+
+<file path=ppt/slides/slide11.xml><?xml version="1.0" encoding="utf-8"?>
+<p:sld xmlns:a="http://schemas.openxmlformats.org/drawingml/2006/main" xmlns:r="http://schemas.openxmlformats.org/officeDocument/2006/relationships" xmlns:p="http://schemas.openxmlformats.org/presentationml/2006/main">
+  <p:cSld>
+    <p:spTree>
+      <p:nvGrpSpPr>
+        <p:cNvPr id="1" name=""/>
+        <p:cNvGrpSpPr/>
+        <p:nvPr/>
+      </p:nvGrpSpPr>
+      <p:grpSpPr>
+        <a:xfrm>
+          <a:off x="0" y="0"/>
+          <a:ext cx="0" cy="0"/>
+          <a:chOff x="0" y="0"/>
+          <a:chExt cx="0" cy="0"/>
+        </a:xfrm>
+      </p:grpSpPr>
+      <p:sp>
+        <p:nvSpPr>
+          <p:cNvPr id="2" name="Title 1"/>
           <p:cNvSpPr>
             <a:spLocks noGrp="1"/>
           </p:cNvSpPr>
           <p:nvPr>
-            <p:ph sz="quarter" idx="10"/>
+            <p:ph type="title"/>
           </p:nvPr>
         </p:nvSpPr>
         <p:spPr/>
@@ -3793,57 +4697,538 @@
           <a:bodyPr/>
           <a:lstStyle/>
           <a:p>
-            <a:r>
-              <a:rPr lang="en-US" dirty="0"/>
-              <a:t>https://azure.microsoft.com/en-us/documentation/articles/fundamentals-introduction-to-azure/</a:t>
-            </a:r>
-          </a:p>
-        </p:txBody>
-      </p:sp>
-      <p:sp>
-        <p:nvSpPr>
-          <p:cNvPr id="4" name="TextBox 3"/>
-          <p:cNvSpPr txBox="1"/>
-          <p:nvPr/>
-        </p:nvSpPr>
+            <a:pPr lvl="0"/>
+            <a:r>
+              <a:rPr lang="en-US" dirty="0" smtClean="0"/>
+              <a:t>Bits of Azure</a:t>
+            </a:r>
+            <a:endParaRPr lang="en-US" dirty="0"/>
+          </a:p>
+        </p:txBody>
+      </p:sp>
+      <p:pic>
+        <p:nvPicPr>
+          <p:cNvPr id="6" name="Content Placeholder 5"/>
+          <p:cNvPicPr>
+            <a:picLocks noGrp="1" noChangeAspect="1"/>
+          </p:cNvPicPr>
+          <p:nvPr>
+            <p:ph sz="quarter" idx="10"/>
+          </p:nvPr>
+        </p:nvPicPr>
+        <p:blipFill>
+          <a:blip r:embed="rId3" cstate="print">
+            <a:extLst>
+              <a:ext uri="{28A0092B-C50C-407E-A947-70E740481C1C}">
+                <a14:useLocalDpi xmlns:a14="http://schemas.microsoft.com/office/drawing/2010/main" val="0"/>
+              </a:ext>
+            </a:extLst>
+          </a:blip>
+          <a:stretch>
+            <a:fillRect/>
+          </a:stretch>
+        </p:blipFill>
         <p:spPr>
           <a:xfrm>
-            <a:off x="9906000" y="-1"/>
-            <a:ext cx="2286000" cy="2031325"/>
+            <a:off x="3551" y="1227173"/>
+            <a:ext cx="9902449" cy="5570989"/>
+          </a:xfrm>
+        </p:spPr>
+      </p:pic>
+      <p:sp>
+        <p:nvSpPr>
+          <p:cNvPr id="8" name="Rectangle 7"/>
+          <p:cNvSpPr/>
+          <p:nvPr/>
+        </p:nvSpPr>
+        <p:spPr>
+          <a:xfrm>
+            <a:off x="1673352" y="2322576"/>
+            <a:ext cx="685800" cy="411480"/>
           </a:xfrm>
           <a:prstGeom prst="rect">
             <a:avLst/>
           </a:prstGeom>
-          <a:solidFill>
-            <a:srgbClr val="FFFF00"/>
-          </a:solidFill>
+          <a:noFill/>
           <a:ln>
-            <a:noFill/>
+            <a:solidFill>
+              <a:srgbClr val="FFC000"/>
+            </a:solidFill>
           </a:ln>
         </p:spPr>
-        <p:txBody>
-          <a:bodyPr wrap="square" rtlCol="0">
-            <a:spAutoFit/>
-          </a:bodyPr>
+        <p:style>
+          <a:lnRef idx="2">
+            <a:schemeClr val="accent1">
+              <a:shade val="50000"/>
+            </a:schemeClr>
+          </a:lnRef>
+          <a:fillRef idx="1">
+            <a:schemeClr val="accent1"/>
+          </a:fillRef>
+          <a:effectRef idx="0">
+            <a:schemeClr val="accent1"/>
+          </a:effectRef>
+          <a:fontRef idx="minor">
+            <a:schemeClr val="lt1"/>
+          </a:fontRef>
+        </p:style>
+        <p:txBody>
+          <a:bodyPr rtlCol="0" anchor="ctr"/>
           <a:lstStyle/>
           <a:p>
             <a:pPr algn="ctr"/>
-            <a:endParaRPr lang="en-US" dirty="0" smtClean="0"/>
-          </a:p>
+            <a:endParaRPr lang="en-US"/>
+          </a:p>
+        </p:txBody>
+      </p:sp>
+      <p:sp>
+        <p:nvSpPr>
+          <p:cNvPr id="9" name="Rectangle 8"/>
+          <p:cNvSpPr/>
+          <p:nvPr/>
+        </p:nvSpPr>
+        <p:spPr>
+          <a:xfrm>
+            <a:off x="3517392" y="1879180"/>
+            <a:ext cx="749808" cy="411480"/>
+          </a:xfrm>
+          <a:prstGeom prst="rect">
+            <a:avLst/>
+          </a:prstGeom>
+          <a:noFill/>
+          <a:ln>
+            <a:solidFill>
+              <a:srgbClr val="FFC000"/>
+            </a:solidFill>
+          </a:ln>
+        </p:spPr>
+        <p:style>
+          <a:lnRef idx="2">
+            <a:schemeClr val="accent1">
+              <a:shade val="50000"/>
+            </a:schemeClr>
+          </a:lnRef>
+          <a:fillRef idx="1">
+            <a:schemeClr val="accent1"/>
+          </a:fillRef>
+          <a:effectRef idx="0">
+            <a:schemeClr val="accent1"/>
+          </a:effectRef>
+          <a:fontRef idx="minor">
+            <a:schemeClr val="lt1"/>
+          </a:fontRef>
+        </p:style>
+        <p:txBody>
+          <a:bodyPr rtlCol="0" anchor="ctr"/>
+          <a:lstStyle/>
           <a:p>
             <a:pPr algn="ctr"/>
+            <a:endParaRPr lang="en-US"/>
+          </a:p>
+        </p:txBody>
+      </p:sp>
+      <p:sp>
+        <p:nvSpPr>
+          <p:cNvPr id="10" name="Rectangle 9"/>
+          <p:cNvSpPr/>
+          <p:nvPr/>
+        </p:nvSpPr>
+        <p:spPr>
+          <a:xfrm>
+            <a:off x="7284720" y="4111752"/>
+            <a:ext cx="749808" cy="411480"/>
+          </a:xfrm>
+          <a:prstGeom prst="rect">
+            <a:avLst/>
+          </a:prstGeom>
+          <a:noFill/>
+          <a:ln>
+            <a:solidFill>
+              <a:srgbClr val="FFC000"/>
+            </a:solidFill>
+          </a:ln>
+        </p:spPr>
+        <p:style>
+          <a:lnRef idx="2">
+            <a:schemeClr val="accent1">
+              <a:shade val="50000"/>
+            </a:schemeClr>
+          </a:lnRef>
+          <a:fillRef idx="1">
+            <a:schemeClr val="accent1"/>
+          </a:fillRef>
+          <a:effectRef idx="0">
+            <a:schemeClr val="accent1"/>
+          </a:effectRef>
+          <a:fontRef idx="minor">
+            <a:schemeClr val="lt1"/>
+          </a:fontRef>
+        </p:style>
+        <p:txBody>
+          <a:bodyPr rtlCol="0" anchor="ctr"/>
+          <a:lstStyle/>
+          <a:p>
+            <a:pPr algn="ctr"/>
+            <a:endParaRPr lang="en-US"/>
+          </a:p>
+        </p:txBody>
+      </p:sp>
+      <p:sp>
+        <p:nvSpPr>
+          <p:cNvPr id="11" name="Rectangle 10"/>
+          <p:cNvSpPr/>
+          <p:nvPr/>
+        </p:nvSpPr>
+        <p:spPr>
+          <a:xfrm>
+            <a:off x="6108192" y="5154168"/>
+            <a:ext cx="585216" cy="411480"/>
+          </a:xfrm>
+          <a:prstGeom prst="rect">
+            <a:avLst/>
+          </a:prstGeom>
+          <a:noFill/>
+          <a:ln>
+            <a:solidFill>
+              <a:srgbClr val="FFC000"/>
+            </a:solidFill>
+          </a:ln>
+        </p:spPr>
+        <p:style>
+          <a:lnRef idx="2">
+            <a:schemeClr val="accent1">
+              <a:shade val="50000"/>
+            </a:schemeClr>
+          </a:lnRef>
+          <a:fillRef idx="1">
+            <a:schemeClr val="accent1"/>
+          </a:fillRef>
+          <a:effectRef idx="0">
+            <a:schemeClr val="accent1"/>
+          </a:effectRef>
+          <a:fontRef idx="minor">
+            <a:schemeClr val="lt1"/>
+          </a:fontRef>
+        </p:style>
+        <p:txBody>
+          <a:bodyPr rtlCol="0" anchor="ctr"/>
+          <a:lstStyle/>
+          <a:p>
+            <a:pPr algn="ctr"/>
+            <a:endParaRPr lang="en-US"/>
+          </a:p>
+        </p:txBody>
+      </p:sp>
+      <p:sp>
+        <p:nvSpPr>
+          <p:cNvPr id="12" name="Rectangle 11"/>
+          <p:cNvSpPr/>
+          <p:nvPr/>
+        </p:nvSpPr>
+        <p:spPr>
+          <a:xfrm>
+            <a:off x="2359152" y="5199888"/>
+            <a:ext cx="749808" cy="411480"/>
+          </a:xfrm>
+          <a:prstGeom prst="rect">
+            <a:avLst/>
+          </a:prstGeom>
+          <a:noFill/>
+          <a:ln>
+            <a:solidFill>
+              <a:srgbClr val="FFC000"/>
+            </a:solidFill>
+          </a:ln>
+        </p:spPr>
+        <p:style>
+          <a:lnRef idx="2">
+            <a:schemeClr val="accent1">
+              <a:shade val="50000"/>
+            </a:schemeClr>
+          </a:lnRef>
+          <a:fillRef idx="1">
+            <a:schemeClr val="accent1"/>
+          </a:fillRef>
+          <a:effectRef idx="0">
+            <a:schemeClr val="accent1"/>
+          </a:effectRef>
+          <a:fontRef idx="minor">
+            <a:schemeClr val="lt1"/>
+          </a:fontRef>
+        </p:style>
+        <p:txBody>
+          <a:bodyPr rtlCol="0" anchor="ctr"/>
+          <a:lstStyle/>
+          <a:p>
+            <a:pPr algn="ctr"/>
+            <a:endParaRPr lang="en-US"/>
+          </a:p>
+        </p:txBody>
+      </p:sp>
+      <p:sp>
+        <p:nvSpPr>
+          <p:cNvPr id="13" name="Rectangle 12"/>
+          <p:cNvSpPr/>
+          <p:nvPr/>
+        </p:nvSpPr>
+        <p:spPr>
+          <a:xfrm>
+            <a:off x="256032" y="5227320"/>
+            <a:ext cx="854982" cy="411480"/>
+          </a:xfrm>
+          <a:prstGeom prst="rect">
+            <a:avLst/>
+          </a:prstGeom>
+          <a:noFill/>
+          <a:ln>
+            <a:solidFill>
+              <a:srgbClr val="FFC000"/>
+            </a:solidFill>
+          </a:ln>
+        </p:spPr>
+        <p:style>
+          <a:lnRef idx="2">
+            <a:schemeClr val="accent1">
+              <a:shade val="50000"/>
+            </a:schemeClr>
+          </a:lnRef>
+          <a:fillRef idx="1">
+            <a:schemeClr val="accent1"/>
+          </a:fillRef>
+          <a:effectRef idx="0">
+            <a:schemeClr val="accent1"/>
+          </a:effectRef>
+          <a:fontRef idx="minor">
+            <a:schemeClr val="lt1"/>
+          </a:fontRef>
+        </p:style>
+        <p:txBody>
+          <a:bodyPr rtlCol="0" anchor="ctr"/>
+          <a:lstStyle/>
+          <a:p>
+            <a:pPr algn="ctr"/>
+            <a:endParaRPr lang="en-US"/>
+          </a:p>
+        </p:txBody>
+      </p:sp>
+      <p:sp>
+        <p:nvSpPr>
+          <p:cNvPr id="14" name="Rectangle 13"/>
+          <p:cNvSpPr/>
+          <p:nvPr/>
+        </p:nvSpPr>
+        <p:spPr>
+          <a:xfrm>
+            <a:off x="1298448" y="5227320"/>
+            <a:ext cx="813816" cy="411480"/>
+          </a:xfrm>
+          <a:prstGeom prst="rect">
+            <a:avLst/>
+          </a:prstGeom>
+          <a:noFill/>
+          <a:ln>
+            <a:solidFill>
+              <a:srgbClr val="FFC000"/>
+            </a:solidFill>
+            <a:prstDash val="sysDash"/>
+          </a:ln>
+        </p:spPr>
+        <p:style>
+          <a:lnRef idx="2">
+            <a:schemeClr val="accent1">
+              <a:shade val="50000"/>
+            </a:schemeClr>
+          </a:lnRef>
+          <a:fillRef idx="1">
+            <a:schemeClr val="accent1"/>
+          </a:fillRef>
+          <a:effectRef idx="0">
+            <a:schemeClr val="accent1"/>
+          </a:effectRef>
+          <a:fontRef idx="minor">
+            <a:schemeClr val="lt1"/>
+          </a:fontRef>
+        </p:style>
+        <p:txBody>
+          <a:bodyPr rtlCol="0" anchor="ctr"/>
+          <a:lstStyle/>
+          <a:p>
+            <a:pPr algn="ctr"/>
+            <a:endParaRPr lang="en-US"/>
+          </a:p>
+        </p:txBody>
+      </p:sp>
+      <p:sp>
+        <p:nvSpPr>
+          <p:cNvPr id="15" name="Rectangle 14"/>
+          <p:cNvSpPr/>
+          <p:nvPr/>
+        </p:nvSpPr>
+        <p:spPr>
+          <a:xfrm>
+            <a:off x="1673352" y="3107997"/>
+            <a:ext cx="813816" cy="411480"/>
+          </a:xfrm>
+          <a:prstGeom prst="rect">
+            <a:avLst/>
+          </a:prstGeom>
+          <a:noFill/>
+          <a:ln>
+            <a:solidFill>
+              <a:srgbClr val="FFC000"/>
+            </a:solidFill>
+          </a:ln>
+        </p:spPr>
+        <p:style>
+          <a:lnRef idx="2">
+            <a:schemeClr val="accent1">
+              <a:shade val="50000"/>
+            </a:schemeClr>
+          </a:lnRef>
+          <a:fillRef idx="1">
+            <a:schemeClr val="accent1"/>
+          </a:fillRef>
+          <a:effectRef idx="0">
+            <a:schemeClr val="accent1"/>
+          </a:effectRef>
+          <a:fontRef idx="minor">
+            <a:schemeClr val="lt1"/>
+          </a:fontRef>
+        </p:style>
+        <p:txBody>
+          <a:bodyPr rtlCol="0" anchor="ctr"/>
+          <a:lstStyle/>
+          <a:p>
+            <a:pPr algn="ctr"/>
+            <a:endParaRPr lang="en-US"/>
+          </a:p>
+        </p:txBody>
+      </p:sp>
+      <p:sp>
+        <p:nvSpPr>
+          <p:cNvPr id="20" name="Rectangle 19"/>
+          <p:cNvSpPr/>
+          <p:nvPr/>
+        </p:nvSpPr>
+        <p:spPr>
+          <a:xfrm>
+            <a:off x="6574536" y="1879180"/>
+            <a:ext cx="710184" cy="411480"/>
+          </a:xfrm>
+          <a:prstGeom prst="rect">
+            <a:avLst/>
+          </a:prstGeom>
+          <a:noFill/>
+          <a:ln>
+            <a:solidFill>
+              <a:srgbClr val="FFC000"/>
+            </a:solidFill>
+          </a:ln>
+        </p:spPr>
+        <p:style>
+          <a:lnRef idx="2">
+            <a:schemeClr val="accent1">
+              <a:shade val="50000"/>
+            </a:schemeClr>
+          </a:lnRef>
+          <a:fillRef idx="1">
+            <a:schemeClr val="accent1"/>
+          </a:fillRef>
+          <a:effectRef idx="0">
+            <a:schemeClr val="accent1"/>
+          </a:effectRef>
+          <a:fontRef idx="minor">
+            <a:schemeClr val="lt1"/>
+          </a:fontRef>
+        </p:style>
+        <p:txBody>
+          <a:bodyPr rtlCol="0" anchor="ctr"/>
+          <a:lstStyle/>
+          <a:p>
+            <a:pPr algn="ctr"/>
+            <a:endParaRPr lang="en-US"/>
+          </a:p>
+        </p:txBody>
+      </p:sp>
+    </p:spTree>
+    <p:extLst>
+      <p:ext uri="{BB962C8B-B14F-4D97-AF65-F5344CB8AC3E}">
+        <p14:creationId xmlns:p14="http://schemas.microsoft.com/office/powerpoint/2010/main" val="3172141890"/>
+      </p:ext>
+    </p:extLst>
+  </p:cSld>
+  <p:clrMapOvr>
+    <a:masterClrMapping/>
+  </p:clrMapOvr>
+  <p:timing>
+    <p:tnLst>
+      <p:par>
+        <p:cTn xmlns:p14="http://schemas.microsoft.com/office/powerpoint/2010/main" id="1" dur="indefinite" restart="never" nodeType="tmRoot"/>
+      </p:par>
+    </p:tnLst>
+  </p:timing>
+</p:sld>
+</file>
+
+<file path=ppt/slides/slide12.xml><?xml version="1.0" encoding="utf-8"?>
+<p:sld xmlns:a="http://schemas.openxmlformats.org/drawingml/2006/main" xmlns:r="http://schemas.openxmlformats.org/officeDocument/2006/relationships" xmlns:p="http://schemas.openxmlformats.org/presentationml/2006/main">
+  <p:cSld>
+    <p:spTree>
+      <p:nvGrpSpPr>
+        <p:cNvPr id="1" name=""/>
+        <p:cNvGrpSpPr/>
+        <p:nvPr/>
+      </p:nvGrpSpPr>
+      <p:grpSpPr>
+        <a:xfrm>
+          <a:off x="0" y="0"/>
+          <a:ext cx="0" cy="0"/>
+          <a:chOff x="0" y="0"/>
+          <a:chExt cx="0" cy="0"/>
+        </a:xfrm>
+      </p:grpSpPr>
+      <p:sp>
+        <p:nvSpPr>
+          <p:cNvPr id="2" name="Title 1"/>
+          <p:cNvSpPr>
+            <a:spLocks noGrp="1"/>
+          </p:cNvSpPr>
+          <p:nvPr>
+            <p:ph type="title"/>
+          </p:nvPr>
+        </p:nvSpPr>
+        <p:spPr/>
+        <p:txBody>
+          <a:bodyPr/>
+          <a:lstStyle/>
+          <a:p>
+            <a:r>
+              <a:rPr lang="en-US" dirty="0" smtClean="0"/>
+              <a:t>Recommended Reading</a:t>
+            </a:r>
             <a:endParaRPr lang="en-US" dirty="0"/>
           </a:p>
-          <a:p>
-            <a:pPr algn="ctr"/>
-            <a:r>
-              <a:rPr lang="en-US" dirty="0" smtClean="0"/>
-              <a:t>Please leave this area blank to allow for picture in picture recording</a:t>
-            </a:r>
-          </a:p>
-          <a:p>
-            <a:pPr algn="ctr"/>
-            <a:endParaRPr lang="en-US" dirty="0"/>
+        </p:txBody>
+      </p:sp>
+      <p:sp>
+        <p:nvSpPr>
+          <p:cNvPr id="3" name="Content Placeholder 2"/>
+          <p:cNvSpPr>
+            <a:spLocks noGrp="1"/>
+          </p:cNvSpPr>
+          <p:nvPr>
+            <p:ph sz="quarter" idx="10"/>
+          </p:nvPr>
+        </p:nvSpPr>
+        <p:spPr/>
+        <p:txBody>
+          <a:bodyPr/>
+          <a:lstStyle/>
+          <a:p>
+            <a:r>
+              <a:rPr lang="en-US" dirty="0"/>
+              <a:t>https://azure.microsoft.com/en-us/documentation/articles/fundamentals-introduction-to-azure/</a:t>
+            </a:r>
           </a:p>
         </p:txBody>
       </p:sp>
@@ -3860,14 +5245,14 @@
   <p:timing>
     <p:tnLst>
       <p:par>
-        <p:cTn id="1" dur="indefinite" restart="never" nodeType="tmRoot"/>
+        <p:cTn xmlns:p14="http://schemas.microsoft.com/office/powerpoint/2010/main" id="1" dur="indefinite" restart="never" nodeType="tmRoot"/>
       </p:par>
     </p:tnLst>
   </p:timing>
 </p:sld>
 </file>
 
-<file path=ppt/slides/slide11.xml><?xml version="1.0" encoding="utf-8"?>
+<file path=ppt/slides/slide13.xml><?xml version="1.0" encoding="utf-8"?>
 <p:sld xmlns:a="http://schemas.openxmlformats.org/drawingml/2006/main" xmlns:r="http://schemas.openxmlformats.org/officeDocument/2006/relationships" xmlns:p="http://schemas.openxmlformats.org/presentationml/2006/main">
   <p:cSld>
     <p:spTree>
@@ -3973,7 +5358,6 @@
               <a:rPr lang="en-US" dirty="0" smtClean="0"/>
               <a:t>Background in healthcare, telecom, transportation ++</a:t>
             </a:r>
-            <a:endParaRPr lang="en-US" dirty="0" smtClean="0"/>
           </a:p>
           <a:p>
             <a:pPr lvl="1"/>
@@ -3981,7 +5365,6 @@
               <a:rPr lang="en-US" dirty="0" smtClean="0"/>
               <a:t>Currently focusing on building things that scale</a:t>
             </a:r>
-            <a:endParaRPr lang="en-US" dirty="0" smtClean="0"/>
           </a:p>
           <a:p>
             <a:r>
@@ -4011,7 +5394,6 @@
               <a:rPr lang="en-US" dirty="0" smtClean="0"/>
               <a:t>Frequent contributor to user groups, brown bags and conferences</a:t>
             </a:r>
-            <a:endParaRPr lang="en-US" dirty="0" smtClean="0"/>
           </a:p>
           <a:p>
             <a:pPr lvl="1"/>
@@ -4078,7 +5460,7 @@
   <p:timing>
     <p:tnLst>
       <p:par>
-        <p:cTn id="1" dur="indefinite" restart="never" nodeType="tmRoot"/>
+        <p:cTn xmlns:p14="http://schemas.microsoft.com/office/powerpoint/2010/main" id="1" dur="indefinite" restart="never" nodeType="tmRoot"/>
       </p:par>
     </p:tnLst>
   </p:timing>
@@ -4206,19 +5588,19 @@
             <a:pPr lvl="1"/>
             <a:r>
               <a:rPr lang="en-US" dirty="0" smtClean="0"/>
-              <a:t>2</a:t>
-            </a:r>
-            <a:r>
-              <a:rPr lang="en-US" baseline="30000" dirty="0" smtClean="0"/>
-              <a:t>nd</a:t>
+              <a:t>Two</a:t>
             </a:r>
             <a:r>
               <a:rPr lang="en-US" dirty="0" smtClean="0"/>
-              <a:t> time </a:t>
-            </a:r>
-            <a:r>
-              <a:rPr lang="en-US" smtClean="0"/>
-              <a:t>MVP in ASP.net</a:t>
+              <a:t> </a:t>
+            </a:r>
+            <a:r>
+              <a:rPr lang="en-US" dirty="0" smtClean="0"/>
+              <a:t>time MVP in </a:t>
+            </a:r>
+            <a:r>
+              <a:rPr lang="en-US" dirty="0" err="1" smtClean="0"/>
+              <a:t>ASP.net</a:t>
             </a:r>
             <a:endParaRPr lang="en-US" dirty="0"/>
           </a:p>
@@ -4279,7 +5661,7 @@
   <p:timing>
     <p:tnLst>
       <p:par>
-        <p:cTn id="1" dur="indefinite" restart="never" nodeType="tmRoot"/>
+        <p:cTn xmlns:p14="http://schemas.microsoft.com/office/powerpoint/2010/main" id="1" dur="indefinite" restart="never" nodeType="tmRoot"/>
       </p:par>
     </p:tnLst>
   </p:timing>
@@ -4305,6 +5687,74 @@
       </p:grpSpPr>
       <p:sp>
         <p:nvSpPr>
+          <p:cNvPr id="5" name="Text Placeholder 4"/>
+          <p:cNvSpPr>
+            <a:spLocks noGrp="1"/>
+          </p:cNvSpPr>
+          <p:nvPr>
+            <p:ph type="body" sz="quarter" idx="10"/>
+          </p:nvPr>
+        </p:nvSpPr>
+        <p:spPr>
+          <a:solidFill>
+            <a:srgbClr val="007233"/>
+          </a:solidFill>
+          <a:ln>
+            <a:noFill/>
+          </a:ln>
+        </p:spPr>
+        <p:txBody>
+          <a:bodyPr/>
+          <a:lstStyle/>
+          <a:p>
+            <a:pPr marL="914400" indent="-914400"/>
+            <a:r>
+              <a:rPr lang="en-US" dirty="0" smtClean="0"/>
+              <a:t>Topics</a:t>
+            </a:r>
+            <a:endParaRPr lang="en-US" dirty="0"/>
+          </a:p>
+        </p:txBody>
+      </p:sp>
+    </p:spTree>
+    <p:extLst>
+      <p:ext uri="{BB962C8B-B14F-4D97-AF65-F5344CB8AC3E}">
+        <p14:creationId xmlns:p14="http://schemas.microsoft.com/office/powerpoint/2010/main" val="2608947210"/>
+      </p:ext>
+    </p:extLst>
+  </p:cSld>
+  <p:clrMapOvr>
+    <a:masterClrMapping/>
+  </p:clrMapOvr>
+  <p:timing>
+    <p:tnLst>
+      <p:par>
+        <p:cTn xmlns:p14="http://schemas.microsoft.com/office/powerpoint/2010/main" id="1" dur="indefinite" restart="never" nodeType="tmRoot"/>
+      </p:par>
+    </p:tnLst>
+  </p:timing>
+</p:sld>
+</file>
+
+<file path=ppt/slides/slide5.xml><?xml version="1.0" encoding="utf-8"?>
+<p:sld xmlns:a="http://schemas.openxmlformats.org/drawingml/2006/main" xmlns:r="http://schemas.openxmlformats.org/officeDocument/2006/relationships" xmlns:p="http://schemas.openxmlformats.org/presentationml/2006/main">
+  <p:cSld>
+    <p:spTree>
+      <p:nvGrpSpPr>
+        <p:cNvPr id="1" name=""/>
+        <p:cNvGrpSpPr/>
+        <p:nvPr/>
+      </p:nvGrpSpPr>
+      <p:grpSpPr>
+        <a:xfrm>
+          <a:off x="0" y="0"/>
+          <a:ext cx="0" cy="0"/>
+          <a:chOff x="0" y="0"/>
+          <a:chExt cx="0" cy="0"/>
+        </a:xfrm>
+      </p:grpSpPr>
+      <p:sp>
+        <p:nvSpPr>
           <p:cNvPr id="2" name="Title 1"/>
           <p:cNvSpPr>
             <a:spLocks noGrp="1"/>
@@ -4346,7 +5796,7 @@
         </p:nvGraphicFramePr>
         <p:xfrm>
           <a:off x="379413" y="1417636"/>
-          <a:ext cx="11525250" cy="3838160"/>
+          <a:ext cx="11525250" cy="4259248"/>
         </p:xfrm>
         <a:graphic>
           <a:graphicData uri="http://schemas.openxmlformats.org/drawingml/2006/table">
@@ -4358,14 +5808,14 @@
                 <a:gridCol w="5762625">
                   <a:extLst>
                     <a:ext uri="{9D8B030D-6E8A-4147-A177-3AD203B41FA5}">
-                      <a16:colId xmlns="" xmlns:a16="http://schemas.microsoft.com/office/drawing/2014/main" val="1632794655"/>
+                      <a16:colId xmlns:a16="http://schemas.microsoft.com/office/drawing/2014/main" xmlns="" val="1632794655"/>
                     </a:ext>
                   </a:extLst>
                 </a:gridCol>
                 <a:gridCol w="5762625">
                   <a:extLst>
                     <a:ext uri="{9D8B030D-6E8A-4147-A177-3AD203B41FA5}">
-                      <a16:colId xmlns="" xmlns:a16="http://schemas.microsoft.com/office/drawing/2014/main" val="2011313899"/>
+                      <a16:colId xmlns:a16="http://schemas.microsoft.com/office/drawing/2014/main" xmlns="" val="2011313899"/>
                     </a:ext>
                   </a:extLst>
                 </a:gridCol>
@@ -4403,7 +5853,7 @@
                 </a:tc>
                 <a:extLst>
                   <a:ext uri="{0D108BD9-81ED-4DB2-BD59-A6C34878D82A}">
-                    <a16:rowId xmlns="" xmlns:a16="http://schemas.microsoft.com/office/drawing/2014/main" val="1789177411"/>
+                    <a16:rowId xmlns:a16="http://schemas.microsoft.com/office/drawing/2014/main" xmlns="" val="1789177411"/>
                   </a:ext>
                 </a:extLst>
               </a:tr>
@@ -4450,7 +5900,7 @@
                 </a:tc>
                 <a:extLst>
                   <a:ext uri="{0D108BD9-81ED-4DB2-BD59-A6C34878D82A}">
-                    <a16:rowId xmlns="" xmlns:a16="http://schemas.microsoft.com/office/drawing/2014/main" val="3842815335"/>
+                    <a16:rowId xmlns:a16="http://schemas.microsoft.com/office/drawing/2014/main" xmlns="" val="3842815335"/>
                   </a:ext>
                 </a:extLst>
               </a:tr>
@@ -4525,7 +5975,7 @@
                 </a:tc>
                 <a:extLst>
                   <a:ext uri="{0D108BD9-81ED-4DB2-BD59-A6C34878D82A}">
-                    <a16:rowId xmlns="" xmlns:a16="http://schemas.microsoft.com/office/drawing/2014/main" val="321066646"/>
+                    <a16:rowId xmlns:a16="http://schemas.microsoft.com/office/drawing/2014/main" xmlns="" val="321066646"/>
                   </a:ext>
                 </a:extLst>
               </a:tr>
@@ -4596,7 +6046,7 @@
                 </a:tc>
                 <a:extLst>
                   <a:ext uri="{0D108BD9-81ED-4DB2-BD59-A6C34878D82A}">
-                    <a16:rowId xmlns="" xmlns:a16="http://schemas.microsoft.com/office/drawing/2014/main" val="3812060533"/>
+                    <a16:rowId xmlns:a16="http://schemas.microsoft.com/office/drawing/2014/main" xmlns="" val="3812060533"/>
                   </a:ext>
                 </a:extLst>
               </a:tr>
@@ -4643,7 +6093,7 @@
                 </a:tc>
                 <a:extLst>
                   <a:ext uri="{0D108BD9-81ED-4DB2-BD59-A6C34878D82A}">
-                    <a16:rowId xmlns="" xmlns:a16="http://schemas.microsoft.com/office/drawing/2014/main" val="733235577"/>
+                    <a16:rowId xmlns:a16="http://schemas.microsoft.com/office/drawing/2014/main" xmlns="" val="733235577"/>
                   </a:ext>
                 </a:extLst>
               </a:tr>
@@ -4672,185 +6122,7 @@
   <p:timing>
     <p:tnLst>
       <p:par>
-        <p:cTn id="1" dur="indefinite" restart="never" nodeType="tmRoot"/>
-      </p:par>
-    </p:tnLst>
-  </p:timing>
-</p:sld>
-</file>
-
-<file path=ppt/slides/slide5.xml><?xml version="1.0" encoding="utf-8"?>
-<p:sld xmlns:a="http://schemas.openxmlformats.org/drawingml/2006/main" xmlns:r="http://schemas.openxmlformats.org/officeDocument/2006/relationships" xmlns:p="http://schemas.openxmlformats.org/presentationml/2006/main">
-  <p:cSld>
-    <p:spTree>
-      <p:nvGrpSpPr>
-        <p:cNvPr id="1" name=""/>
-        <p:cNvGrpSpPr/>
-        <p:nvPr/>
-      </p:nvGrpSpPr>
-      <p:grpSpPr>
-        <a:xfrm>
-          <a:off x="0" y="0"/>
-          <a:ext cx="0" cy="0"/>
-          <a:chOff x="0" y="0"/>
-          <a:chExt cx="0" cy="0"/>
-        </a:xfrm>
-      </p:grpSpPr>
-      <p:sp>
-        <p:nvSpPr>
-          <p:cNvPr id="2" name="Title 1"/>
-          <p:cNvSpPr>
-            <a:spLocks noGrp="1"/>
-          </p:cNvSpPr>
-          <p:nvPr>
-            <p:ph type="title"/>
-          </p:nvPr>
-        </p:nvSpPr>
-        <p:spPr/>
-        <p:txBody>
-          <a:bodyPr/>
-          <a:lstStyle/>
-          <a:p>
-            <a:pPr lvl="0"/>
-            <a:r>
-              <a:rPr lang="en-US" smtClean="0"/>
-              <a:t>Setting Expectations</a:t>
-            </a:r>
-            <a:endParaRPr lang="en-US" dirty="0"/>
-          </a:p>
-        </p:txBody>
-      </p:sp>
-      <p:sp>
-        <p:nvSpPr>
-          <p:cNvPr id="3" name="Content Placeholder 2"/>
-          <p:cNvSpPr>
-            <a:spLocks noGrp="1"/>
-          </p:cNvSpPr>
-          <p:nvPr>
-            <p:ph sz="quarter" idx="10"/>
-          </p:nvPr>
-        </p:nvSpPr>
-        <p:spPr/>
-        <p:txBody>
-          <a:bodyPr/>
-          <a:lstStyle/>
-          <a:p>
-            <a:r>
-              <a:rPr lang="en-US" dirty="0" smtClean="0"/>
-              <a:t>Target Audience</a:t>
-            </a:r>
-          </a:p>
-          <a:p>
-            <a:pPr lvl="1"/>
-            <a:r>
-              <a:rPr lang="en-US" dirty="0" smtClean="0"/>
-              <a:t>People who know about computers</a:t>
-            </a:r>
-          </a:p>
-          <a:p>
-            <a:pPr lvl="1"/>
-            <a:r>
-              <a:rPr lang="en-US" dirty="0" smtClean="0"/>
-              <a:t>Developers. Could be </a:t>
-            </a:r>
-            <a:r>
-              <a:rPr lang="en-US" dirty="0" err="1" smtClean="0"/>
-              <a:t>.net</a:t>
-            </a:r>
-            <a:r>
-              <a:rPr lang="en-US" dirty="0" smtClean="0"/>
-              <a:t> but for most of this stuff it doesn’t matter</a:t>
-            </a:r>
-          </a:p>
-          <a:p>
-            <a:r>
-              <a:rPr lang="en-US" dirty="0" smtClean="0"/>
-              <a:t>Suggested Prerequisites/Supporting Material</a:t>
-            </a:r>
-          </a:p>
-          <a:p>
-            <a:pPr lvl="1"/>
-            <a:r>
-              <a:rPr lang="en-US" dirty="0" smtClean="0"/>
-              <a:t>Rudimentary knowledge of Azure</a:t>
-            </a:r>
-            <a:endParaRPr lang="en-US" dirty="0"/>
-          </a:p>
-          <a:p>
-            <a:pPr lvl="1"/>
-            <a:r>
-              <a:rPr lang="en-US" dirty="0" smtClean="0"/>
-              <a:t>Some understanding of distributed systems</a:t>
-            </a:r>
-            <a:endParaRPr lang="en-US" dirty="0"/>
-          </a:p>
-          <a:p>
-            <a:pPr lvl="1"/>
-            <a:endParaRPr lang="en-US" dirty="0" smtClean="0"/>
-          </a:p>
-        </p:txBody>
-      </p:sp>
-      <p:sp>
-        <p:nvSpPr>
-          <p:cNvPr id="5" name="TextBox 4"/>
-          <p:cNvSpPr txBox="1"/>
-          <p:nvPr/>
-        </p:nvSpPr>
-        <p:spPr>
-          <a:xfrm>
-            <a:off x="9906000" y="-1"/>
-            <a:ext cx="2286000" cy="2031325"/>
-          </a:xfrm>
-          <a:prstGeom prst="rect">
-            <a:avLst/>
-          </a:prstGeom>
-          <a:solidFill>
-            <a:srgbClr val="FFFF00"/>
-          </a:solidFill>
-          <a:ln>
-            <a:noFill/>
-          </a:ln>
-        </p:spPr>
-        <p:txBody>
-          <a:bodyPr wrap="square" rtlCol="0">
-            <a:spAutoFit/>
-          </a:bodyPr>
-          <a:lstStyle/>
-          <a:p>
-            <a:pPr algn="ctr"/>
-            <a:endParaRPr lang="en-US" dirty="0" smtClean="0"/>
-          </a:p>
-          <a:p>
-            <a:pPr algn="ctr"/>
-            <a:endParaRPr lang="en-US" dirty="0"/>
-          </a:p>
-          <a:p>
-            <a:pPr algn="ctr"/>
-            <a:r>
-              <a:rPr lang="en-US" dirty="0" smtClean="0"/>
-              <a:t>Please leave this area blank to allow for picture in picture recording</a:t>
-            </a:r>
-          </a:p>
-          <a:p>
-            <a:pPr algn="ctr"/>
-            <a:endParaRPr lang="en-US" dirty="0"/>
-          </a:p>
-        </p:txBody>
-      </p:sp>
-    </p:spTree>
-    <p:extLst>
-      <p:ext uri="{BB962C8B-B14F-4D97-AF65-F5344CB8AC3E}">
-        <p14:creationId xmlns:p14="http://schemas.microsoft.com/office/powerpoint/2010/main" val="1967407312"/>
-      </p:ext>
-    </p:extLst>
-  </p:cSld>
-  <p:clrMapOvr>
-    <a:masterClrMapping/>
-  </p:clrMapOvr>
-  <p:timing>
-    <p:tnLst>
-      <p:par>
-        <p:cTn id="1" dur="indefinite" restart="never" nodeType="tmRoot"/>
+        <p:cTn xmlns:p14="http://schemas.microsoft.com/office/powerpoint/2010/main" id="1" dur="indefinite" restart="never" nodeType="tmRoot"/>
       </p:par>
     </p:tnLst>
   </p:timing>
@@ -4891,56 +6163,212 @@
           <a:p>
             <a:pPr lvl="0"/>
             <a:r>
+              <a:rPr lang="en-US" smtClean="0"/>
+              <a:t>Setting Expectations</a:t>
+            </a:r>
+            <a:endParaRPr lang="en-US" dirty="0"/>
+          </a:p>
+        </p:txBody>
+      </p:sp>
+      <p:sp>
+        <p:nvSpPr>
+          <p:cNvPr id="3" name="Content Placeholder 2"/>
+          <p:cNvSpPr>
+            <a:spLocks noGrp="1"/>
+          </p:cNvSpPr>
+          <p:nvPr>
+            <p:ph sz="quarter" idx="10"/>
+          </p:nvPr>
+        </p:nvSpPr>
+        <p:spPr/>
+        <p:txBody>
+          <a:bodyPr/>
+          <a:lstStyle/>
+          <a:p>
+            <a:r>
               <a:rPr lang="en-US" dirty="0" smtClean="0"/>
-              <a:t>Regions</a:t>
+              <a:t>Target Audience</a:t>
+            </a:r>
+          </a:p>
+          <a:p>
+            <a:pPr lvl="1"/>
+            <a:r>
+              <a:rPr lang="en-US" dirty="0" smtClean="0"/>
+              <a:t>People who know about computers</a:t>
+            </a:r>
+          </a:p>
+          <a:p>
+            <a:pPr lvl="1"/>
+            <a:r>
+              <a:rPr lang="en-US" dirty="0" smtClean="0"/>
+              <a:t>Developers. Could be </a:t>
+            </a:r>
+            <a:r>
+              <a:rPr lang="en-US" dirty="0" err="1" smtClean="0"/>
+              <a:t>.net</a:t>
+            </a:r>
+            <a:r>
+              <a:rPr lang="en-US" dirty="0" smtClean="0"/>
+              <a:t> but for most of this stuff it doesn’t matter</a:t>
+            </a:r>
+          </a:p>
+          <a:p>
+            <a:r>
+              <a:rPr lang="en-US" dirty="0" smtClean="0"/>
+              <a:t>Suggested Prerequisites/Supporting Material</a:t>
+            </a:r>
+          </a:p>
+          <a:p>
+            <a:pPr lvl="1"/>
+            <a:r>
+              <a:rPr lang="en-US" dirty="0" smtClean="0"/>
+              <a:t>Rudimentary knowledge of Azure</a:t>
             </a:r>
             <a:endParaRPr lang="en-US" dirty="0"/>
           </a:p>
-        </p:txBody>
-      </p:sp>
-      <p:sp>
-        <p:nvSpPr>
-          <p:cNvPr id="5" name="TextBox 4"/>
-          <p:cNvSpPr txBox="1"/>
-          <p:nvPr/>
+          <a:p>
+            <a:pPr lvl="1"/>
+            <a:r>
+              <a:rPr lang="en-US" dirty="0" smtClean="0"/>
+              <a:t>Some understanding of distributed systems</a:t>
+            </a:r>
+            <a:endParaRPr lang="en-US" dirty="0"/>
+          </a:p>
+          <a:p>
+            <a:pPr lvl="1"/>
+            <a:endParaRPr lang="en-US" dirty="0" smtClean="0"/>
+          </a:p>
+        </p:txBody>
+      </p:sp>
+    </p:spTree>
+    <p:extLst>
+      <p:ext uri="{BB962C8B-B14F-4D97-AF65-F5344CB8AC3E}">
+        <p14:creationId xmlns:p14="http://schemas.microsoft.com/office/powerpoint/2010/main" val="1967407312"/>
+      </p:ext>
+    </p:extLst>
+  </p:cSld>
+  <p:clrMapOvr>
+    <a:masterClrMapping/>
+  </p:clrMapOvr>
+  <p:timing>
+    <p:tnLst>
+      <p:par>
+        <p:cTn xmlns:p14="http://schemas.microsoft.com/office/powerpoint/2010/main" id="1" dur="indefinite" restart="never" nodeType="tmRoot"/>
+      </p:par>
+    </p:tnLst>
+  </p:timing>
+</p:sld>
+</file>
+
+<file path=ppt/slides/slide7.xml><?xml version="1.0" encoding="utf-8"?>
+<p:sld xmlns:a="http://schemas.openxmlformats.org/drawingml/2006/main" xmlns:r="http://schemas.openxmlformats.org/officeDocument/2006/relationships" xmlns:p="http://schemas.openxmlformats.org/presentationml/2006/main">
+  <p:cSld>
+    <p:spTree>
+      <p:nvGrpSpPr>
+        <p:cNvPr id="1" name=""/>
+        <p:cNvGrpSpPr/>
+        <p:nvPr/>
+      </p:nvGrpSpPr>
+      <p:grpSpPr>
+        <a:xfrm>
+          <a:off x="0" y="0"/>
+          <a:ext cx="0" cy="0"/>
+          <a:chOff x="0" y="0"/>
+          <a:chExt cx="0" cy="0"/>
+        </a:xfrm>
+      </p:grpSpPr>
+      <p:sp>
+        <p:nvSpPr>
+          <p:cNvPr id="5" name="Text Placeholder 4"/>
+          <p:cNvSpPr>
+            <a:spLocks noGrp="1"/>
+          </p:cNvSpPr>
+          <p:nvPr>
+            <p:ph type="body" sz="quarter" idx="10"/>
+          </p:nvPr>
         </p:nvSpPr>
         <p:spPr>
           <a:xfrm>
-            <a:off x="9906000" y="-1"/>
-            <a:ext cx="2286000" cy="2031325"/>
+            <a:off x="334911" y="3466407"/>
+            <a:ext cx="8215796" cy="1485524"/>
           </a:xfrm>
-          <a:prstGeom prst="rect">
-            <a:avLst/>
-          </a:prstGeom>
           <a:solidFill>
-            <a:srgbClr val="FFFF00"/>
+            <a:srgbClr val="007233"/>
           </a:solidFill>
           <a:ln>
             <a:noFill/>
           </a:ln>
         </p:spPr>
         <p:txBody>
-          <a:bodyPr wrap="square" rtlCol="0">
-            <a:spAutoFit/>
-          </a:bodyPr>
+          <a:bodyPr/>
           <a:lstStyle/>
           <a:p>
-            <a:pPr algn="ctr"/>
-            <a:endParaRPr lang="en-US" dirty="0" smtClean="0"/>
-          </a:p>
-          <a:p>
-            <a:pPr algn="ctr"/>
+            <a:pPr marL="914400" indent="-914400"/>
+            <a:r>
+              <a:rPr lang="en-US" dirty="0" smtClean="0"/>
+              <a:t>Azure</a:t>
+            </a:r>
             <a:endParaRPr lang="en-US" dirty="0"/>
           </a:p>
-          <a:p>
-            <a:pPr algn="ctr"/>
+        </p:txBody>
+      </p:sp>
+    </p:spTree>
+    <p:extLst>
+      <p:ext uri="{BB962C8B-B14F-4D97-AF65-F5344CB8AC3E}">
+        <p14:creationId xmlns:p14="http://schemas.microsoft.com/office/powerpoint/2010/main" val="2608947210"/>
+      </p:ext>
+    </p:extLst>
+  </p:cSld>
+  <p:clrMapOvr>
+    <a:masterClrMapping/>
+  </p:clrMapOvr>
+  <p:timing>
+    <p:tnLst>
+      <p:par>
+        <p:cTn xmlns:p14="http://schemas.microsoft.com/office/powerpoint/2010/main" id="1" dur="indefinite" restart="never" nodeType="tmRoot"/>
+      </p:par>
+    </p:tnLst>
+  </p:timing>
+</p:sld>
+</file>
+
+<file path=ppt/slides/slide8.xml><?xml version="1.0" encoding="utf-8"?>
+<p:sld xmlns:a="http://schemas.openxmlformats.org/drawingml/2006/main" xmlns:r="http://schemas.openxmlformats.org/officeDocument/2006/relationships" xmlns:p="http://schemas.openxmlformats.org/presentationml/2006/main">
+  <p:cSld>
+    <p:spTree>
+      <p:nvGrpSpPr>
+        <p:cNvPr id="1" name=""/>
+        <p:cNvGrpSpPr/>
+        <p:nvPr/>
+      </p:nvGrpSpPr>
+      <p:grpSpPr>
+        <a:xfrm>
+          <a:off x="0" y="0"/>
+          <a:ext cx="0" cy="0"/>
+          <a:chOff x="0" y="0"/>
+          <a:chExt cx="0" cy="0"/>
+        </a:xfrm>
+      </p:grpSpPr>
+      <p:sp>
+        <p:nvSpPr>
+          <p:cNvPr id="2" name="Title 1"/>
+          <p:cNvSpPr>
+            <a:spLocks noGrp="1"/>
+          </p:cNvSpPr>
+          <p:nvPr>
+            <p:ph type="title"/>
+          </p:nvPr>
+        </p:nvSpPr>
+        <p:spPr/>
+        <p:txBody>
+          <a:bodyPr/>
+          <a:lstStyle/>
+          <a:p>
+            <a:pPr lvl="0"/>
             <a:r>
               <a:rPr lang="en-US" dirty="0" smtClean="0"/>
-              <a:t>Please leave this area blank to allow for picture in picture recording</a:t>
-            </a:r>
-          </a:p>
-          <a:p>
-            <a:pPr algn="ctr"/>
+              <a:t>Regions</a:t>
+            </a:r>
             <a:endParaRPr lang="en-US" dirty="0"/>
           </a:p>
         </p:txBody>
@@ -4978,7 +6406,7 @@
           </a:prstGeom>
           <a:noFill/>
           <a:extLst>
-            <a:ext uri="{909E8E84-426E-40DD-AFC4-6F175D3DCCD1}">
+            <a:ext uri="{909E8E84-426E-40dd-AFC4-6F175D3DCCD1}">
               <a14:hiddenFill xmlns:a14="http://schemas.microsoft.com/office/drawing/2010/main">
                 <a:solidFill>
                   <a:srgbClr val="FFFFFF"/>
@@ -5001,270 +6429,7 @@
   <p:timing>
     <p:tnLst>
       <p:par>
-        <p:cTn id="1" dur="indefinite" restart="never" nodeType="tmRoot"/>
-      </p:par>
-    </p:tnLst>
-  </p:timing>
-</p:sld>
-</file>
-
-<file path=ppt/slides/slide7.xml><?xml version="1.0" encoding="utf-8"?>
-<p:sld xmlns:a="http://schemas.openxmlformats.org/drawingml/2006/main" xmlns:r="http://schemas.openxmlformats.org/officeDocument/2006/relationships" xmlns:p="http://schemas.openxmlformats.org/presentationml/2006/main">
-  <p:cSld>
-    <p:spTree>
-      <p:nvGrpSpPr>
-        <p:cNvPr id="1" name=""/>
-        <p:cNvGrpSpPr/>
-        <p:nvPr/>
-      </p:nvGrpSpPr>
-      <p:grpSpPr>
-        <a:xfrm>
-          <a:off x="0" y="0"/>
-          <a:ext cx="0" cy="0"/>
-          <a:chOff x="0" y="0"/>
-          <a:chExt cx="0" cy="0"/>
-        </a:xfrm>
-      </p:grpSpPr>
-      <p:sp>
-        <p:nvSpPr>
-          <p:cNvPr id="2" name="Title 1"/>
-          <p:cNvSpPr>
-            <a:spLocks noGrp="1"/>
-          </p:cNvSpPr>
-          <p:nvPr>
-            <p:ph type="title"/>
-          </p:nvPr>
-        </p:nvSpPr>
-        <p:spPr/>
-        <p:txBody>
-          <a:bodyPr/>
-          <a:lstStyle/>
-          <a:p>
-            <a:r>
-              <a:rPr lang="en-US" dirty="0" smtClean="0"/>
-              <a:t>PaaS, SaaS, IaaS, </a:t>
-            </a:r>
-            <a:endParaRPr lang="en-US" dirty="0"/>
-          </a:p>
-        </p:txBody>
-      </p:sp>
-      <p:sp>
-        <p:nvSpPr>
-          <p:cNvPr id="3" name="Content Placeholder 2"/>
-          <p:cNvSpPr>
-            <a:spLocks noGrp="1"/>
-          </p:cNvSpPr>
-          <p:nvPr>
-            <p:ph sz="quarter" idx="10"/>
-          </p:nvPr>
-        </p:nvSpPr>
-        <p:spPr/>
-        <p:txBody>
-          <a:bodyPr/>
-          <a:lstStyle/>
-          <a:p>
-            <a:endParaRPr lang="en-US"/>
-          </a:p>
-        </p:txBody>
-      </p:sp>
-      <p:sp>
-        <p:nvSpPr>
-          <p:cNvPr id="4" name="TextBox 3"/>
-          <p:cNvSpPr txBox="1"/>
-          <p:nvPr/>
-        </p:nvSpPr>
-        <p:spPr>
-          <a:xfrm>
-            <a:off x="9906000" y="-1"/>
-            <a:ext cx="2286000" cy="2031325"/>
-          </a:xfrm>
-          <a:prstGeom prst="rect">
-            <a:avLst/>
-          </a:prstGeom>
-          <a:solidFill>
-            <a:srgbClr val="FFFF00"/>
-          </a:solidFill>
-          <a:ln>
-            <a:noFill/>
-          </a:ln>
-        </p:spPr>
-        <p:txBody>
-          <a:bodyPr wrap="square" rtlCol="0">
-            <a:spAutoFit/>
-          </a:bodyPr>
-          <a:lstStyle/>
-          <a:p>
-            <a:pPr algn="ctr"/>
-            <a:endParaRPr lang="en-US" dirty="0" smtClean="0"/>
-          </a:p>
-          <a:p>
-            <a:pPr algn="ctr"/>
-            <a:endParaRPr lang="en-US" dirty="0"/>
-          </a:p>
-          <a:p>
-            <a:pPr algn="ctr"/>
-            <a:r>
-              <a:rPr lang="en-US" dirty="0" smtClean="0"/>
-              <a:t>Please leave this area blank to allow for picture in picture recording</a:t>
-            </a:r>
-          </a:p>
-          <a:p>
-            <a:pPr algn="ctr"/>
-            <a:endParaRPr lang="en-US" dirty="0"/>
-          </a:p>
-        </p:txBody>
-      </p:sp>
-    </p:spTree>
-    <p:extLst>
-      <p:ext uri="{BB962C8B-B14F-4D97-AF65-F5344CB8AC3E}">
-        <p14:creationId xmlns:p14="http://schemas.microsoft.com/office/powerpoint/2010/main" val="618824778"/>
-      </p:ext>
-    </p:extLst>
-  </p:cSld>
-  <p:clrMapOvr>
-    <a:masterClrMapping/>
-  </p:clrMapOvr>
-  <p:timing>
-    <p:tnLst>
-      <p:par>
-        <p:cTn id="1" dur="indefinite" restart="never" nodeType="tmRoot"/>
-      </p:par>
-    </p:tnLst>
-  </p:timing>
-</p:sld>
-</file>
-
-<file path=ppt/slides/slide8.xml><?xml version="1.0" encoding="utf-8"?>
-<p:sld xmlns:a="http://schemas.openxmlformats.org/drawingml/2006/main" xmlns:r="http://schemas.openxmlformats.org/officeDocument/2006/relationships" xmlns:p="http://schemas.openxmlformats.org/presentationml/2006/main">
-  <p:cSld>
-    <p:spTree>
-      <p:nvGrpSpPr>
-        <p:cNvPr id="1" name=""/>
-        <p:cNvGrpSpPr/>
-        <p:nvPr/>
-      </p:nvGrpSpPr>
-      <p:grpSpPr>
-        <a:xfrm>
-          <a:off x="0" y="0"/>
-          <a:ext cx="0" cy="0"/>
-          <a:chOff x="0" y="0"/>
-          <a:chExt cx="0" cy="0"/>
-        </a:xfrm>
-      </p:grpSpPr>
-      <p:sp>
-        <p:nvSpPr>
-          <p:cNvPr id="2" name="Title 1"/>
-          <p:cNvSpPr>
-            <a:spLocks noGrp="1"/>
-          </p:cNvSpPr>
-          <p:nvPr>
-            <p:ph type="title"/>
-          </p:nvPr>
-        </p:nvSpPr>
-        <p:spPr/>
-        <p:txBody>
-          <a:bodyPr/>
-          <a:lstStyle/>
-          <a:p>
-            <a:pPr lvl="0"/>
-            <a:r>
-              <a:rPr lang="en-US" dirty="0" smtClean="0"/>
-              <a:t>Azure is All Things</a:t>
-            </a:r>
-            <a:endParaRPr lang="en-US" dirty="0"/>
-          </a:p>
-        </p:txBody>
-      </p:sp>
-      <p:sp>
-        <p:nvSpPr>
-          <p:cNvPr id="5" name="TextBox 4"/>
-          <p:cNvSpPr txBox="1"/>
-          <p:nvPr/>
-        </p:nvSpPr>
-        <p:spPr>
-          <a:xfrm>
-            <a:off x="9906000" y="-1"/>
-            <a:ext cx="2286000" cy="2031325"/>
-          </a:xfrm>
-          <a:prstGeom prst="rect">
-            <a:avLst/>
-          </a:prstGeom>
-          <a:solidFill>
-            <a:srgbClr val="FFFF00"/>
-          </a:solidFill>
-          <a:ln>
-            <a:noFill/>
-          </a:ln>
-        </p:spPr>
-        <p:txBody>
-          <a:bodyPr wrap="square" rtlCol="0">
-            <a:spAutoFit/>
-          </a:bodyPr>
-          <a:lstStyle/>
-          <a:p>
-            <a:pPr algn="ctr"/>
-            <a:endParaRPr lang="en-US" dirty="0" smtClean="0"/>
-          </a:p>
-          <a:p>
-            <a:pPr algn="ctr"/>
-            <a:endParaRPr lang="en-US" dirty="0"/>
-          </a:p>
-          <a:p>
-            <a:pPr algn="ctr"/>
-            <a:r>
-              <a:rPr lang="en-US" dirty="0" smtClean="0"/>
-              <a:t>Please leave this area blank to allow for picture in picture recording</a:t>
-            </a:r>
-          </a:p>
-          <a:p>
-            <a:pPr algn="ctr"/>
-            <a:endParaRPr lang="en-US" dirty="0"/>
-          </a:p>
-        </p:txBody>
-      </p:sp>
-      <p:pic>
-        <p:nvPicPr>
-          <p:cNvPr id="6" name="Content Placeholder 5"/>
-          <p:cNvPicPr>
-            <a:picLocks noGrp="1" noChangeAspect="1"/>
-          </p:cNvPicPr>
-          <p:nvPr>
-            <p:ph sz="quarter" idx="10"/>
-          </p:nvPr>
-        </p:nvPicPr>
-        <p:blipFill>
-          <a:blip r:embed="rId3" cstate="print">
-            <a:extLst>
-              <a:ext uri="{28A0092B-C50C-407E-A947-70E740481C1C}">
-                <a14:useLocalDpi xmlns:a14="http://schemas.microsoft.com/office/drawing/2010/main" val="0"/>
-              </a:ext>
-            </a:extLst>
-          </a:blip>
-          <a:stretch>
-            <a:fillRect/>
-          </a:stretch>
-        </p:blipFill>
-        <p:spPr>
-          <a:xfrm>
-            <a:off x="3551" y="1227173"/>
-            <a:ext cx="9902449" cy="5570989"/>
-          </a:xfrm>
-        </p:spPr>
-      </p:pic>
-    </p:spTree>
-    <p:extLst>
-      <p:ext uri="{BB962C8B-B14F-4D97-AF65-F5344CB8AC3E}">
-        <p14:creationId xmlns:p14="http://schemas.microsoft.com/office/powerpoint/2010/main" val="4255679284"/>
-      </p:ext>
-    </p:extLst>
-  </p:cSld>
-  <p:clrMapOvr>
-    <a:masterClrMapping/>
-  </p:clrMapOvr>
-  <p:timing>
-    <p:tnLst>
-      <p:par>
-        <p:cTn id="1" dur="indefinite" restart="never" nodeType="tmRoot"/>
+        <p:cTn xmlns:p14="http://schemas.microsoft.com/office/powerpoint/2010/main" id="1" dur="indefinite" restart="never" nodeType="tmRoot"/>
       </p:par>
     </p:tnLst>
   </p:timing>
@@ -5303,10 +6468,9 @@
           <a:bodyPr/>
           <a:lstStyle/>
           <a:p>
-            <a:pPr lvl="0"/>
             <a:r>
               <a:rPr lang="en-US" dirty="0" smtClean="0"/>
-              <a:t>Bits of Azure</a:t>
+              <a:t>PaaS, SaaS, IaaS, </a:t>
             </a:r>
             <a:endParaRPr lang="en-US" dirty="0"/>
           </a:p>
@@ -5314,491 +6478,19 @@
       </p:sp>
       <p:sp>
         <p:nvSpPr>
-          <p:cNvPr id="5" name="TextBox 4"/>
-          <p:cNvSpPr txBox="1"/>
-          <p:nvPr/>
-        </p:nvSpPr>
-        <p:spPr>
-          <a:xfrm>
-            <a:off x="9906000" y="-1"/>
-            <a:ext cx="2286000" cy="2031325"/>
-          </a:xfrm>
-          <a:prstGeom prst="rect">
-            <a:avLst/>
-          </a:prstGeom>
-          <a:solidFill>
-            <a:srgbClr val="FFFF00"/>
-          </a:solidFill>
-          <a:ln>
-            <a:noFill/>
-          </a:ln>
-        </p:spPr>
-        <p:txBody>
-          <a:bodyPr wrap="square" rtlCol="0">
-            <a:spAutoFit/>
-          </a:bodyPr>
+          <p:cNvPr id="3" name="Content Placeholder 2"/>
+          <p:cNvSpPr>
+            <a:spLocks noGrp="1"/>
+          </p:cNvSpPr>
+          <p:nvPr>
+            <p:ph sz="quarter" idx="10"/>
+          </p:nvPr>
+        </p:nvSpPr>
+        <p:spPr/>
+        <p:txBody>
+          <a:bodyPr/>
           <a:lstStyle/>
           <a:p>
-            <a:pPr algn="ctr"/>
-            <a:endParaRPr lang="en-US" dirty="0" smtClean="0"/>
-          </a:p>
-          <a:p>
-            <a:pPr algn="ctr"/>
-            <a:endParaRPr lang="en-US" dirty="0"/>
-          </a:p>
-          <a:p>
-            <a:pPr algn="ctr"/>
-            <a:r>
-              <a:rPr lang="en-US" dirty="0" smtClean="0"/>
-              <a:t>Please leave this area blank to allow for picture in picture recording</a:t>
-            </a:r>
-          </a:p>
-          <a:p>
-            <a:pPr algn="ctr"/>
-            <a:endParaRPr lang="en-US" dirty="0"/>
-          </a:p>
-        </p:txBody>
-      </p:sp>
-      <p:pic>
-        <p:nvPicPr>
-          <p:cNvPr id="6" name="Content Placeholder 5"/>
-          <p:cNvPicPr>
-            <a:picLocks noGrp="1" noChangeAspect="1"/>
-          </p:cNvPicPr>
-          <p:nvPr>
-            <p:ph sz="quarter" idx="10"/>
-          </p:nvPr>
-        </p:nvPicPr>
-        <p:blipFill>
-          <a:blip r:embed="rId3" cstate="print">
-            <a:extLst>
-              <a:ext uri="{28A0092B-C50C-407E-A947-70E740481C1C}">
-                <a14:useLocalDpi xmlns:a14="http://schemas.microsoft.com/office/drawing/2010/main" val="0"/>
-              </a:ext>
-            </a:extLst>
-          </a:blip>
-          <a:stretch>
-            <a:fillRect/>
-          </a:stretch>
-        </p:blipFill>
-        <p:spPr>
-          <a:xfrm>
-            <a:off x="3551" y="1227173"/>
-            <a:ext cx="9902449" cy="5570989"/>
-          </a:xfrm>
-        </p:spPr>
-      </p:pic>
-      <p:sp>
-        <p:nvSpPr>
-          <p:cNvPr id="8" name="Rectangle 7"/>
-          <p:cNvSpPr/>
-          <p:nvPr/>
-        </p:nvSpPr>
-        <p:spPr>
-          <a:xfrm>
-            <a:off x="1673352" y="2322576"/>
-            <a:ext cx="685800" cy="411480"/>
-          </a:xfrm>
-          <a:prstGeom prst="rect">
-            <a:avLst/>
-          </a:prstGeom>
-          <a:noFill/>
-          <a:ln>
-            <a:solidFill>
-              <a:srgbClr val="FFC000"/>
-            </a:solidFill>
-          </a:ln>
-        </p:spPr>
-        <p:style>
-          <a:lnRef idx="2">
-            <a:schemeClr val="accent1">
-              <a:shade val="50000"/>
-            </a:schemeClr>
-          </a:lnRef>
-          <a:fillRef idx="1">
-            <a:schemeClr val="accent1"/>
-          </a:fillRef>
-          <a:effectRef idx="0">
-            <a:schemeClr val="accent1"/>
-          </a:effectRef>
-          <a:fontRef idx="minor">
-            <a:schemeClr val="lt1"/>
-          </a:fontRef>
-        </p:style>
-        <p:txBody>
-          <a:bodyPr rtlCol="0" anchor="ctr"/>
-          <a:lstStyle/>
-          <a:p>
-            <a:pPr algn="ctr"/>
-            <a:endParaRPr lang="en-US"/>
-          </a:p>
-        </p:txBody>
-      </p:sp>
-      <p:sp>
-        <p:nvSpPr>
-          <p:cNvPr id="9" name="Rectangle 8"/>
-          <p:cNvSpPr/>
-          <p:nvPr/>
-        </p:nvSpPr>
-        <p:spPr>
-          <a:xfrm>
-            <a:off x="3517392" y="1879180"/>
-            <a:ext cx="749808" cy="411480"/>
-          </a:xfrm>
-          <a:prstGeom prst="rect">
-            <a:avLst/>
-          </a:prstGeom>
-          <a:noFill/>
-          <a:ln>
-            <a:solidFill>
-              <a:srgbClr val="FFC000"/>
-            </a:solidFill>
-          </a:ln>
-        </p:spPr>
-        <p:style>
-          <a:lnRef idx="2">
-            <a:schemeClr val="accent1">
-              <a:shade val="50000"/>
-            </a:schemeClr>
-          </a:lnRef>
-          <a:fillRef idx="1">
-            <a:schemeClr val="accent1"/>
-          </a:fillRef>
-          <a:effectRef idx="0">
-            <a:schemeClr val="accent1"/>
-          </a:effectRef>
-          <a:fontRef idx="minor">
-            <a:schemeClr val="lt1"/>
-          </a:fontRef>
-        </p:style>
-        <p:txBody>
-          <a:bodyPr rtlCol="0" anchor="ctr"/>
-          <a:lstStyle/>
-          <a:p>
-            <a:pPr algn="ctr"/>
-            <a:endParaRPr lang="en-US"/>
-          </a:p>
-        </p:txBody>
-      </p:sp>
-      <p:sp>
-        <p:nvSpPr>
-          <p:cNvPr id="10" name="Rectangle 9"/>
-          <p:cNvSpPr/>
-          <p:nvPr/>
-        </p:nvSpPr>
-        <p:spPr>
-          <a:xfrm>
-            <a:off x="7284720" y="4111752"/>
-            <a:ext cx="749808" cy="411480"/>
-          </a:xfrm>
-          <a:prstGeom prst="rect">
-            <a:avLst/>
-          </a:prstGeom>
-          <a:noFill/>
-          <a:ln>
-            <a:solidFill>
-              <a:srgbClr val="FFC000"/>
-            </a:solidFill>
-          </a:ln>
-        </p:spPr>
-        <p:style>
-          <a:lnRef idx="2">
-            <a:schemeClr val="accent1">
-              <a:shade val="50000"/>
-            </a:schemeClr>
-          </a:lnRef>
-          <a:fillRef idx="1">
-            <a:schemeClr val="accent1"/>
-          </a:fillRef>
-          <a:effectRef idx="0">
-            <a:schemeClr val="accent1"/>
-          </a:effectRef>
-          <a:fontRef idx="minor">
-            <a:schemeClr val="lt1"/>
-          </a:fontRef>
-        </p:style>
-        <p:txBody>
-          <a:bodyPr rtlCol="0" anchor="ctr"/>
-          <a:lstStyle/>
-          <a:p>
-            <a:pPr algn="ctr"/>
-            <a:endParaRPr lang="en-US"/>
-          </a:p>
-        </p:txBody>
-      </p:sp>
-      <p:sp>
-        <p:nvSpPr>
-          <p:cNvPr id="11" name="Rectangle 10"/>
-          <p:cNvSpPr/>
-          <p:nvPr/>
-        </p:nvSpPr>
-        <p:spPr>
-          <a:xfrm>
-            <a:off x="6108192" y="5154168"/>
-            <a:ext cx="585216" cy="411480"/>
-          </a:xfrm>
-          <a:prstGeom prst="rect">
-            <a:avLst/>
-          </a:prstGeom>
-          <a:noFill/>
-          <a:ln>
-            <a:solidFill>
-              <a:srgbClr val="FFC000"/>
-            </a:solidFill>
-          </a:ln>
-        </p:spPr>
-        <p:style>
-          <a:lnRef idx="2">
-            <a:schemeClr val="accent1">
-              <a:shade val="50000"/>
-            </a:schemeClr>
-          </a:lnRef>
-          <a:fillRef idx="1">
-            <a:schemeClr val="accent1"/>
-          </a:fillRef>
-          <a:effectRef idx="0">
-            <a:schemeClr val="accent1"/>
-          </a:effectRef>
-          <a:fontRef idx="minor">
-            <a:schemeClr val="lt1"/>
-          </a:fontRef>
-        </p:style>
-        <p:txBody>
-          <a:bodyPr rtlCol="0" anchor="ctr"/>
-          <a:lstStyle/>
-          <a:p>
-            <a:pPr algn="ctr"/>
-            <a:endParaRPr lang="en-US"/>
-          </a:p>
-        </p:txBody>
-      </p:sp>
-      <p:sp>
-        <p:nvSpPr>
-          <p:cNvPr id="12" name="Rectangle 11"/>
-          <p:cNvSpPr/>
-          <p:nvPr/>
-        </p:nvSpPr>
-        <p:spPr>
-          <a:xfrm>
-            <a:off x="2359152" y="5199888"/>
-            <a:ext cx="749808" cy="411480"/>
-          </a:xfrm>
-          <a:prstGeom prst="rect">
-            <a:avLst/>
-          </a:prstGeom>
-          <a:noFill/>
-          <a:ln>
-            <a:solidFill>
-              <a:srgbClr val="FFC000"/>
-            </a:solidFill>
-          </a:ln>
-        </p:spPr>
-        <p:style>
-          <a:lnRef idx="2">
-            <a:schemeClr val="accent1">
-              <a:shade val="50000"/>
-            </a:schemeClr>
-          </a:lnRef>
-          <a:fillRef idx="1">
-            <a:schemeClr val="accent1"/>
-          </a:fillRef>
-          <a:effectRef idx="0">
-            <a:schemeClr val="accent1"/>
-          </a:effectRef>
-          <a:fontRef idx="minor">
-            <a:schemeClr val="lt1"/>
-          </a:fontRef>
-        </p:style>
-        <p:txBody>
-          <a:bodyPr rtlCol="0" anchor="ctr"/>
-          <a:lstStyle/>
-          <a:p>
-            <a:pPr algn="ctr"/>
-            <a:endParaRPr lang="en-US"/>
-          </a:p>
-        </p:txBody>
-      </p:sp>
-      <p:sp>
-        <p:nvSpPr>
-          <p:cNvPr id="13" name="Rectangle 12"/>
-          <p:cNvSpPr/>
-          <p:nvPr/>
-        </p:nvSpPr>
-        <p:spPr>
-          <a:xfrm>
-            <a:off x="256032" y="5227320"/>
-            <a:ext cx="854982" cy="411480"/>
-          </a:xfrm>
-          <a:prstGeom prst="rect">
-            <a:avLst/>
-          </a:prstGeom>
-          <a:noFill/>
-          <a:ln>
-            <a:solidFill>
-              <a:srgbClr val="FFC000"/>
-            </a:solidFill>
-          </a:ln>
-        </p:spPr>
-        <p:style>
-          <a:lnRef idx="2">
-            <a:schemeClr val="accent1">
-              <a:shade val="50000"/>
-            </a:schemeClr>
-          </a:lnRef>
-          <a:fillRef idx="1">
-            <a:schemeClr val="accent1"/>
-          </a:fillRef>
-          <a:effectRef idx="0">
-            <a:schemeClr val="accent1"/>
-          </a:effectRef>
-          <a:fontRef idx="minor">
-            <a:schemeClr val="lt1"/>
-          </a:fontRef>
-        </p:style>
-        <p:txBody>
-          <a:bodyPr rtlCol="0" anchor="ctr"/>
-          <a:lstStyle/>
-          <a:p>
-            <a:pPr algn="ctr"/>
-            <a:endParaRPr lang="en-US"/>
-          </a:p>
-        </p:txBody>
-      </p:sp>
-      <p:sp>
-        <p:nvSpPr>
-          <p:cNvPr id="14" name="Rectangle 13"/>
-          <p:cNvSpPr/>
-          <p:nvPr/>
-        </p:nvSpPr>
-        <p:spPr>
-          <a:xfrm>
-            <a:off x="1298448" y="5227320"/>
-            <a:ext cx="813816" cy="411480"/>
-          </a:xfrm>
-          <a:prstGeom prst="rect">
-            <a:avLst/>
-          </a:prstGeom>
-          <a:noFill/>
-          <a:ln>
-            <a:solidFill>
-              <a:srgbClr val="FFC000"/>
-            </a:solidFill>
-            <a:prstDash val="sysDash"/>
-          </a:ln>
-        </p:spPr>
-        <p:style>
-          <a:lnRef idx="2">
-            <a:schemeClr val="accent1">
-              <a:shade val="50000"/>
-            </a:schemeClr>
-          </a:lnRef>
-          <a:fillRef idx="1">
-            <a:schemeClr val="accent1"/>
-          </a:fillRef>
-          <a:effectRef idx="0">
-            <a:schemeClr val="accent1"/>
-          </a:effectRef>
-          <a:fontRef idx="minor">
-            <a:schemeClr val="lt1"/>
-          </a:fontRef>
-        </p:style>
-        <p:txBody>
-          <a:bodyPr rtlCol="0" anchor="ctr"/>
-          <a:lstStyle/>
-          <a:p>
-            <a:pPr algn="ctr"/>
-            <a:endParaRPr lang="en-US"/>
-          </a:p>
-        </p:txBody>
-      </p:sp>
-      <p:sp>
-        <p:nvSpPr>
-          <p:cNvPr id="15" name="Rectangle 14"/>
-          <p:cNvSpPr/>
-          <p:nvPr/>
-        </p:nvSpPr>
-        <p:spPr>
-          <a:xfrm>
-            <a:off x="1673352" y="3107997"/>
-            <a:ext cx="813816" cy="411480"/>
-          </a:xfrm>
-          <a:prstGeom prst="rect">
-            <a:avLst/>
-          </a:prstGeom>
-          <a:noFill/>
-          <a:ln>
-            <a:solidFill>
-              <a:srgbClr val="FFC000"/>
-            </a:solidFill>
-          </a:ln>
-        </p:spPr>
-        <p:style>
-          <a:lnRef idx="2">
-            <a:schemeClr val="accent1">
-              <a:shade val="50000"/>
-            </a:schemeClr>
-          </a:lnRef>
-          <a:fillRef idx="1">
-            <a:schemeClr val="accent1"/>
-          </a:fillRef>
-          <a:effectRef idx="0">
-            <a:schemeClr val="accent1"/>
-          </a:effectRef>
-          <a:fontRef idx="minor">
-            <a:schemeClr val="lt1"/>
-          </a:fontRef>
-        </p:style>
-        <p:txBody>
-          <a:bodyPr rtlCol="0" anchor="ctr"/>
-          <a:lstStyle/>
-          <a:p>
-            <a:pPr algn="ctr"/>
-            <a:endParaRPr lang="en-US"/>
-          </a:p>
-        </p:txBody>
-      </p:sp>
-      <p:sp>
-        <p:nvSpPr>
-          <p:cNvPr id="20" name="Rectangle 19"/>
-          <p:cNvSpPr/>
-          <p:nvPr/>
-        </p:nvSpPr>
-        <p:spPr>
-          <a:xfrm>
-            <a:off x="6574536" y="1879180"/>
-            <a:ext cx="710184" cy="411480"/>
-          </a:xfrm>
-          <a:prstGeom prst="rect">
-            <a:avLst/>
-          </a:prstGeom>
-          <a:noFill/>
-          <a:ln>
-            <a:solidFill>
-              <a:srgbClr val="FFC000"/>
-            </a:solidFill>
-          </a:ln>
-        </p:spPr>
-        <p:style>
-          <a:lnRef idx="2">
-            <a:schemeClr val="accent1">
-              <a:shade val="50000"/>
-            </a:schemeClr>
-          </a:lnRef>
-          <a:fillRef idx="1">
-            <a:schemeClr val="accent1"/>
-          </a:fillRef>
-          <a:effectRef idx="0">
-            <a:schemeClr val="accent1"/>
-          </a:effectRef>
-          <a:fontRef idx="minor">
-            <a:schemeClr val="lt1"/>
-          </a:fontRef>
-        </p:style>
-        <p:txBody>
-          <a:bodyPr rtlCol="0" anchor="ctr"/>
-          <a:lstStyle/>
-          <a:p>
-            <a:pPr algn="ctr"/>
             <a:endParaRPr lang="en-US"/>
           </a:p>
         </p:txBody>
@@ -5806,7 +6498,7 @@
     </p:spTree>
     <p:extLst>
       <p:ext uri="{BB962C8B-B14F-4D97-AF65-F5344CB8AC3E}">
-        <p14:creationId xmlns:p14="http://schemas.microsoft.com/office/powerpoint/2010/main" val="3172141890"/>
+        <p14:creationId xmlns:p14="http://schemas.microsoft.com/office/powerpoint/2010/main" val="618824778"/>
       </p:ext>
     </p:extLst>
   </p:cSld>
@@ -5816,7 +6508,7 @@
   <p:timing>
     <p:tnLst>
       <p:par>
-        <p:cTn id="1" dur="indefinite" restart="never" nodeType="tmRoot"/>
+        <p:cTn xmlns:p14="http://schemas.microsoft.com/office/powerpoint/2010/main" id="1" dur="indefinite" restart="never" nodeType="tmRoot"/>
       </p:par>
     </p:tnLst>
   </p:timing>
@@ -6151,7 +6843,7 @@
     </a:clrScheme>
     <a:fontScheme name="Office">
       <a:majorFont>
-        <a:latin typeface="Calibri Light" panose="020F0302020204030204"/>
+        <a:latin typeface="Calibri Light"/>
         <a:ea typeface=""/>
         <a:cs typeface=""/>
         <a:font script="Jpan" typeface="ＭＳ Ｐゴシック"/>
@@ -6186,7 +6878,7 @@
         <a:font script="Geor" typeface="Sylfaen"/>
       </a:majorFont>
       <a:minorFont>
-        <a:latin typeface="Calibri" panose="020F0502020204030204"/>
+        <a:latin typeface="Calibri"/>
         <a:ea typeface=""/>
         <a:cs typeface=""/>
         <a:font script="Jpan" typeface="ＭＳ Ｐゴシック"/>
@@ -6363,7 +7055,7 @@
   <a:extraClrSchemeLst/>
   <a:extLst>
     <a:ext uri="{05A4C25C-085E-4340-85A3-A5531E510DB2}">
-      <thm15:themeFamily xmlns:thm15="http://schemas.microsoft.com/office/thememl/2012/main" name="Office Theme" id="{62F939B6-93AF-4DB8-9C6B-D6C7DFDC589F}" vid="{4A3C46E8-61CC-4603-A589-7422A47A8E4A}"/>
+      <thm15:themeFamily xmlns:thm15="http://schemas.microsoft.com/office/thememl/2012/main" xmlns="" name="Office Theme" id="{62F939B6-93AF-4DB8-9C6B-D6C7DFDC589F}" vid="{4A3C46E8-61CC-4603-A589-7422A47A8E4A}"/>
     </a:ext>
   </a:extLst>
 </a:theme>
@@ -6412,7 +7104,7 @@
     </a:clrScheme>
     <a:fontScheme name="Office">
       <a:majorFont>
-        <a:latin typeface="Calibri Light" panose="020F0302020204030204"/>
+        <a:latin typeface="Calibri Light"/>
         <a:ea typeface=""/>
         <a:cs typeface=""/>
         <a:font script="Jpan" typeface="ＭＳ Ｐゴシック"/>
@@ -6447,7 +7139,7 @@
         <a:font script="Geor" typeface="Sylfaen"/>
       </a:majorFont>
       <a:minorFont>
-        <a:latin typeface="Calibri" panose="020F0502020204030204"/>
+        <a:latin typeface="Calibri"/>
         <a:ea typeface=""/>
         <a:cs typeface=""/>
         <a:font script="Jpan" typeface="ＭＳ Ｐゴシック"/>
@@ -6624,7 +7316,7 @@
   <a:extraClrSchemeLst/>
   <a:extLst>
     <a:ext uri="{05A4C25C-085E-4340-85A3-A5531E510DB2}">
-      <thm15:themeFamily xmlns:thm15="http://schemas.microsoft.com/office/thememl/2012/main" name="Office Theme" id="{62F939B6-93AF-4DB8-9C6B-D6C7DFDC589F}" vid="{4A3C46E8-61CC-4603-A589-7422A47A8E4A}"/>
+      <thm15:themeFamily xmlns:thm15="http://schemas.microsoft.com/office/thememl/2012/main" xmlns="" name="Office Theme" id="{62F939B6-93AF-4DB8-9C6B-D6C7DFDC589F}" vid="{4A3C46E8-61CC-4603-A589-7422A47A8E4A}"/>
     </a:ext>
   </a:extLst>
 </a:theme>
